--- a/InitialTemperaturePlots.pptx
+++ b/InitialTemperaturePlots.pptx
@@ -7,9 +7,10 @@
   <p:sldIdLst>
     <p:sldId id="256" r:id="rId2"/>
     <p:sldId id="257" r:id="rId3"/>
-    <p:sldId id="258" r:id="rId4"/>
-    <p:sldId id="259" r:id="rId5"/>
-    <p:sldId id="260" r:id="rId6"/>
+    <p:sldId id="261" r:id="rId4"/>
+    <p:sldId id="258" r:id="rId5"/>
+    <p:sldId id="259" r:id="rId6"/>
+    <p:sldId id="260" r:id="rId7"/>
   </p:sldIdLst>
   <p:sldSz cx="12192000" cy="6858000"/>
   <p:notesSz cx="6858000" cy="9144000"/>
@@ -108,6 +109,11 @@
       </a:defRPr>
     </a:lvl9pPr>
   </p:defaultTextStyle>
+  <p:extLst>
+    <p:ext uri="{EFAFB233-063F-42B5-8137-9DF3F51BA10A}">
+      <p15:sldGuideLst xmlns:p15="http://schemas.microsoft.com/office/powerpoint/2012/main"/>
+    </p:ext>
+  </p:extLst>
 </p:presentation>
 </file>
 
@@ -258,7 +264,7 @@
           <a:p>
             <a:fld id="{6E4F0104-86F5-EF49-B383-F1AE1C81D740}" type="datetimeFigureOut">
               <a:rPr lang="en-US" smtClean="0"/>
-              <a:t>5/31/21</a:t>
+              <a:t>6/1/21</a:t>
             </a:fld>
             <a:endParaRPr lang="en-US"/>
           </a:p>
@@ -456,7 +462,7 @@
           <a:p>
             <a:fld id="{6E4F0104-86F5-EF49-B383-F1AE1C81D740}" type="datetimeFigureOut">
               <a:rPr lang="en-US" smtClean="0"/>
-              <a:t>5/31/21</a:t>
+              <a:t>6/1/21</a:t>
             </a:fld>
             <a:endParaRPr lang="en-US"/>
           </a:p>
@@ -664,7 +670,7 @@
           <a:p>
             <a:fld id="{6E4F0104-86F5-EF49-B383-F1AE1C81D740}" type="datetimeFigureOut">
               <a:rPr lang="en-US" smtClean="0"/>
-              <a:t>5/31/21</a:t>
+              <a:t>6/1/21</a:t>
             </a:fld>
             <a:endParaRPr lang="en-US"/>
           </a:p>
@@ -862,7 +868,7 @@
           <a:p>
             <a:fld id="{6E4F0104-86F5-EF49-B383-F1AE1C81D740}" type="datetimeFigureOut">
               <a:rPr lang="en-US" smtClean="0"/>
-              <a:t>5/31/21</a:t>
+              <a:t>6/1/21</a:t>
             </a:fld>
             <a:endParaRPr lang="en-US"/>
           </a:p>
@@ -1137,7 +1143,7 @@
           <a:p>
             <a:fld id="{6E4F0104-86F5-EF49-B383-F1AE1C81D740}" type="datetimeFigureOut">
               <a:rPr lang="en-US" smtClean="0"/>
-              <a:t>5/31/21</a:t>
+              <a:t>6/1/21</a:t>
             </a:fld>
             <a:endParaRPr lang="en-US"/>
           </a:p>
@@ -1402,7 +1408,7 @@
           <a:p>
             <a:fld id="{6E4F0104-86F5-EF49-B383-F1AE1C81D740}" type="datetimeFigureOut">
               <a:rPr lang="en-US" smtClean="0"/>
-              <a:t>5/31/21</a:t>
+              <a:t>6/1/21</a:t>
             </a:fld>
             <a:endParaRPr lang="en-US"/>
           </a:p>
@@ -1814,7 +1820,7 @@
           <a:p>
             <a:fld id="{6E4F0104-86F5-EF49-B383-F1AE1C81D740}" type="datetimeFigureOut">
               <a:rPr lang="en-US" smtClean="0"/>
-              <a:t>5/31/21</a:t>
+              <a:t>6/1/21</a:t>
             </a:fld>
             <a:endParaRPr lang="en-US"/>
           </a:p>
@@ -1955,7 +1961,7 @@
           <a:p>
             <a:fld id="{6E4F0104-86F5-EF49-B383-F1AE1C81D740}" type="datetimeFigureOut">
               <a:rPr lang="en-US" smtClean="0"/>
-              <a:t>5/31/21</a:t>
+              <a:t>6/1/21</a:t>
             </a:fld>
             <a:endParaRPr lang="en-US"/>
           </a:p>
@@ -2068,7 +2074,7 @@
           <a:p>
             <a:fld id="{6E4F0104-86F5-EF49-B383-F1AE1C81D740}" type="datetimeFigureOut">
               <a:rPr lang="en-US" smtClean="0"/>
-              <a:t>5/31/21</a:t>
+              <a:t>6/1/21</a:t>
             </a:fld>
             <a:endParaRPr lang="en-US"/>
           </a:p>
@@ -2379,7 +2385,7 @@
           <a:p>
             <a:fld id="{6E4F0104-86F5-EF49-B383-F1AE1C81D740}" type="datetimeFigureOut">
               <a:rPr lang="en-US" smtClean="0"/>
-              <a:t>5/31/21</a:t>
+              <a:t>6/1/21</a:t>
             </a:fld>
             <a:endParaRPr lang="en-US"/>
           </a:p>
@@ -2667,7 +2673,7 @@
           <a:p>
             <a:fld id="{6E4F0104-86F5-EF49-B383-F1AE1C81D740}" type="datetimeFigureOut">
               <a:rPr lang="en-US" smtClean="0"/>
-              <a:t>5/31/21</a:t>
+              <a:t>6/1/21</a:t>
             </a:fld>
             <a:endParaRPr lang="en-US"/>
           </a:p>
@@ -2908,7 +2914,7 @@
           <a:p>
             <a:fld id="{6E4F0104-86F5-EF49-B383-F1AE1C81D740}" type="datetimeFigureOut">
               <a:rPr lang="en-US" smtClean="0"/>
-              <a:t>5/31/21</a:t>
+              <a:t>6/1/21</a:t>
             </a:fld>
             <a:endParaRPr lang="en-US"/>
           </a:p>
@@ -3842,17 +3848,19 @@
       </p:grpSpPr>
       <p:pic>
         <p:nvPicPr>
-          <p:cNvPr id="9" name="Picture 8" descr="Chart, line chart&#10;&#10;Description automatically generated">
-            <a:extLst>
-              <a:ext uri="{FF2B5EF4-FFF2-40B4-BE49-F238E27FC236}">
-                <a16:creationId xmlns:a16="http://schemas.microsoft.com/office/drawing/2014/main" id="{BF7C3CB2-2F4D-5A43-8611-4FEB289FD85C}"/>
+          <p:cNvPr id="5" name="Content Placeholder 4" descr="Chart, histogram&#10;&#10;Description automatically generated">
+            <a:extLst>
+              <a:ext uri="{FF2B5EF4-FFF2-40B4-BE49-F238E27FC236}">
+                <a16:creationId xmlns:a16="http://schemas.microsoft.com/office/drawing/2014/main" id="{5D8DEA90-7FE1-6D42-B5C4-65A0DA0B84DF}"/>
               </a:ext>
             </a:extLst>
           </p:cNvPr>
           <p:cNvPicPr>
-            <a:picLocks noChangeAspect="1"/>
+            <a:picLocks noGrp="1" noChangeAspect="1"/>
           </p:cNvPicPr>
-          <p:nvPr/>
+          <p:nvPr>
+            <p:ph idx="1"/>
+          </p:nvPr>
         </p:nvPicPr>
         <p:blipFill>
           <a:blip r:embed="rId2"/>
@@ -3862,20 +3870,17 @@
         </p:blipFill>
         <p:spPr>
           <a:xfrm>
-            <a:off x="3971471" y="0"/>
-            <a:ext cx="4238170" cy="3178628"/>
-          </a:xfrm>
-          <a:prstGeom prst="rect">
-            <a:avLst/>
-          </a:prstGeom>
+            <a:off x="333828" y="740228"/>
+            <a:ext cx="3720936" cy="2824164"/>
+          </a:xfrm>
         </p:spPr>
       </p:pic>
       <p:pic>
         <p:nvPicPr>
-          <p:cNvPr id="11" name="Picture 10" descr="Chart&#10;&#10;Description automatically generated with medium confidence">
-            <a:extLst>
-              <a:ext uri="{FF2B5EF4-FFF2-40B4-BE49-F238E27FC236}">
-                <a16:creationId xmlns:a16="http://schemas.microsoft.com/office/drawing/2014/main" id="{74B5667C-89B9-E648-9136-E339455ECA6E}"/>
+          <p:cNvPr id="7" name="Picture 6" descr="Chart, histogram&#10;&#10;Description automatically generated">
+            <a:extLst>
+              <a:ext uri="{FF2B5EF4-FFF2-40B4-BE49-F238E27FC236}">
+                <a16:creationId xmlns:a16="http://schemas.microsoft.com/office/drawing/2014/main" id="{2A859A03-C30E-EB4D-9718-A7385E916E5E}"/>
               </a:ext>
             </a:extLst>
           </p:cNvPr>
@@ -3892,8 +3897,8 @@
         </p:blipFill>
         <p:spPr>
           <a:xfrm>
-            <a:off x="7942943" y="0"/>
-            <a:ext cx="4238170" cy="3178628"/>
+            <a:off x="4165602" y="740229"/>
+            <a:ext cx="3738846" cy="2824164"/>
           </a:xfrm>
           <a:prstGeom prst="rect">
             <a:avLst/>
@@ -3902,10 +3907,10 @@
       </p:pic>
       <p:pic>
         <p:nvPicPr>
-          <p:cNvPr id="13" name="Picture 12" descr="Chart, line chart&#10;&#10;Description automatically generated">
-            <a:extLst>
-              <a:ext uri="{FF2B5EF4-FFF2-40B4-BE49-F238E27FC236}">
-                <a16:creationId xmlns:a16="http://schemas.microsoft.com/office/drawing/2014/main" id="{B7F70C65-7F34-A549-88E5-49636A7268AA}"/>
+          <p:cNvPr id="9" name="Picture 8" descr="Chart, histogram&#10;&#10;Description automatically generated">
+            <a:extLst>
+              <a:ext uri="{FF2B5EF4-FFF2-40B4-BE49-F238E27FC236}">
+                <a16:creationId xmlns:a16="http://schemas.microsoft.com/office/drawing/2014/main" id="{85280D02-8094-724E-AA35-BE743A18F430}"/>
               </a:ext>
             </a:extLst>
           </p:cNvPr>
@@ -3922,8 +3927,8 @@
         </p:blipFill>
         <p:spPr>
           <a:xfrm>
-            <a:off x="1852386" y="3429000"/>
-            <a:ext cx="4238170" cy="3178628"/>
+            <a:off x="8015286" y="740228"/>
+            <a:ext cx="3796857" cy="2824164"/>
           </a:xfrm>
           <a:prstGeom prst="rect">
             <a:avLst/>
@@ -3932,10 +3937,10 @@
       </p:pic>
       <p:pic>
         <p:nvPicPr>
-          <p:cNvPr id="15" name="Picture 14" descr="Chart, line chart&#10;&#10;Description automatically generated">
-            <a:extLst>
-              <a:ext uri="{FF2B5EF4-FFF2-40B4-BE49-F238E27FC236}">
-                <a16:creationId xmlns:a16="http://schemas.microsoft.com/office/drawing/2014/main" id="{1C97D3DC-30B7-804C-B827-E843B47EE14C}"/>
+          <p:cNvPr id="11" name="Picture 10" descr="Chart, histogram&#10;&#10;Description automatically generated">
+            <a:extLst>
+              <a:ext uri="{FF2B5EF4-FFF2-40B4-BE49-F238E27FC236}">
+                <a16:creationId xmlns:a16="http://schemas.microsoft.com/office/drawing/2014/main" id="{4DA1318F-5349-8F41-82D2-ABDAA07C7BAC}"/>
               </a:ext>
             </a:extLst>
           </p:cNvPr>
@@ -3952,8 +3957,8 @@
         </p:blipFill>
         <p:spPr>
           <a:xfrm>
-            <a:off x="6101446" y="3429000"/>
-            <a:ext cx="4238171" cy="3178628"/>
+            <a:off x="2286164" y="4033837"/>
+            <a:ext cx="3758876" cy="2824165"/>
           </a:xfrm>
           <a:prstGeom prst="rect">
             <a:avLst/>
@@ -3962,10 +3967,10 @@
       </p:pic>
       <p:pic>
         <p:nvPicPr>
-          <p:cNvPr id="20" name="Picture 19" descr="Chart&#10;&#10;Description automatically generated">
-            <a:extLst>
-              <a:ext uri="{FF2B5EF4-FFF2-40B4-BE49-F238E27FC236}">
-                <a16:creationId xmlns:a16="http://schemas.microsoft.com/office/drawing/2014/main" id="{CE9594B9-0CB1-EB4E-8C27-6557399ED276}"/>
+          <p:cNvPr id="13" name="Picture 12" descr="Chart&#10;&#10;Description automatically generated">
+            <a:extLst>
+              <a:ext uri="{FF2B5EF4-FFF2-40B4-BE49-F238E27FC236}">
+                <a16:creationId xmlns:a16="http://schemas.microsoft.com/office/drawing/2014/main" id="{50BB1293-24A5-DC46-A528-C984D36AA248}"/>
               </a:ext>
             </a:extLst>
           </p:cNvPr>
@@ -3982,8 +3987,8 @@
         </p:blipFill>
         <p:spPr>
           <a:xfrm>
-            <a:off x="10888" y="0"/>
-            <a:ext cx="4238170" cy="3178628"/>
+            <a:off x="6423749" y="4033837"/>
+            <a:ext cx="3725774" cy="2824163"/>
           </a:xfrm>
           <a:prstGeom prst="rect">
             <a:avLst/>
@@ -3992,10 +3997,10 @@
       </p:pic>
       <p:sp>
         <p:nvSpPr>
-          <p:cNvPr id="21" name="TextBox 20">
-            <a:extLst>
-              <a:ext uri="{FF2B5EF4-FFF2-40B4-BE49-F238E27FC236}">
-                <a16:creationId xmlns:a16="http://schemas.microsoft.com/office/drawing/2014/main" id="{ED9B6F61-CDDA-B946-AB28-18947D4E9E20}"/>
+          <p:cNvPr id="14" name="TextBox 13">
+            <a:extLst>
+              <a:ext uri="{FF2B5EF4-FFF2-40B4-BE49-F238E27FC236}">
+                <a16:creationId xmlns:a16="http://schemas.microsoft.com/office/drawing/2014/main" id="{CC0DE7F9-99CC-664D-9231-9F4975932A70}"/>
               </a:ext>
             </a:extLst>
           </p:cNvPr>
@@ -4004,8 +4009,8 @@
         </p:nvSpPr>
         <p:spPr>
           <a:xfrm>
-            <a:off x="775735" y="370707"/>
-            <a:ext cx="977512" cy="369332"/>
+            <a:off x="482975" y="383347"/>
+            <a:ext cx="752129" cy="369332"/>
           </a:xfrm>
           <a:prstGeom prst="rect">
             <a:avLst/>
@@ -4020,17 +4025,17 @@
           <a:p>
             <a:r>
               <a:rPr lang="en-US" dirty="0"/>
-              <a:t>R littoral</a:t>
-            </a:r>
-          </a:p>
-        </p:txBody>
-      </p:sp>
-      <p:sp>
-        <p:nvSpPr>
-          <p:cNvPr id="22" name="TextBox 21">
-            <a:extLst>
-              <a:ext uri="{FF2B5EF4-FFF2-40B4-BE49-F238E27FC236}">
-                <a16:creationId xmlns:a16="http://schemas.microsoft.com/office/drawing/2014/main" id="{2D86B7DD-1506-F242-897A-D6A31CA8CC46}"/>
+              <a:t>T = 25</a:t>
+            </a:r>
+          </a:p>
+        </p:txBody>
+      </p:sp>
+      <p:sp>
+        <p:nvSpPr>
+          <p:cNvPr id="15" name="TextBox 14">
+            <a:extLst>
+              <a:ext uri="{FF2B5EF4-FFF2-40B4-BE49-F238E27FC236}">
+                <a16:creationId xmlns:a16="http://schemas.microsoft.com/office/drawing/2014/main" id="{5D5C88BE-CA3C-6245-B162-3F8B9D179C9C}"/>
               </a:ext>
             </a:extLst>
           </p:cNvPr>
@@ -4039,8 +4044,8 @@
         </p:nvSpPr>
         <p:spPr>
           <a:xfrm>
-            <a:off x="4870401" y="345992"/>
-            <a:ext cx="1015214" cy="369332"/>
+            <a:off x="4533099" y="370896"/>
+            <a:ext cx="926857" cy="369332"/>
           </a:xfrm>
           <a:prstGeom prst="rect">
             <a:avLst/>
@@ -4055,17 +4060,17 @@
           <a:p>
             <a:r>
               <a:rPr lang="en-US" dirty="0"/>
-              <a:t>R Pelagic</a:t>
-            </a:r>
-          </a:p>
-        </p:txBody>
-      </p:sp>
-      <p:sp>
-        <p:nvSpPr>
-          <p:cNvPr id="23" name="TextBox 22">
-            <a:extLst>
-              <a:ext uri="{FF2B5EF4-FFF2-40B4-BE49-F238E27FC236}">
-                <a16:creationId xmlns:a16="http://schemas.microsoft.com/office/drawing/2014/main" id="{5A0E1EA4-21C1-4843-8310-A8B5AB7767BC}"/>
+              <a:t>T = 27.5</a:t>
+            </a:r>
+          </a:p>
+        </p:txBody>
+      </p:sp>
+      <p:sp>
+        <p:nvSpPr>
+          <p:cNvPr id="16" name="TextBox 15">
+            <a:extLst>
+              <a:ext uri="{FF2B5EF4-FFF2-40B4-BE49-F238E27FC236}">
+                <a16:creationId xmlns:a16="http://schemas.microsoft.com/office/drawing/2014/main" id="{7BFDE921-4A1A-BE4D-A594-2A0B4A7110DE}"/>
               </a:ext>
             </a:extLst>
           </p:cNvPr>
@@ -4074,8 +4079,8 @@
         </p:nvSpPr>
         <p:spPr>
           <a:xfrm>
-            <a:off x="8750351" y="370707"/>
-            <a:ext cx="975908" cy="369332"/>
+            <a:off x="8381886" y="370896"/>
+            <a:ext cx="752129" cy="369332"/>
           </a:xfrm>
           <a:prstGeom prst="rect">
             <a:avLst/>
@@ -4090,17 +4095,17 @@
           <a:p>
             <a:r>
               <a:rPr lang="en-US" dirty="0"/>
-              <a:t>C littoral</a:t>
-            </a:r>
-          </a:p>
-        </p:txBody>
-      </p:sp>
-      <p:sp>
-        <p:nvSpPr>
-          <p:cNvPr id="24" name="TextBox 23">
-            <a:extLst>
-              <a:ext uri="{FF2B5EF4-FFF2-40B4-BE49-F238E27FC236}">
-                <a16:creationId xmlns:a16="http://schemas.microsoft.com/office/drawing/2014/main" id="{2744D673-5E02-D94B-8724-FC61E014C7CA}"/>
+              <a:t>T = 29</a:t>
+            </a:r>
+          </a:p>
+        </p:txBody>
+      </p:sp>
+      <p:sp>
+        <p:nvSpPr>
+          <p:cNvPr id="17" name="TextBox 16">
+            <a:extLst>
+              <a:ext uri="{FF2B5EF4-FFF2-40B4-BE49-F238E27FC236}">
+                <a16:creationId xmlns:a16="http://schemas.microsoft.com/office/drawing/2014/main" id="{FADC5443-F193-434A-9B5B-35A17EFEB685}"/>
               </a:ext>
             </a:extLst>
           </p:cNvPr>
@@ -4109,8 +4114,8 @@
         </p:nvSpPr>
         <p:spPr>
           <a:xfrm>
-            <a:off x="2798513" y="3834718"/>
-            <a:ext cx="1021433" cy="369332"/>
+            <a:off x="2664873" y="3698520"/>
+            <a:ext cx="926857" cy="369332"/>
           </a:xfrm>
           <a:prstGeom prst="rect">
             <a:avLst/>
@@ -4125,17 +4130,17 @@
           <a:p>
             <a:r>
               <a:rPr lang="en-US" dirty="0"/>
-              <a:t>C pelagic</a:t>
-            </a:r>
-          </a:p>
-        </p:txBody>
-      </p:sp>
-      <p:sp>
-        <p:nvSpPr>
-          <p:cNvPr id="25" name="TextBox 24">
-            <a:extLst>
-              <a:ext uri="{FF2B5EF4-FFF2-40B4-BE49-F238E27FC236}">
-                <a16:creationId xmlns:a16="http://schemas.microsoft.com/office/drawing/2014/main" id="{68FBDE51-82C6-BA4C-B058-DDB9D60DA38B}"/>
+              <a:t>T = 30.5</a:t>
+            </a:r>
+          </a:p>
+        </p:txBody>
+      </p:sp>
+      <p:sp>
+        <p:nvSpPr>
+          <p:cNvPr id="18" name="TextBox 17">
+            <a:extLst>
+              <a:ext uri="{FF2B5EF4-FFF2-40B4-BE49-F238E27FC236}">
+                <a16:creationId xmlns:a16="http://schemas.microsoft.com/office/drawing/2014/main" id="{646CEC42-8DF1-EB42-97A8-08AD46F0968B}"/>
               </a:ext>
             </a:extLst>
           </p:cNvPr>
@@ -4144,8 +4149,8 @@
         </p:nvSpPr>
         <p:spPr>
           <a:xfrm>
-            <a:off x="7036683" y="3834718"/>
-            <a:ext cx="1055738" cy="369332"/>
+            <a:off x="6697153" y="3701834"/>
+            <a:ext cx="926857" cy="369332"/>
           </a:xfrm>
           <a:prstGeom prst="rect">
             <a:avLst/>
@@ -4160,42 +4165,7 @@
           <a:p>
             <a:r>
               <a:rPr lang="en-US" dirty="0"/>
-              <a:t>Predator </a:t>
-            </a:r>
-          </a:p>
-        </p:txBody>
-      </p:sp>
-      <p:sp>
-        <p:nvSpPr>
-          <p:cNvPr id="26" name="TextBox 25">
-            <a:extLst>
-              <a:ext uri="{FF2B5EF4-FFF2-40B4-BE49-F238E27FC236}">
-                <a16:creationId xmlns:a16="http://schemas.microsoft.com/office/drawing/2014/main" id="{12B730E3-5D5A-5049-B748-1094652D1FC2}"/>
-              </a:ext>
-            </a:extLst>
-          </p:cNvPr>
-          <p:cNvSpPr txBox="1"/>
-          <p:nvPr/>
-        </p:nvSpPr>
-        <p:spPr>
-          <a:xfrm>
-            <a:off x="10888" y="6473074"/>
-            <a:ext cx="9980168" cy="369332"/>
-          </a:xfrm>
-          <a:prstGeom prst="rect">
-            <a:avLst/>
-          </a:prstGeom>
-          <a:noFill/>
-        </p:spPr>
-        <p:txBody>
-          <a:bodyPr wrap="none" rtlCol="0">
-            <a:spAutoFit/>
-          </a:bodyPr>
-          <a:lstStyle/>
-          <a:p>
-            <a:r>
-              <a:rPr lang="en-US" dirty="0"/>
-              <a:t>Equilibrium densities of each population across temperature (where we get positive interior equilibrium) </a:t>
+              <a:t>T = 31.5</a:t>
             </a:r>
           </a:p>
         </p:txBody>
@@ -4203,7 +4173,7 @@
     </p:spTree>
     <p:extLst>
       <p:ext uri="{BB962C8B-B14F-4D97-AF65-F5344CB8AC3E}">
-        <p14:creationId xmlns:p14="http://schemas.microsoft.com/office/powerpoint/2010/main" val="1035684611"/>
+        <p14:creationId xmlns:p14="http://schemas.microsoft.com/office/powerpoint/2010/main" val="2843921217"/>
       </p:ext>
     </p:extLst>
   </p:cSld>
@@ -4232,10 +4202,10 @@
       </p:grpSpPr>
       <p:pic>
         <p:nvPicPr>
-          <p:cNvPr id="5" name="Picture 4" descr="Chart&#10;&#10;Description automatically generated">
-            <a:extLst>
-              <a:ext uri="{FF2B5EF4-FFF2-40B4-BE49-F238E27FC236}">
-                <a16:creationId xmlns:a16="http://schemas.microsoft.com/office/drawing/2014/main" id="{4866C4B6-5C05-E344-B5B8-A97AC3CF891C}"/>
+          <p:cNvPr id="9" name="Picture 8" descr="Chart, line chart&#10;&#10;Description automatically generated">
+            <a:extLst>
+              <a:ext uri="{FF2B5EF4-FFF2-40B4-BE49-F238E27FC236}">
+                <a16:creationId xmlns:a16="http://schemas.microsoft.com/office/drawing/2014/main" id="{BF7C3CB2-2F4D-5A43-8611-4FEB289FD85C}"/>
               </a:ext>
             </a:extLst>
           </p:cNvPr>
@@ -4252,8 +4222,8 @@
         </p:blipFill>
         <p:spPr>
           <a:xfrm>
-            <a:off x="0" y="195942"/>
-            <a:ext cx="3791857" cy="2843893"/>
+            <a:off x="3971471" y="0"/>
+            <a:ext cx="4238170" cy="3178628"/>
           </a:xfrm>
           <a:prstGeom prst="rect">
             <a:avLst/>
@@ -4262,10 +4232,10 @@
       </p:pic>
       <p:pic>
         <p:nvPicPr>
-          <p:cNvPr id="7" name="Picture 6" descr="Chart, line chart&#10;&#10;Description automatically generated">
-            <a:extLst>
-              <a:ext uri="{FF2B5EF4-FFF2-40B4-BE49-F238E27FC236}">
-                <a16:creationId xmlns:a16="http://schemas.microsoft.com/office/drawing/2014/main" id="{EE1010F0-AC88-7348-86A6-7BC82C6D921C}"/>
+          <p:cNvPr id="11" name="Picture 10" descr="Chart&#10;&#10;Description automatically generated with medium confidence">
+            <a:extLst>
+              <a:ext uri="{FF2B5EF4-FFF2-40B4-BE49-F238E27FC236}">
+                <a16:creationId xmlns:a16="http://schemas.microsoft.com/office/drawing/2014/main" id="{74B5667C-89B9-E648-9136-E339455ECA6E}"/>
               </a:ext>
             </a:extLst>
           </p:cNvPr>
@@ -4282,8 +4252,8 @@
         </p:blipFill>
         <p:spPr>
           <a:xfrm>
-            <a:off x="0" y="3429000"/>
-            <a:ext cx="3791857" cy="2843893"/>
+            <a:off x="7942943" y="0"/>
+            <a:ext cx="4238170" cy="3178628"/>
           </a:xfrm>
           <a:prstGeom prst="rect">
             <a:avLst/>
@@ -4292,10 +4262,10 @@
       </p:pic>
       <p:pic>
         <p:nvPicPr>
-          <p:cNvPr id="9" name="Picture 8" descr="Chart&#10;&#10;Description automatically generated">
-            <a:extLst>
-              <a:ext uri="{FF2B5EF4-FFF2-40B4-BE49-F238E27FC236}">
-                <a16:creationId xmlns:a16="http://schemas.microsoft.com/office/drawing/2014/main" id="{E22A8316-D059-074B-9627-FDABFD9BD4B9}"/>
+          <p:cNvPr id="13" name="Picture 12" descr="Chart, line chart&#10;&#10;Description automatically generated">
+            <a:extLst>
+              <a:ext uri="{FF2B5EF4-FFF2-40B4-BE49-F238E27FC236}">
+                <a16:creationId xmlns:a16="http://schemas.microsoft.com/office/drawing/2014/main" id="{B7F70C65-7F34-A549-88E5-49636A7268AA}"/>
               </a:ext>
             </a:extLst>
           </p:cNvPr>
@@ -4312,8 +4282,8 @@
         </p:blipFill>
         <p:spPr>
           <a:xfrm>
-            <a:off x="3760230" y="151038"/>
-            <a:ext cx="3911600" cy="2933700"/>
+            <a:off x="1852386" y="3429000"/>
+            <a:ext cx="4238170" cy="3178628"/>
           </a:xfrm>
           <a:prstGeom prst="rect">
             <a:avLst/>
@@ -4322,10 +4292,10 @@
       </p:pic>
       <p:pic>
         <p:nvPicPr>
-          <p:cNvPr id="11" name="Picture 10" descr="Chart&#10;&#10;Description automatically generated">
-            <a:extLst>
-              <a:ext uri="{FF2B5EF4-FFF2-40B4-BE49-F238E27FC236}">
-                <a16:creationId xmlns:a16="http://schemas.microsoft.com/office/drawing/2014/main" id="{10D86610-61DD-A543-B52F-E3FAD1BDB7A8}"/>
+          <p:cNvPr id="15" name="Picture 14" descr="Chart, line chart&#10;&#10;Description automatically generated">
+            <a:extLst>
+              <a:ext uri="{FF2B5EF4-FFF2-40B4-BE49-F238E27FC236}">
+                <a16:creationId xmlns:a16="http://schemas.microsoft.com/office/drawing/2014/main" id="{1C97D3DC-30B7-804C-B827-E843B47EE14C}"/>
               </a:ext>
             </a:extLst>
           </p:cNvPr>
@@ -4342,8 +4312,8 @@
         </p:blipFill>
         <p:spPr>
           <a:xfrm>
-            <a:off x="3791857" y="3429000"/>
-            <a:ext cx="3911600" cy="2933700"/>
+            <a:off x="6101446" y="3429000"/>
+            <a:ext cx="4238171" cy="3178628"/>
           </a:xfrm>
           <a:prstGeom prst="rect">
             <a:avLst/>
@@ -4352,10 +4322,10 @@
       </p:pic>
       <p:pic>
         <p:nvPicPr>
-          <p:cNvPr id="13" name="Picture 12" descr="Chart, line chart&#10;&#10;Description automatically generated">
-            <a:extLst>
-              <a:ext uri="{FF2B5EF4-FFF2-40B4-BE49-F238E27FC236}">
-                <a16:creationId xmlns:a16="http://schemas.microsoft.com/office/drawing/2014/main" id="{3A90A8EF-56FE-B54A-AC3F-7E716FD87BD5}"/>
+          <p:cNvPr id="20" name="Picture 19" descr="Chart&#10;&#10;Description automatically generated">
+            <a:extLst>
+              <a:ext uri="{FF2B5EF4-FFF2-40B4-BE49-F238E27FC236}">
+                <a16:creationId xmlns:a16="http://schemas.microsoft.com/office/drawing/2014/main" id="{CE9594B9-0CB1-EB4E-8C27-6557399ED276}"/>
               </a:ext>
             </a:extLst>
           </p:cNvPr>
@@ -4372,50 +4342,20 @@
         </p:blipFill>
         <p:spPr>
           <a:xfrm>
-            <a:off x="7552087" y="240845"/>
-            <a:ext cx="3791857" cy="2843893"/>
+            <a:off x="10888" y="0"/>
+            <a:ext cx="4238170" cy="3178628"/>
           </a:xfrm>
           <a:prstGeom prst="rect">
             <a:avLst/>
           </a:prstGeom>
         </p:spPr>
       </p:pic>
-      <p:pic>
-        <p:nvPicPr>
-          <p:cNvPr id="15" name="Picture 14" descr="Shape&#10;&#10;Description automatically generated">
-            <a:extLst>
-              <a:ext uri="{FF2B5EF4-FFF2-40B4-BE49-F238E27FC236}">
-                <a16:creationId xmlns:a16="http://schemas.microsoft.com/office/drawing/2014/main" id="{1EF91474-2021-934C-9B26-F8A57D6A160F}"/>
-              </a:ext>
-            </a:extLst>
-          </p:cNvPr>
-          <p:cNvPicPr>
-            <a:picLocks noChangeAspect="1"/>
-          </p:cNvPicPr>
-          <p:nvPr/>
-        </p:nvPicPr>
-        <p:blipFill>
-          <a:blip r:embed="rId7"/>
-          <a:stretch>
-            <a:fillRect/>
-          </a:stretch>
-        </p:blipFill>
-        <p:spPr>
-          <a:xfrm>
-            <a:off x="7418898" y="3544366"/>
-            <a:ext cx="3791858" cy="2843894"/>
-          </a:xfrm>
-          <a:prstGeom prst="rect">
-            <a:avLst/>
-          </a:prstGeom>
-        </p:spPr>
-      </p:pic>
-      <p:sp>
-        <p:nvSpPr>
-          <p:cNvPr id="16" name="TextBox 15">
-            <a:extLst>
-              <a:ext uri="{FF2B5EF4-FFF2-40B4-BE49-F238E27FC236}">
-                <a16:creationId xmlns:a16="http://schemas.microsoft.com/office/drawing/2014/main" id="{F5189358-8786-A04A-B2E2-F200ED7B6FCF}"/>
+      <p:sp>
+        <p:nvSpPr>
+          <p:cNvPr id="21" name="TextBox 20">
+            <a:extLst>
+              <a:ext uri="{FF2B5EF4-FFF2-40B4-BE49-F238E27FC236}">
+                <a16:creationId xmlns:a16="http://schemas.microsoft.com/office/drawing/2014/main" id="{ED9B6F61-CDDA-B946-AB28-18947D4E9E20}"/>
               </a:ext>
             </a:extLst>
           </p:cNvPr>
@@ -4424,8 +4364,8 @@
         </p:nvSpPr>
         <p:spPr>
           <a:xfrm>
-            <a:off x="631490" y="585107"/>
-            <a:ext cx="433132" cy="369332"/>
+            <a:off x="775735" y="370707"/>
+            <a:ext cx="977512" cy="369332"/>
           </a:xfrm>
           <a:prstGeom prst="rect">
             <a:avLst/>
@@ -4440,17 +4380,17 @@
           <a:p>
             <a:r>
               <a:rPr lang="en-US" dirty="0"/>
-              <a:t>CR</a:t>
-            </a:r>
-          </a:p>
-        </p:txBody>
-      </p:sp>
-      <p:sp>
-        <p:nvSpPr>
-          <p:cNvPr id="17" name="TextBox 16">
-            <a:extLst>
-              <a:ext uri="{FF2B5EF4-FFF2-40B4-BE49-F238E27FC236}">
-                <a16:creationId xmlns:a16="http://schemas.microsoft.com/office/drawing/2014/main" id="{D947F6E2-DE50-A24B-A0DF-7325BE651B22}"/>
+              <a:t>R littoral</a:t>
+            </a:r>
+          </a:p>
+        </p:txBody>
+      </p:sp>
+      <p:sp>
+        <p:nvSpPr>
+          <p:cNvPr id="22" name="TextBox 21">
+            <a:extLst>
+              <a:ext uri="{FF2B5EF4-FFF2-40B4-BE49-F238E27FC236}">
+                <a16:creationId xmlns:a16="http://schemas.microsoft.com/office/drawing/2014/main" id="{2D86B7DD-1506-F242-897A-D6A31CA8CC46}"/>
               </a:ext>
             </a:extLst>
           </p:cNvPr>
@@ -4459,8 +4399,8 @@
         </p:nvSpPr>
         <p:spPr>
           <a:xfrm>
-            <a:off x="4396530" y="585107"/>
-            <a:ext cx="428322" cy="369332"/>
+            <a:off x="4870401" y="345992"/>
+            <a:ext cx="1015214" cy="369332"/>
           </a:xfrm>
           <a:prstGeom prst="rect">
             <a:avLst/>
@@ -4475,17 +4415,17 @@
           <a:p>
             <a:r>
               <a:rPr lang="en-US" dirty="0"/>
-              <a:t>PR</a:t>
-            </a:r>
-          </a:p>
-        </p:txBody>
-      </p:sp>
-      <p:sp>
-        <p:nvSpPr>
-          <p:cNvPr id="18" name="TextBox 17">
-            <a:extLst>
-              <a:ext uri="{FF2B5EF4-FFF2-40B4-BE49-F238E27FC236}">
-                <a16:creationId xmlns:a16="http://schemas.microsoft.com/office/drawing/2014/main" id="{A81F99E5-E0A2-F345-A4B2-0449057FAAF1}"/>
+              <a:t>R Pelagic</a:t>
+            </a:r>
+          </a:p>
+        </p:txBody>
+      </p:sp>
+      <p:sp>
+        <p:nvSpPr>
+          <p:cNvPr id="23" name="TextBox 22">
+            <a:extLst>
+              <a:ext uri="{FF2B5EF4-FFF2-40B4-BE49-F238E27FC236}">
+                <a16:creationId xmlns:a16="http://schemas.microsoft.com/office/drawing/2014/main" id="{5A0E1EA4-21C1-4843-8310-A8B5AB7767BC}"/>
               </a:ext>
             </a:extLst>
           </p:cNvPr>
@@ -4494,8 +4434,8 @@
         </p:nvSpPr>
         <p:spPr>
           <a:xfrm>
-            <a:off x="8063143" y="585107"/>
-            <a:ext cx="426720" cy="369332"/>
+            <a:off x="8750351" y="370707"/>
+            <a:ext cx="975908" cy="369332"/>
           </a:xfrm>
           <a:prstGeom prst="rect">
             <a:avLst/>
@@ -4510,17 +4450,17 @@
           <a:p>
             <a:r>
               <a:rPr lang="en-US" dirty="0"/>
-              <a:t>PC</a:t>
-            </a:r>
-          </a:p>
-        </p:txBody>
-      </p:sp>
-      <p:sp>
-        <p:nvSpPr>
-          <p:cNvPr id="19" name="TextBox 18">
-            <a:extLst>
-              <a:ext uri="{FF2B5EF4-FFF2-40B4-BE49-F238E27FC236}">
-                <a16:creationId xmlns:a16="http://schemas.microsoft.com/office/drawing/2014/main" id="{CCE98280-9C77-DD4A-BBE7-B3B377F2DB48}"/>
+              <a:t>C littoral</a:t>
+            </a:r>
+          </a:p>
+        </p:txBody>
+      </p:sp>
+      <p:sp>
+        <p:nvSpPr>
+          <p:cNvPr id="24" name="TextBox 23">
+            <a:extLst>
+              <a:ext uri="{FF2B5EF4-FFF2-40B4-BE49-F238E27FC236}">
+                <a16:creationId xmlns:a16="http://schemas.microsoft.com/office/drawing/2014/main" id="{2744D673-5E02-D94B-8724-FC61E014C7CA}"/>
               </a:ext>
             </a:extLst>
           </p:cNvPr>
@@ -4529,8 +4469,8 @@
         </p:nvSpPr>
         <p:spPr>
           <a:xfrm>
-            <a:off x="637207" y="3897867"/>
-            <a:ext cx="433132" cy="369332"/>
+            <a:off x="2798513" y="3834718"/>
+            <a:ext cx="1021433" cy="369332"/>
           </a:xfrm>
           <a:prstGeom prst="rect">
             <a:avLst/>
@@ -4545,17 +4485,17 @@
           <a:p>
             <a:r>
               <a:rPr lang="en-US" dirty="0"/>
-              <a:t>CR</a:t>
-            </a:r>
-          </a:p>
-        </p:txBody>
-      </p:sp>
-      <p:sp>
-        <p:nvSpPr>
-          <p:cNvPr id="20" name="TextBox 19">
-            <a:extLst>
-              <a:ext uri="{FF2B5EF4-FFF2-40B4-BE49-F238E27FC236}">
-                <a16:creationId xmlns:a16="http://schemas.microsoft.com/office/drawing/2014/main" id="{21924D2E-B98E-1A48-88D9-983272D996CA}"/>
+              <a:t>C pelagic</a:t>
+            </a:r>
+          </a:p>
+        </p:txBody>
+      </p:sp>
+      <p:sp>
+        <p:nvSpPr>
+          <p:cNvPr id="25" name="TextBox 24">
+            <a:extLst>
+              <a:ext uri="{FF2B5EF4-FFF2-40B4-BE49-F238E27FC236}">
+                <a16:creationId xmlns:a16="http://schemas.microsoft.com/office/drawing/2014/main" id="{68FBDE51-82C6-BA4C-B058-DDB9D60DA38B}"/>
               </a:ext>
             </a:extLst>
           </p:cNvPr>
@@ -4564,8 +4504,8 @@
         </p:nvSpPr>
         <p:spPr>
           <a:xfrm>
-            <a:off x="4402247" y="3897867"/>
-            <a:ext cx="428322" cy="369332"/>
+            <a:off x="7036683" y="3834718"/>
+            <a:ext cx="1055738" cy="369332"/>
           </a:xfrm>
           <a:prstGeom prst="rect">
             <a:avLst/>
@@ -4580,17 +4520,17 @@
           <a:p>
             <a:r>
               <a:rPr lang="en-US" dirty="0"/>
-              <a:t>PR</a:t>
-            </a:r>
-          </a:p>
-        </p:txBody>
-      </p:sp>
-      <p:sp>
-        <p:nvSpPr>
-          <p:cNvPr id="21" name="TextBox 20">
-            <a:extLst>
-              <a:ext uri="{FF2B5EF4-FFF2-40B4-BE49-F238E27FC236}">
-                <a16:creationId xmlns:a16="http://schemas.microsoft.com/office/drawing/2014/main" id="{EF43AA96-F4C4-214D-A329-DC911A4A3E24}"/>
+              <a:t>Predator </a:t>
+            </a:r>
+          </a:p>
+        </p:txBody>
+      </p:sp>
+      <p:sp>
+        <p:nvSpPr>
+          <p:cNvPr id="26" name="TextBox 25">
+            <a:extLst>
+              <a:ext uri="{FF2B5EF4-FFF2-40B4-BE49-F238E27FC236}">
+                <a16:creationId xmlns:a16="http://schemas.microsoft.com/office/drawing/2014/main" id="{12B730E3-5D5A-5049-B748-1094652D1FC2}"/>
               </a:ext>
             </a:extLst>
           </p:cNvPr>
@@ -4599,8 +4539,8 @@
         </p:nvSpPr>
         <p:spPr>
           <a:xfrm>
-            <a:off x="8068860" y="3897867"/>
-            <a:ext cx="426720" cy="369332"/>
+            <a:off x="10888" y="6473074"/>
+            <a:ext cx="9980168" cy="369332"/>
           </a:xfrm>
           <a:prstGeom prst="rect">
             <a:avLst/>
@@ -4615,112 +4555,7 @@
           <a:p>
             <a:r>
               <a:rPr lang="en-US" dirty="0"/>
-              <a:t>PC</a:t>
-            </a:r>
-          </a:p>
-        </p:txBody>
-      </p:sp>
-      <p:sp>
-        <p:nvSpPr>
-          <p:cNvPr id="22" name="TextBox 21">
-            <a:extLst>
-              <a:ext uri="{FF2B5EF4-FFF2-40B4-BE49-F238E27FC236}">
-                <a16:creationId xmlns:a16="http://schemas.microsoft.com/office/drawing/2014/main" id="{2478E8E6-A035-5B41-A409-93C23C72B24A}"/>
-              </a:ext>
-            </a:extLst>
-          </p:cNvPr>
-          <p:cNvSpPr txBox="1"/>
-          <p:nvPr/>
-        </p:nvSpPr>
-        <p:spPr>
-          <a:xfrm>
-            <a:off x="268480" y="33635"/>
-            <a:ext cx="1063881" cy="461665"/>
-          </a:xfrm>
-          <a:prstGeom prst="rect">
-            <a:avLst/>
-          </a:prstGeom>
-          <a:noFill/>
-        </p:spPr>
-        <p:txBody>
-          <a:bodyPr wrap="none" rtlCol="0">
-            <a:spAutoFit/>
-          </a:bodyPr>
-          <a:lstStyle/>
-          <a:p>
-            <a:r>
-              <a:rPr lang="en-US" sz="2400" dirty="0"/>
-              <a:t>Littoral</a:t>
-            </a:r>
-          </a:p>
-        </p:txBody>
-      </p:sp>
-      <p:sp>
-        <p:nvSpPr>
-          <p:cNvPr id="24" name="TextBox 23">
-            <a:extLst>
-              <a:ext uri="{FF2B5EF4-FFF2-40B4-BE49-F238E27FC236}">
-                <a16:creationId xmlns:a16="http://schemas.microsoft.com/office/drawing/2014/main" id="{0CBBF967-3E0F-1E43-AB45-12757D39711F}"/>
-              </a:ext>
-            </a:extLst>
-          </p:cNvPr>
-          <p:cNvSpPr txBox="1"/>
-          <p:nvPr/>
-        </p:nvSpPr>
-        <p:spPr>
-          <a:xfrm>
-            <a:off x="251303" y="3198167"/>
-            <a:ext cx="1053750" cy="461665"/>
-          </a:xfrm>
-          <a:prstGeom prst="rect">
-            <a:avLst/>
-          </a:prstGeom>
-          <a:noFill/>
-        </p:spPr>
-        <p:txBody>
-          <a:bodyPr wrap="none" rtlCol="0">
-            <a:spAutoFit/>
-          </a:bodyPr>
-          <a:lstStyle/>
-          <a:p>
-            <a:r>
-              <a:rPr lang="en-US" sz="2400" dirty="0"/>
-              <a:t>Pelagic</a:t>
-            </a:r>
-          </a:p>
-        </p:txBody>
-      </p:sp>
-      <p:sp>
-        <p:nvSpPr>
-          <p:cNvPr id="25" name="TextBox 24">
-            <a:extLst>
-              <a:ext uri="{FF2B5EF4-FFF2-40B4-BE49-F238E27FC236}">
-                <a16:creationId xmlns:a16="http://schemas.microsoft.com/office/drawing/2014/main" id="{2FA72393-2BFB-EA49-B275-4BFD52064D6F}"/>
-              </a:ext>
-            </a:extLst>
-          </p:cNvPr>
-          <p:cNvSpPr txBox="1"/>
-          <p:nvPr/>
-        </p:nvSpPr>
-        <p:spPr>
-          <a:xfrm>
-            <a:off x="28216" y="6503726"/>
-            <a:ext cx="7166770" cy="369332"/>
-          </a:xfrm>
-          <a:prstGeom prst="rect">
-            <a:avLst/>
-          </a:prstGeom>
-          <a:noFill/>
-        </p:spPr>
-        <p:txBody>
-          <a:bodyPr wrap="none" rtlCol="0">
-            <a:spAutoFit/>
-          </a:bodyPr>
-          <a:lstStyle/>
-          <a:p>
-            <a:r>
-              <a:rPr lang="en-US" dirty="0"/>
-              <a:t>Biomass Ratios across temp (these are equilibrium density biomass ratios) </a:t>
+              <a:t>Equilibrium densities of each population across temperature (where we get positive interior equilibrium) </a:t>
             </a:r>
           </a:p>
         </p:txBody>
@@ -4728,7 +4563,7 @@
     </p:spTree>
     <p:extLst>
       <p:ext uri="{BB962C8B-B14F-4D97-AF65-F5344CB8AC3E}">
-        <p14:creationId xmlns:p14="http://schemas.microsoft.com/office/powerpoint/2010/main" val="134990726"/>
+        <p14:creationId xmlns:p14="http://schemas.microsoft.com/office/powerpoint/2010/main" val="1035684611"/>
       </p:ext>
     </p:extLst>
   </p:cSld>
@@ -4760,7 +4595,7 @@
           <p:cNvPr id="5" name="Picture 4" descr="Chart&#10;&#10;Description automatically generated">
             <a:extLst>
               <a:ext uri="{FF2B5EF4-FFF2-40B4-BE49-F238E27FC236}">
-                <a16:creationId xmlns:a16="http://schemas.microsoft.com/office/drawing/2014/main" id="{1687F4B5-5B8D-8F4D-B78A-5285D7449DCB}"/>
+                <a16:creationId xmlns:a16="http://schemas.microsoft.com/office/drawing/2014/main" id="{4866C4B6-5C05-E344-B5B8-A97AC3CF891C}"/>
               </a:ext>
             </a:extLst>
           </p:cNvPr>
@@ -4777,20 +4612,170 @@
         </p:blipFill>
         <p:spPr>
           <a:xfrm>
-            <a:off x="2216150" y="596900"/>
-            <a:ext cx="7759700" cy="5664200"/>
+            <a:off x="0" y="195942"/>
+            <a:ext cx="3791857" cy="2843893"/>
           </a:xfrm>
           <a:prstGeom prst="rect">
             <a:avLst/>
           </a:prstGeom>
         </p:spPr>
       </p:pic>
-      <p:sp>
-        <p:nvSpPr>
-          <p:cNvPr id="6" name="TextBox 5">
-            <a:extLst>
-              <a:ext uri="{FF2B5EF4-FFF2-40B4-BE49-F238E27FC236}">
-                <a16:creationId xmlns:a16="http://schemas.microsoft.com/office/drawing/2014/main" id="{3E0E726B-9B01-FD4A-A144-70683C13B287}"/>
+      <p:pic>
+        <p:nvPicPr>
+          <p:cNvPr id="7" name="Picture 6" descr="Chart, line chart&#10;&#10;Description automatically generated">
+            <a:extLst>
+              <a:ext uri="{FF2B5EF4-FFF2-40B4-BE49-F238E27FC236}">
+                <a16:creationId xmlns:a16="http://schemas.microsoft.com/office/drawing/2014/main" id="{EE1010F0-AC88-7348-86A6-7BC82C6D921C}"/>
+              </a:ext>
+            </a:extLst>
+          </p:cNvPr>
+          <p:cNvPicPr>
+            <a:picLocks noChangeAspect="1"/>
+          </p:cNvPicPr>
+          <p:nvPr/>
+        </p:nvPicPr>
+        <p:blipFill>
+          <a:blip r:embed="rId3"/>
+          <a:stretch>
+            <a:fillRect/>
+          </a:stretch>
+        </p:blipFill>
+        <p:spPr>
+          <a:xfrm>
+            <a:off x="0" y="3429000"/>
+            <a:ext cx="3791857" cy="2843893"/>
+          </a:xfrm>
+          <a:prstGeom prst="rect">
+            <a:avLst/>
+          </a:prstGeom>
+        </p:spPr>
+      </p:pic>
+      <p:pic>
+        <p:nvPicPr>
+          <p:cNvPr id="9" name="Picture 8" descr="Chart&#10;&#10;Description automatically generated">
+            <a:extLst>
+              <a:ext uri="{FF2B5EF4-FFF2-40B4-BE49-F238E27FC236}">
+                <a16:creationId xmlns:a16="http://schemas.microsoft.com/office/drawing/2014/main" id="{E22A8316-D059-074B-9627-FDABFD9BD4B9}"/>
+              </a:ext>
+            </a:extLst>
+          </p:cNvPr>
+          <p:cNvPicPr>
+            <a:picLocks noChangeAspect="1"/>
+          </p:cNvPicPr>
+          <p:nvPr/>
+        </p:nvPicPr>
+        <p:blipFill>
+          <a:blip r:embed="rId4"/>
+          <a:stretch>
+            <a:fillRect/>
+          </a:stretch>
+        </p:blipFill>
+        <p:spPr>
+          <a:xfrm>
+            <a:off x="3760230" y="151038"/>
+            <a:ext cx="3911600" cy="2933700"/>
+          </a:xfrm>
+          <a:prstGeom prst="rect">
+            <a:avLst/>
+          </a:prstGeom>
+        </p:spPr>
+      </p:pic>
+      <p:pic>
+        <p:nvPicPr>
+          <p:cNvPr id="11" name="Picture 10" descr="Chart&#10;&#10;Description automatically generated">
+            <a:extLst>
+              <a:ext uri="{FF2B5EF4-FFF2-40B4-BE49-F238E27FC236}">
+                <a16:creationId xmlns:a16="http://schemas.microsoft.com/office/drawing/2014/main" id="{10D86610-61DD-A543-B52F-E3FAD1BDB7A8}"/>
+              </a:ext>
+            </a:extLst>
+          </p:cNvPr>
+          <p:cNvPicPr>
+            <a:picLocks noChangeAspect="1"/>
+          </p:cNvPicPr>
+          <p:nvPr/>
+        </p:nvPicPr>
+        <p:blipFill>
+          <a:blip r:embed="rId5"/>
+          <a:stretch>
+            <a:fillRect/>
+          </a:stretch>
+        </p:blipFill>
+        <p:spPr>
+          <a:xfrm>
+            <a:off x="3791857" y="3429000"/>
+            <a:ext cx="3911600" cy="2933700"/>
+          </a:xfrm>
+          <a:prstGeom prst="rect">
+            <a:avLst/>
+          </a:prstGeom>
+        </p:spPr>
+      </p:pic>
+      <p:pic>
+        <p:nvPicPr>
+          <p:cNvPr id="13" name="Picture 12" descr="Chart, line chart&#10;&#10;Description automatically generated">
+            <a:extLst>
+              <a:ext uri="{FF2B5EF4-FFF2-40B4-BE49-F238E27FC236}">
+                <a16:creationId xmlns:a16="http://schemas.microsoft.com/office/drawing/2014/main" id="{3A90A8EF-56FE-B54A-AC3F-7E716FD87BD5}"/>
+              </a:ext>
+            </a:extLst>
+          </p:cNvPr>
+          <p:cNvPicPr>
+            <a:picLocks noChangeAspect="1"/>
+          </p:cNvPicPr>
+          <p:nvPr/>
+        </p:nvPicPr>
+        <p:blipFill>
+          <a:blip r:embed="rId6"/>
+          <a:stretch>
+            <a:fillRect/>
+          </a:stretch>
+        </p:blipFill>
+        <p:spPr>
+          <a:xfrm>
+            <a:off x="7552087" y="240845"/>
+            <a:ext cx="3791857" cy="2843893"/>
+          </a:xfrm>
+          <a:prstGeom prst="rect">
+            <a:avLst/>
+          </a:prstGeom>
+        </p:spPr>
+      </p:pic>
+      <p:pic>
+        <p:nvPicPr>
+          <p:cNvPr id="15" name="Picture 14" descr="Shape&#10;&#10;Description automatically generated">
+            <a:extLst>
+              <a:ext uri="{FF2B5EF4-FFF2-40B4-BE49-F238E27FC236}">
+                <a16:creationId xmlns:a16="http://schemas.microsoft.com/office/drawing/2014/main" id="{1EF91474-2021-934C-9B26-F8A57D6A160F}"/>
+              </a:ext>
+            </a:extLst>
+          </p:cNvPr>
+          <p:cNvPicPr>
+            <a:picLocks noChangeAspect="1"/>
+          </p:cNvPicPr>
+          <p:nvPr/>
+        </p:nvPicPr>
+        <p:blipFill>
+          <a:blip r:embed="rId7"/>
+          <a:stretch>
+            <a:fillRect/>
+          </a:stretch>
+        </p:blipFill>
+        <p:spPr>
+          <a:xfrm>
+            <a:off x="7418898" y="3544366"/>
+            <a:ext cx="3791858" cy="2843894"/>
+          </a:xfrm>
+          <a:prstGeom prst="rect">
+            <a:avLst/>
+          </a:prstGeom>
+        </p:spPr>
+      </p:pic>
+      <p:sp>
+        <p:nvSpPr>
+          <p:cNvPr id="16" name="TextBox 15">
+            <a:extLst>
+              <a:ext uri="{FF2B5EF4-FFF2-40B4-BE49-F238E27FC236}">
+                <a16:creationId xmlns:a16="http://schemas.microsoft.com/office/drawing/2014/main" id="{F5189358-8786-A04A-B2E2-F200ED7B6FCF}"/>
               </a:ext>
             </a:extLst>
           </p:cNvPr>
@@ -4799,8 +4784,8 @@
         </p:nvSpPr>
         <p:spPr>
           <a:xfrm>
-            <a:off x="0" y="6488668"/>
-            <a:ext cx="2522485" cy="369332"/>
+            <a:off x="631490" y="585107"/>
+            <a:ext cx="433132" cy="369332"/>
           </a:xfrm>
           <a:prstGeom prst="rect">
             <a:avLst/>
@@ -4815,11 +4800,386 @@
           <a:p>
             <a:r>
               <a:rPr lang="en-US" dirty="0"/>
+              <a:t>CR</a:t>
+            </a:r>
+          </a:p>
+        </p:txBody>
+      </p:sp>
+      <p:sp>
+        <p:nvSpPr>
+          <p:cNvPr id="17" name="TextBox 16">
+            <a:extLst>
+              <a:ext uri="{FF2B5EF4-FFF2-40B4-BE49-F238E27FC236}">
+                <a16:creationId xmlns:a16="http://schemas.microsoft.com/office/drawing/2014/main" id="{D947F6E2-DE50-A24B-A0DF-7325BE651B22}"/>
+              </a:ext>
+            </a:extLst>
+          </p:cNvPr>
+          <p:cNvSpPr txBox="1"/>
+          <p:nvPr/>
+        </p:nvSpPr>
+        <p:spPr>
+          <a:xfrm>
+            <a:off x="4396530" y="585107"/>
+            <a:ext cx="428322" cy="369332"/>
+          </a:xfrm>
+          <a:prstGeom prst="rect">
+            <a:avLst/>
+          </a:prstGeom>
+          <a:noFill/>
+        </p:spPr>
+        <p:txBody>
+          <a:bodyPr wrap="none" rtlCol="0">
+            <a:spAutoFit/>
+          </a:bodyPr>
+          <a:lstStyle/>
+          <a:p>
+            <a:r>
+              <a:rPr lang="en-US" dirty="0"/>
+              <a:t>PR</a:t>
+            </a:r>
+          </a:p>
+        </p:txBody>
+      </p:sp>
+      <p:sp>
+        <p:nvSpPr>
+          <p:cNvPr id="18" name="TextBox 17">
+            <a:extLst>
+              <a:ext uri="{FF2B5EF4-FFF2-40B4-BE49-F238E27FC236}">
+                <a16:creationId xmlns:a16="http://schemas.microsoft.com/office/drawing/2014/main" id="{A81F99E5-E0A2-F345-A4B2-0449057FAAF1}"/>
+              </a:ext>
+            </a:extLst>
+          </p:cNvPr>
+          <p:cNvSpPr txBox="1"/>
+          <p:nvPr/>
+        </p:nvSpPr>
+        <p:spPr>
+          <a:xfrm>
+            <a:off x="8063143" y="585107"/>
+            <a:ext cx="426720" cy="369332"/>
+          </a:xfrm>
+          <a:prstGeom prst="rect">
+            <a:avLst/>
+          </a:prstGeom>
+          <a:noFill/>
+        </p:spPr>
+        <p:txBody>
+          <a:bodyPr wrap="none" rtlCol="0">
+            <a:spAutoFit/>
+          </a:bodyPr>
+          <a:lstStyle/>
+          <a:p>
+            <a:r>
+              <a:rPr lang="en-US" dirty="0"/>
+              <a:t>PC</a:t>
+            </a:r>
+          </a:p>
+        </p:txBody>
+      </p:sp>
+      <p:sp>
+        <p:nvSpPr>
+          <p:cNvPr id="19" name="TextBox 18">
+            <a:extLst>
+              <a:ext uri="{FF2B5EF4-FFF2-40B4-BE49-F238E27FC236}">
+                <a16:creationId xmlns:a16="http://schemas.microsoft.com/office/drawing/2014/main" id="{CCE98280-9C77-DD4A-BBE7-B3B377F2DB48}"/>
+              </a:ext>
+            </a:extLst>
+          </p:cNvPr>
+          <p:cNvSpPr txBox="1"/>
+          <p:nvPr/>
+        </p:nvSpPr>
+        <p:spPr>
+          <a:xfrm>
+            <a:off x="637207" y="3897867"/>
+            <a:ext cx="433132" cy="369332"/>
+          </a:xfrm>
+          <a:prstGeom prst="rect">
+            <a:avLst/>
+          </a:prstGeom>
+          <a:noFill/>
+        </p:spPr>
+        <p:txBody>
+          <a:bodyPr wrap="none" rtlCol="0">
+            <a:spAutoFit/>
+          </a:bodyPr>
+          <a:lstStyle/>
+          <a:p>
+            <a:r>
+              <a:rPr lang="en-US" dirty="0"/>
+              <a:t>CR</a:t>
+            </a:r>
+          </a:p>
+        </p:txBody>
+      </p:sp>
+      <p:sp>
+        <p:nvSpPr>
+          <p:cNvPr id="20" name="TextBox 19">
+            <a:extLst>
+              <a:ext uri="{FF2B5EF4-FFF2-40B4-BE49-F238E27FC236}">
+                <a16:creationId xmlns:a16="http://schemas.microsoft.com/office/drawing/2014/main" id="{21924D2E-B98E-1A48-88D9-983272D996CA}"/>
+              </a:ext>
+            </a:extLst>
+          </p:cNvPr>
+          <p:cNvSpPr txBox="1"/>
+          <p:nvPr/>
+        </p:nvSpPr>
+        <p:spPr>
+          <a:xfrm>
+            <a:off x="4402247" y="3897867"/>
+            <a:ext cx="428322" cy="369332"/>
+          </a:xfrm>
+          <a:prstGeom prst="rect">
+            <a:avLst/>
+          </a:prstGeom>
+          <a:noFill/>
+        </p:spPr>
+        <p:txBody>
+          <a:bodyPr wrap="none" rtlCol="0">
+            <a:spAutoFit/>
+          </a:bodyPr>
+          <a:lstStyle/>
+          <a:p>
+            <a:r>
+              <a:rPr lang="en-US" dirty="0"/>
+              <a:t>PR</a:t>
+            </a:r>
+          </a:p>
+        </p:txBody>
+      </p:sp>
+      <p:sp>
+        <p:nvSpPr>
+          <p:cNvPr id="21" name="TextBox 20">
+            <a:extLst>
+              <a:ext uri="{FF2B5EF4-FFF2-40B4-BE49-F238E27FC236}">
+                <a16:creationId xmlns:a16="http://schemas.microsoft.com/office/drawing/2014/main" id="{EF43AA96-F4C4-214D-A329-DC911A4A3E24}"/>
+              </a:ext>
+            </a:extLst>
+          </p:cNvPr>
+          <p:cNvSpPr txBox="1"/>
+          <p:nvPr/>
+        </p:nvSpPr>
+        <p:spPr>
+          <a:xfrm>
+            <a:off x="8068860" y="3897867"/>
+            <a:ext cx="426720" cy="369332"/>
+          </a:xfrm>
+          <a:prstGeom prst="rect">
+            <a:avLst/>
+          </a:prstGeom>
+          <a:noFill/>
+        </p:spPr>
+        <p:txBody>
+          <a:bodyPr wrap="none" rtlCol="0">
+            <a:spAutoFit/>
+          </a:bodyPr>
+          <a:lstStyle/>
+          <a:p>
+            <a:r>
+              <a:rPr lang="en-US" dirty="0"/>
+              <a:t>PC</a:t>
+            </a:r>
+          </a:p>
+        </p:txBody>
+      </p:sp>
+      <p:sp>
+        <p:nvSpPr>
+          <p:cNvPr id="22" name="TextBox 21">
+            <a:extLst>
+              <a:ext uri="{FF2B5EF4-FFF2-40B4-BE49-F238E27FC236}">
+                <a16:creationId xmlns:a16="http://schemas.microsoft.com/office/drawing/2014/main" id="{2478E8E6-A035-5B41-A409-93C23C72B24A}"/>
+              </a:ext>
+            </a:extLst>
+          </p:cNvPr>
+          <p:cNvSpPr txBox="1"/>
+          <p:nvPr/>
+        </p:nvSpPr>
+        <p:spPr>
+          <a:xfrm>
+            <a:off x="268480" y="33635"/>
+            <a:ext cx="1063881" cy="461665"/>
+          </a:xfrm>
+          <a:prstGeom prst="rect">
+            <a:avLst/>
+          </a:prstGeom>
+          <a:noFill/>
+        </p:spPr>
+        <p:txBody>
+          <a:bodyPr wrap="none" rtlCol="0">
+            <a:spAutoFit/>
+          </a:bodyPr>
+          <a:lstStyle/>
+          <a:p>
+            <a:r>
+              <a:rPr lang="en-US" sz="2400" dirty="0"/>
+              <a:t>Littoral</a:t>
+            </a:r>
+          </a:p>
+        </p:txBody>
+      </p:sp>
+      <p:sp>
+        <p:nvSpPr>
+          <p:cNvPr id="24" name="TextBox 23">
+            <a:extLst>
+              <a:ext uri="{FF2B5EF4-FFF2-40B4-BE49-F238E27FC236}">
+                <a16:creationId xmlns:a16="http://schemas.microsoft.com/office/drawing/2014/main" id="{0CBBF967-3E0F-1E43-AB45-12757D39711F}"/>
+              </a:ext>
+            </a:extLst>
+          </p:cNvPr>
+          <p:cNvSpPr txBox="1"/>
+          <p:nvPr/>
+        </p:nvSpPr>
+        <p:spPr>
+          <a:xfrm>
+            <a:off x="251303" y="3198167"/>
+            <a:ext cx="1053750" cy="461665"/>
+          </a:xfrm>
+          <a:prstGeom prst="rect">
+            <a:avLst/>
+          </a:prstGeom>
+          <a:noFill/>
+        </p:spPr>
+        <p:txBody>
+          <a:bodyPr wrap="none" rtlCol="0">
+            <a:spAutoFit/>
+          </a:bodyPr>
+          <a:lstStyle/>
+          <a:p>
+            <a:r>
+              <a:rPr lang="en-US" sz="2400" dirty="0"/>
+              <a:t>Pelagic</a:t>
+            </a:r>
+          </a:p>
+        </p:txBody>
+      </p:sp>
+      <p:sp>
+        <p:nvSpPr>
+          <p:cNvPr id="25" name="TextBox 24">
+            <a:extLst>
+              <a:ext uri="{FF2B5EF4-FFF2-40B4-BE49-F238E27FC236}">
+                <a16:creationId xmlns:a16="http://schemas.microsoft.com/office/drawing/2014/main" id="{2FA72393-2BFB-EA49-B275-4BFD52064D6F}"/>
+              </a:ext>
+            </a:extLst>
+          </p:cNvPr>
+          <p:cNvSpPr txBox="1"/>
+          <p:nvPr/>
+        </p:nvSpPr>
+        <p:spPr>
+          <a:xfrm>
+            <a:off x="28216" y="6503726"/>
+            <a:ext cx="7166770" cy="369332"/>
+          </a:xfrm>
+          <a:prstGeom prst="rect">
+            <a:avLst/>
+          </a:prstGeom>
+          <a:noFill/>
+        </p:spPr>
+        <p:txBody>
+          <a:bodyPr wrap="none" rtlCol="0">
+            <a:spAutoFit/>
+          </a:bodyPr>
+          <a:lstStyle/>
+          <a:p>
+            <a:r>
+              <a:rPr lang="en-US" dirty="0"/>
+              <a:t>Biomass Ratios across temp (these are equilibrium density biomass ratios) </a:t>
+            </a:r>
+          </a:p>
+        </p:txBody>
+      </p:sp>
+    </p:spTree>
+    <p:extLst>
+      <p:ext uri="{BB962C8B-B14F-4D97-AF65-F5344CB8AC3E}">
+        <p14:creationId xmlns:p14="http://schemas.microsoft.com/office/powerpoint/2010/main" val="134990726"/>
+      </p:ext>
+    </p:extLst>
+  </p:cSld>
+  <p:clrMapOvr>
+    <a:masterClrMapping/>
+  </p:clrMapOvr>
+</p:sld>
+</file>
+
+<file path=ppt/slides/slide6.xml><?xml version="1.0" encoding="utf-8"?>
+<p:sld xmlns:a="http://schemas.openxmlformats.org/drawingml/2006/main" xmlns:r="http://schemas.openxmlformats.org/officeDocument/2006/relationships" xmlns:p="http://schemas.openxmlformats.org/presentationml/2006/main">
+  <p:cSld>
+    <p:spTree>
+      <p:nvGrpSpPr>
+        <p:cNvPr id="1" name=""/>
+        <p:cNvGrpSpPr/>
+        <p:nvPr/>
+      </p:nvGrpSpPr>
+      <p:grpSpPr>
+        <a:xfrm>
+          <a:off x="0" y="0"/>
+          <a:ext cx="0" cy="0"/>
+          <a:chOff x="0" y="0"/>
+          <a:chExt cx="0" cy="0"/>
+        </a:xfrm>
+      </p:grpSpPr>
+      <p:sp>
+        <p:nvSpPr>
+          <p:cNvPr id="6" name="TextBox 5">
+            <a:extLst>
+              <a:ext uri="{FF2B5EF4-FFF2-40B4-BE49-F238E27FC236}">
+                <a16:creationId xmlns:a16="http://schemas.microsoft.com/office/drawing/2014/main" id="{3E0E726B-9B01-FD4A-A144-70683C13B287}"/>
+              </a:ext>
+            </a:extLst>
+          </p:cNvPr>
+          <p:cNvSpPr txBox="1"/>
+          <p:nvPr/>
+        </p:nvSpPr>
+        <p:spPr>
+          <a:xfrm>
+            <a:off x="0" y="6488668"/>
+            <a:ext cx="2522485" cy="369332"/>
+          </a:xfrm>
+          <a:prstGeom prst="rect">
+            <a:avLst/>
+          </a:prstGeom>
+          <a:noFill/>
+        </p:spPr>
+        <p:txBody>
+          <a:bodyPr wrap="none" rtlCol="0">
+            <a:spAutoFit/>
+          </a:bodyPr>
+          <a:lstStyle/>
+          <a:p>
+            <a:r>
+              <a:rPr lang="en-US" dirty="0"/>
               <a:t>Eigenvalues across temp </a:t>
             </a:r>
           </a:p>
         </p:txBody>
       </p:sp>
+      <p:pic>
+        <p:nvPicPr>
+          <p:cNvPr id="3" name="Picture 2" descr="Chart&#10;&#10;Description automatically generated">
+            <a:extLst>
+              <a:ext uri="{FF2B5EF4-FFF2-40B4-BE49-F238E27FC236}">
+                <a16:creationId xmlns:a16="http://schemas.microsoft.com/office/drawing/2014/main" id="{F4903D5A-8BC2-CE42-BC86-40315447960D}"/>
+              </a:ext>
+            </a:extLst>
+          </p:cNvPr>
+          <p:cNvPicPr>
+            <a:picLocks noChangeAspect="1"/>
+          </p:cNvPicPr>
+          <p:nvPr/>
+        </p:nvPicPr>
+        <p:blipFill>
+          <a:blip r:embed="rId2"/>
+          <a:stretch>
+            <a:fillRect/>
+          </a:stretch>
+        </p:blipFill>
+        <p:spPr>
+          <a:xfrm>
+            <a:off x="2705100" y="736600"/>
+            <a:ext cx="6781800" cy="5086350"/>
+          </a:xfrm>
+          <a:prstGeom prst="rect">
+            <a:avLst/>
+          </a:prstGeom>
+        </p:spPr>
+      </p:pic>
     </p:spTree>
     <p:extLst>
       <p:ext uri="{BB962C8B-B14F-4D97-AF65-F5344CB8AC3E}">

--- a/InitialTemperaturePlots.pptx
+++ b/InitialTemperaturePlots.pptx
@@ -4,13 +4,18 @@
   <p:sldMasterIdLst>
     <p:sldMasterId id="2147483648" r:id="rId1"/>
   </p:sldMasterIdLst>
+  <p:notesMasterIdLst>
+    <p:notesMasterId r:id="rId10"/>
+  </p:notesMasterIdLst>
   <p:sldIdLst>
     <p:sldId id="256" r:id="rId2"/>
-    <p:sldId id="257" r:id="rId3"/>
-    <p:sldId id="261" r:id="rId4"/>
-    <p:sldId id="258" r:id="rId5"/>
-    <p:sldId id="259" r:id="rId6"/>
-    <p:sldId id="260" r:id="rId7"/>
+    <p:sldId id="263" r:id="rId3"/>
+    <p:sldId id="257" r:id="rId4"/>
+    <p:sldId id="261" r:id="rId5"/>
+    <p:sldId id="258" r:id="rId6"/>
+    <p:sldId id="259" r:id="rId7"/>
+    <p:sldId id="260" r:id="rId8"/>
+    <p:sldId id="264" r:id="rId9"/>
   </p:sldIdLst>
   <p:sldSz cx="12192000" cy="6858000"/>
   <p:notesSz cx="6858000" cy="9144000"/>
@@ -117,6 +122,439 @@
 </p:presentation>
 </file>
 
+<file path=ppt/notesMasters/notesMaster1.xml><?xml version="1.0" encoding="utf-8"?>
+<p:notesMaster xmlns:a="http://schemas.openxmlformats.org/drawingml/2006/main" xmlns:r="http://schemas.openxmlformats.org/officeDocument/2006/relationships" xmlns:p="http://schemas.openxmlformats.org/presentationml/2006/main">
+  <p:cSld>
+    <p:bg>
+      <p:bgRef idx="1001">
+        <a:schemeClr val="bg1"/>
+      </p:bgRef>
+    </p:bg>
+    <p:spTree>
+      <p:nvGrpSpPr>
+        <p:cNvPr id="1" name=""/>
+        <p:cNvGrpSpPr/>
+        <p:nvPr/>
+      </p:nvGrpSpPr>
+      <p:grpSpPr>
+        <a:xfrm>
+          <a:off x="0" y="0"/>
+          <a:ext cx="0" cy="0"/>
+          <a:chOff x="0" y="0"/>
+          <a:chExt cx="0" cy="0"/>
+        </a:xfrm>
+      </p:grpSpPr>
+      <p:sp>
+        <p:nvSpPr>
+          <p:cNvPr id="2" name="Header Placeholder 1"/>
+          <p:cNvSpPr>
+            <a:spLocks noGrp="1"/>
+          </p:cNvSpPr>
+          <p:nvPr>
+            <p:ph type="hdr" sz="quarter"/>
+          </p:nvPr>
+        </p:nvSpPr>
+        <p:spPr>
+          <a:xfrm>
+            <a:off x="0" y="0"/>
+            <a:ext cx="2971800" cy="458788"/>
+          </a:xfrm>
+          <a:prstGeom prst="rect">
+            <a:avLst/>
+          </a:prstGeom>
+        </p:spPr>
+        <p:txBody>
+          <a:bodyPr vert="horz" lIns="91440" tIns="45720" rIns="91440" bIns="45720" rtlCol="0"/>
+          <a:lstStyle>
+            <a:lvl1pPr algn="l">
+              <a:defRPr sz="1200"/>
+            </a:lvl1pPr>
+          </a:lstStyle>
+          <a:p>
+            <a:endParaRPr lang="en-US"/>
+          </a:p>
+        </p:txBody>
+      </p:sp>
+      <p:sp>
+        <p:nvSpPr>
+          <p:cNvPr id="3" name="Date Placeholder 2"/>
+          <p:cNvSpPr>
+            <a:spLocks noGrp="1"/>
+          </p:cNvSpPr>
+          <p:nvPr>
+            <p:ph type="dt" idx="1"/>
+          </p:nvPr>
+        </p:nvSpPr>
+        <p:spPr>
+          <a:xfrm>
+            <a:off x="3884613" y="0"/>
+            <a:ext cx="2971800" cy="458788"/>
+          </a:xfrm>
+          <a:prstGeom prst="rect">
+            <a:avLst/>
+          </a:prstGeom>
+        </p:spPr>
+        <p:txBody>
+          <a:bodyPr vert="horz" lIns="91440" tIns="45720" rIns="91440" bIns="45720" rtlCol="0"/>
+          <a:lstStyle>
+            <a:lvl1pPr algn="r">
+              <a:defRPr sz="1200"/>
+            </a:lvl1pPr>
+          </a:lstStyle>
+          <a:p>
+            <a:fld id="{0DE47C1F-1750-4547-A076-C3DF804BBE02}" type="datetimeFigureOut">
+              <a:rPr lang="en-US" smtClean="0"/>
+              <a:t>6/21/21</a:t>
+            </a:fld>
+            <a:endParaRPr lang="en-US"/>
+          </a:p>
+        </p:txBody>
+      </p:sp>
+      <p:sp>
+        <p:nvSpPr>
+          <p:cNvPr id="4" name="Slide Image Placeholder 3"/>
+          <p:cNvSpPr>
+            <a:spLocks noGrp="1" noRot="1" noChangeAspect="1"/>
+          </p:cNvSpPr>
+          <p:nvPr>
+            <p:ph type="sldImg" idx="2"/>
+          </p:nvPr>
+        </p:nvSpPr>
+        <p:spPr>
+          <a:xfrm>
+            <a:off x="685800" y="1143000"/>
+            <a:ext cx="5486400" cy="3086100"/>
+          </a:xfrm>
+          <a:prstGeom prst="rect">
+            <a:avLst/>
+          </a:prstGeom>
+          <a:noFill/>
+          <a:ln w="12700">
+            <a:solidFill>
+              <a:prstClr val="black"/>
+            </a:solidFill>
+          </a:ln>
+        </p:spPr>
+        <p:txBody>
+          <a:bodyPr vert="horz" lIns="91440" tIns="45720" rIns="91440" bIns="45720" rtlCol="0" anchor="ctr"/>
+          <a:lstStyle/>
+          <a:p>
+            <a:endParaRPr lang="en-US"/>
+          </a:p>
+        </p:txBody>
+      </p:sp>
+      <p:sp>
+        <p:nvSpPr>
+          <p:cNvPr id="5" name="Notes Placeholder 4"/>
+          <p:cNvSpPr>
+            <a:spLocks noGrp="1"/>
+          </p:cNvSpPr>
+          <p:nvPr>
+            <p:ph type="body" sz="quarter" idx="3"/>
+          </p:nvPr>
+        </p:nvSpPr>
+        <p:spPr>
+          <a:xfrm>
+            <a:off x="685800" y="4400550"/>
+            <a:ext cx="5486400" cy="3600450"/>
+          </a:xfrm>
+          <a:prstGeom prst="rect">
+            <a:avLst/>
+          </a:prstGeom>
+        </p:spPr>
+        <p:txBody>
+          <a:bodyPr vert="horz" lIns="91440" tIns="45720" rIns="91440" bIns="45720" rtlCol="0"/>
+          <a:lstStyle/>
+          <a:p>
+            <a:pPr lvl="0"/>
+            <a:r>
+              <a:rPr lang="en-US"/>
+              <a:t>Click to edit Master text styles</a:t>
+            </a:r>
+          </a:p>
+          <a:p>
+            <a:pPr lvl="1"/>
+            <a:r>
+              <a:rPr lang="en-US"/>
+              <a:t>Second level</a:t>
+            </a:r>
+          </a:p>
+          <a:p>
+            <a:pPr lvl="2"/>
+            <a:r>
+              <a:rPr lang="en-US"/>
+              <a:t>Third level</a:t>
+            </a:r>
+          </a:p>
+          <a:p>
+            <a:pPr lvl="3"/>
+            <a:r>
+              <a:rPr lang="en-US"/>
+              <a:t>Fourth level</a:t>
+            </a:r>
+          </a:p>
+          <a:p>
+            <a:pPr lvl="4"/>
+            <a:r>
+              <a:rPr lang="en-US"/>
+              <a:t>Fifth level</a:t>
+            </a:r>
+          </a:p>
+        </p:txBody>
+      </p:sp>
+      <p:sp>
+        <p:nvSpPr>
+          <p:cNvPr id="6" name="Footer Placeholder 5"/>
+          <p:cNvSpPr>
+            <a:spLocks noGrp="1"/>
+          </p:cNvSpPr>
+          <p:nvPr>
+            <p:ph type="ftr" sz="quarter" idx="4"/>
+          </p:nvPr>
+        </p:nvSpPr>
+        <p:spPr>
+          <a:xfrm>
+            <a:off x="0" y="8685213"/>
+            <a:ext cx="2971800" cy="458787"/>
+          </a:xfrm>
+          <a:prstGeom prst="rect">
+            <a:avLst/>
+          </a:prstGeom>
+        </p:spPr>
+        <p:txBody>
+          <a:bodyPr vert="horz" lIns="91440" tIns="45720" rIns="91440" bIns="45720" rtlCol="0" anchor="b"/>
+          <a:lstStyle>
+            <a:lvl1pPr algn="l">
+              <a:defRPr sz="1200"/>
+            </a:lvl1pPr>
+          </a:lstStyle>
+          <a:p>
+            <a:endParaRPr lang="en-US"/>
+          </a:p>
+        </p:txBody>
+      </p:sp>
+      <p:sp>
+        <p:nvSpPr>
+          <p:cNvPr id="7" name="Slide Number Placeholder 6"/>
+          <p:cNvSpPr>
+            <a:spLocks noGrp="1"/>
+          </p:cNvSpPr>
+          <p:nvPr>
+            <p:ph type="sldNum" sz="quarter" idx="5"/>
+          </p:nvPr>
+        </p:nvSpPr>
+        <p:spPr>
+          <a:xfrm>
+            <a:off x="3884613" y="8685213"/>
+            <a:ext cx="2971800" cy="458787"/>
+          </a:xfrm>
+          <a:prstGeom prst="rect">
+            <a:avLst/>
+          </a:prstGeom>
+        </p:spPr>
+        <p:txBody>
+          <a:bodyPr vert="horz" lIns="91440" tIns="45720" rIns="91440" bIns="45720" rtlCol="0" anchor="b"/>
+          <a:lstStyle>
+            <a:lvl1pPr algn="r">
+              <a:defRPr sz="1200"/>
+            </a:lvl1pPr>
+          </a:lstStyle>
+          <a:p>
+            <a:fld id="{DC93DB12-5CEA-E448-A00A-8B6B269DA377}" type="slidenum">
+              <a:rPr lang="en-US" smtClean="0"/>
+              <a:t>‹#›</a:t>
+            </a:fld>
+            <a:endParaRPr lang="en-US"/>
+          </a:p>
+        </p:txBody>
+      </p:sp>
+    </p:spTree>
+    <p:extLst>
+      <p:ext uri="{BB962C8B-B14F-4D97-AF65-F5344CB8AC3E}">
+        <p14:creationId xmlns:p14="http://schemas.microsoft.com/office/powerpoint/2010/main" val="2213608011"/>
+      </p:ext>
+    </p:extLst>
+  </p:cSld>
+  <p:clrMap bg1="lt1" tx1="dk1" bg2="lt2" tx2="dk2" accent1="accent1" accent2="accent2" accent3="accent3" accent4="accent4" accent5="accent5" accent6="accent6" hlink="hlink" folHlink="folHlink"/>
+  <p:notesStyle>
+    <a:lvl1pPr marL="0" algn="l" defTabSz="914400" rtl="0" eaLnBrk="1" latinLnBrk="0" hangingPunct="1">
+      <a:defRPr sz="1200" kern="1200">
+        <a:solidFill>
+          <a:schemeClr val="tx1"/>
+        </a:solidFill>
+        <a:latin typeface="+mn-lt"/>
+        <a:ea typeface="+mn-ea"/>
+        <a:cs typeface="+mn-cs"/>
+      </a:defRPr>
+    </a:lvl1pPr>
+    <a:lvl2pPr marL="457200" algn="l" defTabSz="914400" rtl="0" eaLnBrk="1" latinLnBrk="0" hangingPunct="1">
+      <a:defRPr sz="1200" kern="1200">
+        <a:solidFill>
+          <a:schemeClr val="tx1"/>
+        </a:solidFill>
+        <a:latin typeface="+mn-lt"/>
+        <a:ea typeface="+mn-ea"/>
+        <a:cs typeface="+mn-cs"/>
+      </a:defRPr>
+    </a:lvl2pPr>
+    <a:lvl3pPr marL="914400" algn="l" defTabSz="914400" rtl="0" eaLnBrk="1" latinLnBrk="0" hangingPunct="1">
+      <a:defRPr sz="1200" kern="1200">
+        <a:solidFill>
+          <a:schemeClr val="tx1"/>
+        </a:solidFill>
+        <a:latin typeface="+mn-lt"/>
+        <a:ea typeface="+mn-ea"/>
+        <a:cs typeface="+mn-cs"/>
+      </a:defRPr>
+    </a:lvl3pPr>
+    <a:lvl4pPr marL="1371600" algn="l" defTabSz="914400" rtl="0" eaLnBrk="1" latinLnBrk="0" hangingPunct="1">
+      <a:defRPr sz="1200" kern="1200">
+        <a:solidFill>
+          <a:schemeClr val="tx1"/>
+        </a:solidFill>
+        <a:latin typeface="+mn-lt"/>
+        <a:ea typeface="+mn-ea"/>
+        <a:cs typeface="+mn-cs"/>
+      </a:defRPr>
+    </a:lvl4pPr>
+    <a:lvl5pPr marL="1828800" algn="l" defTabSz="914400" rtl="0" eaLnBrk="1" latinLnBrk="0" hangingPunct="1">
+      <a:defRPr sz="1200" kern="1200">
+        <a:solidFill>
+          <a:schemeClr val="tx1"/>
+        </a:solidFill>
+        <a:latin typeface="+mn-lt"/>
+        <a:ea typeface="+mn-ea"/>
+        <a:cs typeface="+mn-cs"/>
+      </a:defRPr>
+    </a:lvl5pPr>
+    <a:lvl6pPr marL="2286000" algn="l" defTabSz="914400" rtl="0" eaLnBrk="1" latinLnBrk="0" hangingPunct="1">
+      <a:defRPr sz="1200" kern="1200">
+        <a:solidFill>
+          <a:schemeClr val="tx1"/>
+        </a:solidFill>
+        <a:latin typeface="+mn-lt"/>
+        <a:ea typeface="+mn-ea"/>
+        <a:cs typeface="+mn-cs"/>
+      </a:defRPr>
+    </a:lvl6pPr>
+    <a:lvl7pPr marL="2743200" algn="l" defTabSz="914400" rtl="0" eaLnBrk="1" latinLnBrk="0" hangingPunct="1">
+      <a:defRPr sz="1200" kern="1200">
+        <a:solidFill>
+          <a:schemeClr val="tx1"/>
+        </a:solidFill>
+        <a:latin typeface="+mn-lt"/>
+        <a:ea typeface="+mn-ea"/>
+        <a:cs typeface="+mn-cs"/>
+      </a:defRPr>
+    </a:lvl7pPr>
+    <a:lvl8pPr marL="3200400" algn="l" defTabSz="914400" rtl="0" eaLnBrk="1" latinLnBrk="0" hangingPunct="1">
+      <a:defRPr sz="1200" kern="1200">
+        <a:solidFill>
+          <a:schemeClr val="tx1"/>
+        </a:solidFill>
+        <a:latin typeface="+mn-lt"/>
+        <a:ea typeface="+mn-ea"/>
+        <a:cs typeface="+mn-cs"/>
+      </a:defRPr>
+    </a:lvl8pPr>
+    <a:lvl9pPr marL="3657600" algn="l" defTabSz="914400" rtl="0" eaLnBrk="1" latinLnBrk="0" hangingPunct="1">
+      <a:defRPr sz="1200" kern="1200">
+        <a:solidFill>
+          <a:schemeClr val="tx1"/>
+        </a:solidFill>
+        <a:latin typeface="+mn-lt"/>
+        <a:ea typeface="+mn-ea"/>
+        <a:cs typeface="+mn-cs"/>
+      </a:defRPr>
+    </a:lvl9pPr>
+  </p:notesStyle>
+</p:notesMaster>
+</file>
+
+<file path=ppt/notesSlides/notesSlide1.xml><?xml version="1.0" encoding="utf-8"?>
+<p:notes xmlns:a="http://schemas.openxmlformats.org/drawingml/2006/main" xmlns:r="http://schemas.openxmlformats.org/officeDocument/2006/relationships" xmlns:p="http://schemas.openxmlformats.org/presentationml/2006/main">
+  <p:cSld>
+    <p:spTree>
+      <p:nvGrpSpPr>
+        <p:cNvPr id="1" name=""/>
+        <p:cNvGrpSpPr/>
+        <p:nvPr/>
+      </p:nvGrpSpPr>
+      <p:grpSpPr>
+        <a:xfrm>
+          <a:off x="0" y="0"/>
+          <a:ext cx="0" cy="0"/>
+          <a:chOff x="0" y="0"/>
+          <a:chExt cx="0" cy="0"/>
+        </a:xfrm>
+      </p:grpSpPr>
+      <p:sp>
+        <p:nvSpPr>
+          <p:cNvPr id="2" name="Slide Image Placeholder 1"/>
+          <p:cNvSpPr>
+            <a:spLocks noGrp="1" noRot="1" noChangeAspect="1"/>
+          </p:cNvSpPr>
+          <p:nvPr>
+            <p:ph type="sldImg"/>
+          </p:nvPr>
+        </p:nvSpPr>
+        <p:spPr/>
+      </p:sp>
+      <p:sp>
+        <p:nvSpPr>
+          <p:cNvPr id="3" name="Notes Placeholder 2"/>
+          <p:cNvSpPr>
+            <a:spLocks noGrp="1"/>
+          </p:cNvSpPr>
+          <p:nvPr>
+            <p:ph type="body" idx="1"/>
+          </p:nvPr>
+        </p:nvSpPr>
+        <p:spPr/>
+        <p:txBody>
+          <a:bodyPr/>
+          <a:lstStyle/>
+          <a:p>
+            <a:endParaRPr lang="en-US" dirty="0"/>
+          </a:p>
+        </p:txBody>
+      </p:sp>
+      <p:sp>
+        <p:nvSpPr>
+          <p:cNvPr id="4" name="Slide Number Placeholder 3"/>
+          <p:cNvSpPr>
+            <a:spLocks noGrp="1"/>
+          </p:cNvSpPr>
+          <p:nvPr>
+            <p:ph type="sldNum" sz="quarter" idx="5"/>
+          </p:nvPr>
+        </p:nvSpPr>
+        <p:spPr/>
+        <p:txBody>
+          <a:bodyPr/>
+          <a:lstStyle/>
+          <a:p>
+            <a:fld id="{DC93DB12-5CEA-E448-A00A-8B6B269DA377}" type="slidenum">
+              <a:rPr lang="en-US" smtClean="0"/>
+              <a:t>1</a:t>
+            </a:fld>
+            <a:endParaRPr lang="en-US"/>
+          </a:p>
+        </p:txBody>
+      </p:sp>
+    </p:spTree>
+    <p:extLst>
+      <p:ext uri="{BB962C8B-B14F-4D97-AF65-F5344CB8AC3E}">
+        <p14:creationId xmlns:p14="http://schemas.microsoft.com/office/powerpoint/2010/main" val="598031267"/>
+      </p:ext>
+    </p:extLst>
+  </p:cSld>
+  <p:clrMapOvr>
+    <a:masterClrMapping/>
+  </p:clrMapOvr>
+</p:notes>
+</file>
+
 <file path=ppt/slideLayouts/slideLayout1.xml><?xml version="1.0" encoding="utf-8"?>
 <p:sldLayout xmlns:a="http://schemas.openxmlformats.org/drawingml/2006/main" xmlns:r="http://schemas.openxmlformats.org/officeDocument/2006/relationships" xmlns:p="http://schemas.openxmlformats.org/presentationml/2006/main" type="title" preserve="1">
   <p:cSld name="Title Slide">
@@ -264,7 +702,7 @@
           <a:p>
             <a:fld id="{6E4F0104-86F5-EF49-B383-F1AE1C81D740}" type="datetimeFigureOut">
               <a:rPr lang="en-US" smtClean="0"/>
-              <a:t>6/1/21</a:t>
+              <a:t>6/21/21</a:t>
             </a:fld>
             <a:endParaRPr lang="en-US"/>
           </a:p>
@@ -462,7 +900,7 @@
           <a:p>
             <a:fld id="{6E4F0104-86F5-EF49-B383-F1AE1C81D740}" type="datetimeFigureOut">
               <a:rPr lang="en-US" smtClean="0"/>
-              <a:t>6/1/21</a:t>
+              <a:t>6/21/21</a:t>
             </a:fld>
             <a:endParaRPr lang="en-US"/>
           </a:p>
@@ -670,7 +1108,7 @@
           <a:p>
             <a:fld id="{6E4F0104-86F5-EF49-B383-F1AE1C81D740}" type="datetimeFigureOut">
               <a:rPr lang="en-US" smtClean="0"/>
-              <a:t>6/1/21</a:t>
+              <a:t>6/21/21</a:t>
             </a:fld>
             <a:endParaRPr lang="en-US"/>
           </a:p>
@@ -868,7 +1306,7 @@
           <a:p>
             <a:fld id="{6E4F0104-86F5-EF49-B383-F1AE1C81D740}" type="datetimeFigureOut">
               <a:rPr lang="en-US" smtClean="0"/>
-              <a:t>6/1/21</a:t>
+              <a:t>6/21/21</a:t>
             </a:fld>
             <a:endParaRPr lang="en-US"/>
           </a:p>
@@ -1143,7 +1581,7 @@
           <a:p>
             <a:fld id="{6E4F0104-86F5-EF49-B383-F1AE1C81D740}" type="datetimeFigureOut">
               <a:rPr lang="en-US" smtClean="0"/>
-              <a:t>6/1/21</a:t>
+              <a:t>6/21/21</a:t>
             </a:fld>
             <a:endParaRPr lang="en-US"/>
           </a:p>
@@ -1408,7 +1846,7 @@
           <a:p>
             <a:fld id="{6E4F0104-86F5-EF49-B383-F1AE1C81D740}" type="datetimeFigureOut">
               <a:rPr lang="en-US" smtClean="0"/>
-              <a:t>6/1/21</a:t>
+              <a:t>6/21/21</a:t>
             </a:fld>
             <a:endParaRPr lang="en-US"/>
           </a:p>
@@ -1820,7 +2258,7 @@
           <a:p>
             <a:fld id="{6E4F0104-86F5-EF49-B383-F1AE1C81D740}" type="datetimeFigureOut">
               <a:rPr lang="en-US" smtClean="0"/>
-              <a:t>6/1/21</a:t>
+              <a:t>6/21/21</a:t>
             </a:fld>
             <a:endParaRPr lang="en-US"/>
           </a:p>
@@ -1961,7 +2399,7 @@
           <a:p>
             <a:fld id="{6E4F0104-86F5-EF49-B383-F1AE1C81D740}" type="datetimeFigureOut">
               <a:rPr lang="en-US" smtClean="0"/>
-              <a:t>6/1/21</a:t>
+              <a:t>6/21/21</a:t>
             </a:fld>
             <a:endParaRPr lang="en-US"/>
           </a:p>
@@ -2074,7 +2512,7 @@
           <a:p>
             <a:fld id="{6E4F0104-86F5-EF49-B383-F1AE1C81D740}" type="datetimeFigureOut">
               <a:rPr lang="en-US" smtClean="0"/>
-              <a:t>6/1/21</a:t>
+              <a:t>6/21/21</a:t>
             </a:fld>
             <a:endParaRPr lang="en-US"/>
           </a:p>
@@ -2385,7 +2823,7 @@
           <a:p>
             <a:fld id="{6E4F0104-86F5-EF49-B383-F1AE1C81D740}" type="datetimeFigureOut">
               <a:rPr lang="en-US" smtClean="0"/>
-              <a:t>6/1/21</a:t>
+              <a:t>6/21/21</a:t>
             </a:fld>
             <a:endParaRPr lang="en-US"/>
           </a:p>
@@ -2673,7 +3111,7 @@
           <a:p>
             <a:fld id="{6E4F0104-86F5-EF49-B383-F1AE1C81D740}" type="datetimeFigureOut">
               <a:rPr lang="en-US" smtClean="0"/>
-              <a:t>6/1/21</a:t>
+              <a:t>6/21/21</a:t>
             </a:fld>
             <a:endParaRPr lang="en-US"/>
           </a:p>
@@ -2914,7 +3352,7 @@
           <a:p>
             <a:fld id="{6E4F0104-86F5-EF49-B383-F1AE1C81D740}" type="datetimeFigureOut">
               <a:rPr lang="en-US" smtClean="0"/>
-              <a:t>6/1/21</a:t>
+              <a:t>6/21/21</a:t>
             </a:fld>
             <a:endParaRPr lang="en-US"/>
           </a:p>
@@ -3417,409 +3855,1771 @@
           <a:chExt cx="0" cy="0"/>
         </a:xfrm>
       </p:grpSpPr>
-      <p:pic>
-        <p:nvPicPr>
-          <p:cNvPr id="5" name="Picture 4" descr="Chart&#10;&#10;Description automatically generated">
-            <a:extLst>
-              <a:ext uri="{FF2B5EF4-FFF2-40B4-BE49-F238E27FC236}">
-                <a16:creationId xmlns:a16="http://schemas.microsoft.com/office/drawing/2014/main" id="{2718F6F7-5090-104F-94F7-29713B1D736A}"/>
-              </a:ext>
-            </a:extLst>
-          </p:cNvPr>
-          <p:cNvPicPr>
-            <a:picLocks noChangeAspect="1"/>
-          </p:cNvPicPr>
-          <p:nvPr/>
-        </p:nvPicPr>
-        <p:blipFill>
-          <a:blip r:embed="rId2"/>
-          <a:stretch>
-            <a:fillRect/>
-          </a:stretch>
-        </p:blipFill>
-        <p:spPr>
-          <a:xfrm>
-            <a:off x="254000" y="874938"/>
-            <a:ext cx="3797301" cy="2847976"/>
-          </a:xfrm>
-          <a:prstGeom prst="rect">
-            <a:avLst/>
-          </a:prstGeom>
-        </p:spPr>
-      </p:pic>
-      <p:pic>
-        <p:nvPicPr>
-          <p:cNvPr id="7" name="Picture 6" descr="Chart&#10;&#10;Description automatically generated">
-            <a:extLst>
-              <a:ext uri="{FF2B5EF4-FFF2-40B4-BE49-F238E27FC236}">
-                <a16:creationId xmlns:a16="http://schemas.microsoft.com/office/drawing/2014/main" id="{C7E8CDFA-5ED9-494F-B143-C281EDF3C282}"/>
-              </a:ext>
-            </a:extLst>
-          </p:cNvPr>
-          <p:cNvPicPr>
-            <a:picLocks noChangeAspect="1"/>
-          </p:cNvPicPr>
-          <p:nvPr/>
-        </p:nvPicPr>
-        <p:blipFill>
-          <a:blip r:embed="rId3"/>
-          <a:stretch>
-            <a:fillRect/>
-          </a:stretch>
-        </p:blipFill>
-        <p:spPr>
-          <a:xfrm>
-            <a:off x="4197350" y="874939"/>
-            <a:ext cx="3797300" cy="2847975"/>
-          </a:xfrm>
-          <a:prstGeom prst="rect">
-            <a:avLst/>
-          </a:prstGeom>
-        </p:spPr>
-      </p:pic>
-      <p:pic>
-        <p:nvPicPr>
-          <p:cNvPr id="9" name="Picture 8" descr="Chart&#10;&#10;Description automatically generated">
-            <a:extLst>
-              <a:ext uri="{FF2B5EF4-FFF2-40B4-BE49-F238E27FC236}">
-                <a16:creationId xmlns:a16="http://schemas.microsoft.com/office/drawing/2014/main" id="{1E8B11AC-2766-6D40-818A-21EFAAE35E45}"/>
-              </a:ext>
-            </a:extLst>
-          </p:cNvPr>
-          <p:cNvPicPr>
-            <a:picLocks noChangeAspect="1"/>
-          </p:cNvPicPr>
-          <p:nvPr/>
-        </p:nvPicPr>
-        <p:blipFill>
-          <a:blip r:embed="rId4"/>
-          <a:stretch>
-            <a:fillRect/>
-          </a:stretch>
-        </p:blipFill>
-        <p:spPr>
-          <a:xfrm>
-            <a:off x="8140700" y="874939"/>
-            <a:ext cx="3797300" cy="2847975"/>
-          </a:xfrm>
-          <a:prstGeom prst="rect">
-            <a:avLst/>
-          </a:prstGeom>
-        </p:spPr>
-      </p:pic>
-      <p:pic>
-        <p:nvPicPr>
-          <p:cNvPr id="11" name="Picture 10" descr="Chart&#10;&#10;Description automatically generated">
-            <a:extLst>
-              <a:ext uri="{FF2B5EF4-FFF2-40B4-BE49-F238E27FC236}">
-                <a16:creationId xmlns:a16="http://schemas.microsoft.com/office/drawing/2014/main" id="{BBD80360-B47E-B84C-88A7-A2CDCCC6D22A}"/>
-              </a:ext>
-            </a:extLst>
-          </p:cNvPr>
-          <p:cNvPicPr>
-            <a:picLocks noChangeAspect="1"/>
-          </p:cNvPicPr>
-          <p:nvPr/>
-        </p:nvPicPr>
-        <p:blipFill>
-          <a:blip r:embed="rId5"/>
-          <a:stretch>
-            <a:fillRect/>
-          </a:stretch>
-        </p:blipFill>
-        <p:spPr>
-          <a:xfrm>
-            <a:off x="2152651" y="4010025"/>
-            <a:ext cx="3797300" cy="2847975"/>
-          </a:xfrm>
-          <a:prstGeom prst="rect">
-            <a:avLst/>
-          </a:prstGeom>
-        </p:spPr>
-      </p:pic>
-      <p:pic>
-        <p:nvPicPr>
-          <p:cNvPr id="13" name="Picture 12" descr="Chart&#10;&#10;Description automatically generated">
-            <a:extLst>
-              <a:ext uri="{FF2B5EF4-FFF2-40B4-BE49-F238E27FC236}">
-                <a16:creationId xmlns:a16="http://schemas.microsoft.com/office/drawing/2014/main" id="{41E27570-CB83-E241-8252-853F511E08FC}"/>
-              </a:ext>
-            </a:extLst>
-          </p:cNvPr>
-          <p:cNvPicPr>
-            <a:picLocks noChangeAspect="1"/>
-          </p:cNvPicPr>
-          <p:nvPr/>
-        </p:nvPicPr>
-        <p:blipFill>
-          <a:blip r:embed="rId6"/>
-          <a:stretch>
-            <a:fillRect/>
-          </a:stretch>
-        </p:blipFill>
-        <p:spPr>
-          <a:xfrm>
-            <a:off x="6242049" y="4010024"/>
-            <a:ext cx="3797300" cy="2847975"/>
-          </a:xfrm>
-          <a:prstGeom prst="rect">
-            <a:avLst/>
-          </a:prstGeom>
-        </p:spPr>
-      </p:pic>
-      <p:sp>
-        <p:nvSpPr>
-          <p:cNvPr id="14" name="TextBox 13">
-            <a:extLst>
-              <a:ext uri="{FF2B5EF4-FFF2-40B4-BE49-F238E27FC236}">
-                <a16:creationId xmlns:a16="http://schemas.microsoft.com/office/drawing/2014/main" id="{6A9CD5BE-8F97-9641-9CAA-387533F6B6D1}"/>
-              </a:ext>
-            </a:extLst>
-          </p:cNvPr>
-          <p:cNvSpPr txBox="1"/>
-          <p:nvPr/>
-        </p:nvSpPr>
-        <p:spPr>
-          <a:xfrm>
-            <a:off x="599089" y="874938"/>
-            <a:ext cx="752129" cy="369332"/>
-          </a:xfrm>
-          <a:prstGeom prst="rect">
-            <a:avLst/>
-          </a:prstGeom>
-          <a:noFill/>
-        </p:spPr>
-        <p:txBody>
-          <a:bodyPr wrap="none" rtlCol="0">
-            <a:spAutoFit/>
-          </a:bodyPr>
-          <a:lstStyle/>
-          <a:p>
-            <a:r>
-              <a:rPr lang="en-US" dirty="0"/>
-              <a:t>T = 25</a:t>
-            </a:r>
-          </a:p>
-        </p:txBody>
-      </p:sp>
-      <p:sp>
-        <p:nvSpPr>
-          <p:cNvPr id="15" name="TextBox 14">
-            <a:extLst>
-              <a:ext uri="{FF2B5EF4-FFF2-40B4-BE49-F238E27FC236}">
-                <a16:creationId xmlns:a16="http://schemas.microsoft.com/office/drawing/2014/main" id="{30E8DD26-EA99-C74D-A400-AAA5E65A3E14}"/>
-              </a:ext>
-            </a:extLst>
-          </p:cNvPr>
-          <p:cNvSpPr txBox="1"/>
-          <p:nvPr/>
-        </p:nvSpPr>
-        <p:spPr>
-          <a:xfrm>
-            <a:off x="4649213" y="862487"/>
-            <a:ext cx="926857" cy="369332"/>
-          </a:xfrm>
-          <a:prstGeom prst="rect">
-            <a:avLst/>
-          </a:prstGeom>
-          <a:noFill/>
-        </p:spPr>
-        <p:txBody>
-          <a:bodyPr wrap="none" rtlCol="0">
-            <a:spAutoFit/>
-          </a:bodyPr>
-          <a:lstStyle/>
-          <a:p>
-            <a:r>
-              <a:rPr lang="en-US" dirty="0"/>
-              <a:t>T = 27.5</a:t>
-            </a:r>
-          </a:p>
-        </p:txBody>
-      </p:sp>
-      <p:sp>
-        <p:nvSpPr>
-          <p:cNvPr id="16" name="TextBox 15">
-            <a:extLst>
-              <a:ext uri="{FF2B5EF4-FFF2-40B4-BE49-F238E27FC236}">
-                <a16:creationId xmlns:a16="http://schemas.microsoft.com/office/drawing/2014/main" id="{E5985241-1DED-1C4F-8FB4-E49672B3DDA7}"/>
-              </a:ext>
-            </a:extLst>
-          </p:cNvPr>
-          <p:cNvSpPr txBox="1"/>
-          <p:nvPr/>
-        </p:nvSpPr>
-        <p:spPr>
-          <a:xfrm>
-            <a:off x="8498000" y="862487"/>
-            <a:ext cx="752129" cy="369332"/>
-          </a:xfrm>
-          <a:prstGeom prst="rect">
-            <a:avLst/>
-          </a:prstGeom>
-          <a:noFill/>
-        </p:spPr>
-        <p:txBody>
-          <a:bodyPr wrap="none" rtlCol="0">
-            <a:spAutoFit/>
-          </a:bodyPr>
-          <a:lstStyle/>
-          <a:p>
-            <a:r>
-              <a:rPr lang="en-US" dirty="0"/>
-              <a:t>T = 29</a:t>
-            </a:r>
-          </a:p>
-        </p:txBody>
-      </p:sp>
-      <p:sp>
-        <p:nvSpPr>
-          <p:cNvPr id="18" name="TextBox 17">
-            <a:extLst>
-              <a:ext uri="{FF2B5EF4-FFF2-40B4-BE49-F238E27FC236}">
-                <a16:creationId xmlns:a16="http://schemas.microsoft.com/office/drawing/2014/main" id="{818FD2A6-27C8-0447-80B9-9F29D18445B0}"/>
-              </a:ext>
-            </a:extLst>
-          </p:cNvPr>
-          <p:cNvSpPr txBox="1"/>
-          <p:nvPr/>
-        </p:nvSpPr>
-        <p:spPr>
-          <a:xfrm>
-            <a:off x="2548758" y="3940300"/>
-            <a:ext cx="926857" cy="369332"/>
-          </a:xfrm>
-          <a:prstGeom prst="rect">
-            <a:avLst/>
-          </a:prstGeom>
-          <a:noFill/>
-        </p:spPr>
-        <p:txBody>
-          <a:bodyPr wrap="none" rtlCol="0">
-            <a:spAutoFit/>
-          </a:bodyPr>
-          <a:lstStyle/>
-          <a:p>
-            <a:r>
-              <a:rPr lang="en-US" dirty="0"/>
-              <a:t>T = 30.5</a:t>
-            </a:r>
-          </a:p>
-        </p:txBody>
-      </p:sp>
-      <p:sp>
-        <p:nvSpPr>
-          <p:cNvPr id="20" name="TextBox 19">
-            <a:extLst>
-              <a:ext uri="{FF2B5EF4-FFF2-40B4-BE49-F238E27FC236}">
-                <a16:creationId xmlns:a16="http://schemas.microsoft.com/office/drawing/2014/main" id="{77AA561B-EF0F-D844-9811-5B6779004E73}"/>
-              </a:ext>
-            </a:extLst>
-          </p:cNvPr>
-          <p:cNvSpPr txBox="1"/>
-          <p:nvPr/>
-        </p:nvSpPr>
-        <p:spPr>
-          <a:xfrm>
-            <a:off x="6581038" y="3943614"/>
-            <a:ext cx="926857" cy="369332"/>
-          </a:xfrm>
-          <a:prstGeom prst="rect">
-            <a:avLst/>
-          </a:prstGeom>
-          <a:noFill/>
-        </p:spPr>
-        <p:txBody>
-          <a:bodyPr wrap="none" rtlCol="0">
-            <a:spAutoFit/>
-          </a:bodyPr>
-          <a:lstStyle/>
-          <a:p>
-            <a:r>
-              <a:rPr lang="en-US" dirty="0"/>
-              <a:t>T = 31.5</a:t>
-            </a:r>
-          </a:p>
-        </p:txBody>
-      </p:sp>
-      <p:sp>
-        <p:nvSpPr>
-          <p:cNvPr id="22" name="TextBox 21">
-            <a:extLst>
-              <a:ext uri="{FF2B5EF4-FFF2-40B4-BE49-F238E27FC236}">
-                <a16:creationId xmlns:a16="http://schemas.microsoft.com/office/drawing/2014/main" id="{1855A1C6-AB42-FD41-9418-DDE968CA7009}"/>
-              </a:ext>
-            </a:extLst>
-          </p:cNvPr>
-          <p:cNvSpPr txBox="1"/>
-          <p:nvPr/>
-        </p:nvSpPr>
-        <p:spPr>
-          <a:xfrm>
-            <a:off x="112042" y="6488668"/>
-            <a:ext cx="1314784" cy="369332"/>
-          </a:xfrm>
-          <a:prstGeom prst="rect">
-            <a:avLst/>
-          </a:prstGeom>
-          <a:noFill/>
-        </p:spPr>
-        <p:txBody>
-          <a:bodyPr wrap="none" rtlCol="0">
-            <a:spAutoFit/>
-          </a:bodyPr>
-          <a:lstStyle/>
-          <a:p>
-            <a:r>
-              <a:rPr lang="en-US" dirty="0"/>
-              <a:t>Time Series </a:t>
-            </a:r>
-          </a:p>
-        </p:txBody>
-      </p:sp>
-      <p:sp>
-        <p:nvSpPr>
-          <p:cNvPr id="23" name="TextBox 22">
-            <a:extLst>
-              <a:ext uri="{FF2B5EF4-FFF2-40B4-BE49-F238E27FC236}">
-                <a16:creationId xmlns:a16="http://schemas.microsoft.com/office/drawing/2014/main" id="{0A19A4F3-6A6B-1946-A9B8-0E8B2341B447}"/>
-              </a:ext>
-            </a:extLst>
-          </p:cNvPr>
-          <p:cNvSpPr txBox="1"/>
-          <p:nvPr/>
-        </p:nvSpPr>
-        <p:spPr>
-          <a:xfrm>
-            <a:off x="0" y="164934"/>
-            <a:ext cx="7421583" cy="369332"/>
-          </a:xfrm>
-          <a:prstGeom prst="rect">
-            <a:avLst/>
-          </a:prstGeom>
-          <a:noFill/>
-        </p:spPr>
-        <p:txBody>
-          <a:bodyPr wrap="none" rtlCol="0">
-            <a:spAutoFit/>
-          </a:bodyPr>
-          <a:lstStyle/>
-          <a:p>
-            <a:pPr marL="285750" indent="-285750">
-              <a:buFont typeface="Arial" panose="020B0604020202020204" pitchFamily="34" charset="0"/>
-              <a:buChar char="•"/>
-            </a:pPr>
-            <a:r>
-              <a:rPr lang="en-US" dirty="0"/>
-              <a:t>Varying Temp from 25 – 31.5 degrees. Predator dies at around 31 degrees </a:t>
-            </a:r>
-          </a:p>
-        </p:txBody>
-      </p:sp>
+      <p:sp>
+        <p:nvSpPr>
+          <p:cNvPr id="13" name="Oval 12">
+            <a:extLst>
+              <a:ext uri="{FF2B5EF4-FFF2-40B4-BE49-F238E27FC236}">
+                <a16:creationId xmlns:a16="http://schemas.microsoft.com/office/drawing/2014/main" id="{F7CC8746-E548-3947-A39E-5842B6B871D9}"/>
+              </a:ext>
+            </a:extLst>
+          </p:cNvPr>
+          <p:cNvSpPr/>
+          <p:nvPr/>
+        </p:nvSpPr>
+        <p:spPr>
+          <a:xfrm>
+            <a:off x="8303140" y="1871168"/>
+            <a:ext cx="1152939" cy="1152000"/>
+          </a:xfrm>
+          <a:prstGeom prst="ellipse">
+            <a:avLst/>
+          </a:prstGeom>
+          <a:solidFill>
+            <a:schemeClr val="accent6"/>
+          </a:solidFill>
+          <a:ln>
+            <a:solidFill>
+              <a:schemeClr val="accent6"/>
+            </a:solidFill>
+          </a:ln>
+        </p:spPr>
+        <p:style>
+          <a:lnRef idx="2">
+            <a:schemeClr val="accent1">
+              <a:shade val="50000"/>
+            </a:schemeClr>
+          </a:lnRef>
+          <a:fillRef idx="1">
+            <a:schemeClr val="accent1"/>
+          </a:fillRef>
+          <a:effectRef idx="0">
+            <a:schemeClr val="accent1"/>
+          </a:effectRef>
+          <a:fontRef idx="minor">
+            <a:schemeClr val="lt1"/>
+          </a:fontRef>
+        </p:style>
+        <p:txBody>
+          <a:bodyPr rtlCol="0" anchor="ctr"/>
+          <a:lstStyle/>
+          <a:p>
+            <a:pPr algn="ctr"/>
+            <a:r>
+              <a:rPr lang="en-US" sz="1200" dirty="0"/>
+              <a:t>Littoral</a:t>
+            </a:r>
+          </a:p>
+          <a:p>
+            <a:pPr algn="ctr"/>
+            <a:r>
+              <a:rPr lang="en-US" sz="1200" dirty="0"/>
+              <a:t>Consumer</a:t>
+            </a:r>
+            <a:r>
+              <a:rPr lang="en-US" sz="1100" dirty="0"/>
+              <a:t> </a:t>
+            </a:r>
+          </a:p>
+        </p:txBody>
+      </p:sp>
+      <p:sp>
+        <p:nvSpPr>
+          <p:cNvPr id="14" name="Oval 13">
+            <a:extLst>
+              <a:ext uri="{FF2B5EF4-FFF2-40B4-BE49-F238E27FC236}">
+                <a16:creationId xmlns:a16="http://schemas.microsoft.com/office/drawing/2014/main" id="{AAA62CE9-B88C-3644-86D2-656B0DA69532}"/>
+              </a:ext>
+            </a:extLst>
+          </p:cNvPr>
+          <p:cNvSpPr/>
+          <p:nvPr/>
+        </p:nvSpPr>
+        <p:spPr>
+          <a:xfrm>
+            <a:off x="8303140" y="3602968"/>
+            <a:ext cx="1152939" cy="1152000"/>
+          </a:xfrm>
+          <a:prstGeom prst="ellipse">
+            <a:avLst/>
+          </a:prstGeom>
+          <a:solidFill>
+            <a:schemeClr val="accent1"/>
+          </a:solidFill>
+          <a:ln>
+            <a:solidFill>
+              <a:schemeClr val="accent1"/>
+            </a:solidFill>
+          </a:ln>
+        </p:spPr>
+        <p:style>
+          <a:lnRef idx="2">
+            <a:schemeClr val="accent1">
+              <a:shade val="50000"/>
+            </a:schemeClr>
+          </a:lnRef>
+          <a:fillRef idx="1">
+            <a:schemeClr val="accent1"/>
+          </a:fillRef>
+          <a:effectRef idx="0">
+            <a:schemeClr val="accent1"/>
+          </a:effectRef>
+          <a:fontRef idx="minor">
+            <a:schemeClr val="lt1"/>
+          </a:fontRef>
+        </p:style>
+        <p:txBody>
+          <a:bodyPr rtlCol="0" anchor="ctr"/>
+          <a:lstStyle/>
+          <a:p>
+            <a:pPr algn="ctr"/>
+            <a:r>
+              <a:rPr lang="en-US" sz="1200" dirty="0"/>
+              <a:t>Littoral Resource</a:t>
+            </a:r>
+          </a:p>
+        </p:txBody>
+      </p:sp>
+      <p:cxnSp>
+        <p:nvCxnSpPr>
+          <p:cNvPr id="15" name="Straight Arrow Connector 14">
+            <a:extLst>
+              <a:ext uri="{FF2B5EF4-FFF2-40B4-BE49-F238E27FC236}">
+                <a16:creationId xmlns:a16="http://schemas.microsoft.com/office/drawing/2014/main" id="{316CBF2F-CE02-4543-BF0E-9BA968A099AD}"/>
+              </a:ext>
+            </a:extLst>
+          </p:cNvPr>
+          <p:cNvCxnSpPr>
+            <a:cxnSpLocks/>
+            <a:stCxn id="14" idx="0"/>
+            <a:endCxn id="13" idx="4"/>
+          </p:cNvCxnSpPr>
+          <p:nvPr/>
+        </p:nvCxnSpPr>
+        <p:spPr>
+          <a:xfrm flipV="1">
+            <a:off x="8879610" y="3023168"/>
+            <a:ext cx="0" cy="579800"/>
+          </a:xfrm>
+          <a:prstGeom prst="straightConnector1">
+            <a:avLst/>
+          </a:prstGeom>
+          <a:ln w="41275">
+            <a:solidFill>
+              <a:schemeClr val="tx1"/>
+            </a:solidFill>
+            <a:tailEnd type="triangle"/>
+          </a:ln>
+        </p:spPr>
+        <p:style>
+          <a:lnRef idx="1">
+            <a:schemeClr val="accent1"/>
+          </a:lnRef>
+          <a:fillRef idx="0">
+            <a:schemeClr val="accent1"/>
+          </a:fillRef>
+          <a:effectRef idx="0">
+            <a:schemeClr val="accent1"/>
+          </a:effectRef>
+          <a:fontRef idx="minor">
+            <a:schemeClr val="tx1"/>
+          </a:fontRef>
+        </p:style>
+      </p:cxnSp>
+      <p:cxnSp>
+        <p:nvCxnSpPr>
+          <p:cNvPr id="16" name="Straight Arrow Connector 15">
+            <a:extLst>
+              <a:ext uri="{FF2B5EF4-FFF2-40B4-BE49-F238E27FC236}">
+                <a16:creationId xmlns:a16="http://schemas.microsoft.com/office/drawing/2014/main" id="{37276B3E-D826-0D47-9525-2BA4B3478892}"/>
+              </a:ext>
+            </a:extLst>
+          </p:cNvPr>
+          <p:cNvCxnSpPr>
+            <a:cxnSpLocks/>
+            <a:stCxn id="13" idx="0"/>
+            <a:endCxn id="18" idx="3"/>
+          </p:cNvCxnSpPr>
+          <p:nvPr/>
+        </p:nvCxnSpPr>
+        <p:spPr>
+          <a:xfrm flipV="1">
+            <a:off x="8879610" y="983294"/>
+            <a:ext cx="745313" cy="887874"/>
+          </a:xfrm>
+          <a:prstGeom prst="straightConnector1">
+            <a:avLst/>
+          </a:prstGeom>
+          <a:ln w="79375">
+            <a:solidFill>
+              <a:schemeClr val="tx1"/>
+            </a:solidFill>
+            <a:tailEnd type="triangle"/>
+          </a:ln>
+        </p:spPr>
+        <p:style>
+          <a:lnRef idx="1">
+            <a:schemeClr val="accent1"/>
+          </a:lnRef>
+          <a:fillRef idx="0">
+            <a:schemeClr val="accent1"/>
+          </a:fillRef>
+          <a:effectRef idx="0">
+            <a:schemeClr val="accent1"/>
+          </a:effectRef>
+          <a:fontRef idx="minor">
+            <a:schemeClr val="tx1"/>
+          </a:fontRef>
+        </p:style>
+      </p:cxnSp>
+      <p:cxnSp>
+        <p:nvCxnSpPr>
+          <p:cNvPr id="17" name="Curved Connector 16">
+            <a:extLst>
+              <a:ext uri="{FF2B5EF4-FFF2-40B4-BE49-F238E27FC236}">
+                <a16:creationId xmlns:a16="http://schemas.microsoft.com/office/drawing/2014/main" id="{8633A39D-1573-4644-A86E-D4A7DAC34420}"/>
+              </a:ext>
+            </a:extLst>
+          </p:cNvPr>
+          <p:cNvCxnSpPr>
+            <a:cxnSpLocks/>
+            <a:stCxn id="20" idx="6"/>
+            <a:endCxn id="18" idx="6"/>
+          </p:cNvCxnSpPr>
+          <p:nvPr/>
+        </p:nvCxnSpPr>
+        <p:spPr>
+          <a:xfrm flipH="1" flipV="1">
+            <a:off x="10609018" y="576000"/>
+            <a:ext cx="1152939" cy="3602968"/>
+          </a:xfrm>
+          <a:prstGeom prst="curvedConnector3">
+            <a:avLst>
+              <a:gd name="adj1" fmla="val -19828"/>
+            </a:avLst>
+          </a:prstGeom>
+          <a:ln w="38100">
+            <a:solidFill>
+              <a:schemeClr val="tx1"/>
+            </a:solidFill>
+            <a:tailEnd type="triangle"/>
+          </a:ln>
+        </p:spPr>
+        <p:style>
+          <a:lnRef idx="1">
+            <a:schemeClr val="accent1"/>
+          </a:lnRef>
+          <a:fillRef idx="0">
+            <a:schemeClr val="accent1"/>
+          </a:fillRef>
+          <a:effectRef idx="0">
+            <a:schemeClr val="accent1"/>
+          </a:effectRef>
+          <a:fontRef idx="minor">
+            <a:schemeClr val="tx1"/>
+          </a:fontRef>
+        </p:style>
+      </p:cxnSp>
+      <p:sp>
+        <p:nvSpPr>
+          <p:cNvPr id="18" name="Oval 17">
+            <a:extLst>
+              <a:ext uri="{FF2B5EF4-FFF2-40B4-BE49-F238E27FC236}">
+                <a16:creationId xmlns:a16="http://schemas.microsoft.com/office/drawing/2014/main" id="{BABF202C-6DFA-ED4D-A44D-DB9A27007B06}"/>
+              </a:ext>
+            </a:extLst>
+          </p:cNvPr>
+          <p:cNvSpPr/>
+          <p:nvPr/>
+        </p:nvSpPr>
+        <p:spPr>
+          <a:xfrm>
+            <a:off x="9456079" y="0"/>
+            <a:ext cx="1152939" cy="1152000"/>
+          </a:xfrm>
+          <a:prstGeom prst="ellipse">
+            <a:avLst/>
+          </a:prstGeom>
+          <a:solidFill>
+            <a:srgbClr val="B17FE8"/>
+          </a:solidFill>
+          <a:ln>
+            <a:solidFill>
+              <a:srgbClr val="B17FE8"/>
+            </a:solidFill>
+          </a:ln>
+        </p:spPr>
+        <p:style>
+          <a:lnRef idx="2">
+            <a:schemeClr val="accent1">
+              <a:shade val="50000"/>
+            </a:schemeClr>
+          </a:lnRef>
+          <a:fillRef idx="1">
+            <a:schemeClr val="accent1"/>
+          </a:fillRef>
+          <a:effectRef idx="0">
+            <a:schemeClr val="accent1"/>
+          </a:effectRef>
+          <a:fontRef idx="minor">
+            <a:schemeClr val="lt1"/>
+          </a:fontRef>
+        </p:style>
+        <p:txBody>
+          <a:bodyPr rtlCol="0" anchor="ctr"/>
+          <a:lstStyle/>
+          <a:p>
+            <a:pPr algn="ctr"/>
+            <a:r>
+              <a:rPr lang="en-US" sz="1200" dirty="0"/>
+              <a:t>Top Predator</a:t>
+            </a:r>
+          </a:p>
+        </p:txBody>
+      </p:sp>
+      <p:sp>
+        <p:nvSpPr>
+          <p:cNvPr id="19" name="Oval 18">
+            <a:extLst>
+              <a:ext uri="{FF2B5EF4-FFF2-40B4-BE49-F238E27FC236}">
+                <a16:creationId xmlns:a16="http://schemas.microsoft.com/office/drawing/2014/main" id="{768C6DE0-0DCC-454F-9CB4-B2527C50DD63}"/>
+              </a:ext>
+            </a:extLst>
+          </p:cNvPr>
+          <p:cNvSpPr/>
+          <p:nvPr/>
+        </p:nvSpPr>
+        <p:spPr>
+          <a:xfrm>
+            <a:off x="10609018" y="1871168"/>
+            <a:ext cx="1152939" cy="1152000"/>
+          </a:xfrm>
+          <a:prstGeom prst="ellipse">
+            <a:avLst/>
+          </a:prstGeom>
+          <a:solidFill>
+            <a:srgbClr val="C00000"/>
+          </a:solidFill>
+          <a:ln>
+            <a:solidFill>
+              <a:srgbClr val="C00000"/>
+            </a:solidFill>
+          </a:ln>
+        </p:spPr>
+        <p:style>
+          <a:lnRef idx="2">
+            <a:schemeClr val="accent1">
+              <a:shade val="50000"/>
+            </a:schemeClr>
+          </a:lnRef>
+          <a:fillRef idx="1">
+            <a:schemeClr val="accent1"/>
+          </a:fillRef>
+          <a:effectRef idx="0">
+            <a:schemeClr val="accent1"/>
+          </a:effectRef>
+          <a:fontRef idx="minor">
+            <a:schemeClr val="lt1"/>
+          </a:fontRef>
+        </p:style>
+        <p:txBody>
+          <a:bodyPr rtlCol="0" anchor="ctr"/>
+          <a:lstStyle/>
+          <a:p>
+            <a:pPr algn="ctr"/>
+            <a:r>
+              <a:rPr lang="en-US" sz="1200" dirty="0"/>
+              <a:t>Pelagic</a:t>
+            </a:r>
+          </a:p>
+          <a:p>
+            <a:pPr algn="ctr"/>
+            <a:r>
+              <a:rPr lang="en-US" sz="1200" dirty="0"/>
+              <a:t>Consumer</a:t>
+            </a:r>
+            <a:r>
+              <a:rPr lang="en-US" sz="1100" dirty="0"/>
+              <a:t> </a:t>
+            </a:r>
+          </a:p>
+        </p:txBody>
+      </p:sp>
+      <p:sp>
+        <p:nvSpPr>
+          <p:cNvPr id="20" name="Oval 19">
+            <a:extLst>
+              <a:ext uri="{FF2B5EF4-FFF2-40B4-BE49-F238E27FC236}">
+                <a16:creationId xmlns:a16="http://schemas.microsoft.com/office/drawing/2014/main" id="{3F46C2F4-220C-F548-A46A-6153E42BB602}"/>
+              </a:ext>
+            </a:extLst>
+          </p:cNvPr>
+          <p:cNvSpPr/>
+          <p:nvPr/>
+        </p:nvSpPr>
+        <p:spPr>
+          <a:xfrm>
+            <a:off x="10609018" y="3602968"/>
+            <a:ext cx="1152939" cy="1152000"/>
+          </a:xfrm>
+          <a:prstGeom prst="ellipse">
+            <a:avLst/>
+          </a:prstGeom>
+          <a:solidFill>
+            <a:schemeClr val="accent2"/>
+          </a:solidFill>
+          <a:ln>
+            <a:solidFill>
+              <a:schemeClr val="accent2"/>
+            </a:solidFill>
+          </a:ln>
+        </p:spPr>
+        <p:style>
+          <a:lnRef idx="2">
+            <a:schemeClr val="accent1">
+              <a:shade val="50000"/>
+            </a:schemeClr>
+          </a:lnRef>
+          <a:fillRef idx="1">
+            <a:schemeClr val="accent1"/>
+          </a:fillRef>
+          <a:effectRef idx="0">
+            <a:schemeClr val="accent1"/>
+          </a:effectRef>
+          <a:fontRef idx="minor">
+            <a:schemeClr val="lt1"/>
+          </a:fontRef>
+        </p:style>
+        <p:txBody>
+          <a:bodyPr rtlCol="0" anchor="ctr"/>
+          <a:lstStyle/>
+          <a:p>
+            <a:pPr algn="ctr"/>
+            <a:r>
+              <a:rPr lang="en-US" sz="1200" dirty="0"/>
+              <a:t>Pelagic Resource</a:t>
+            </a:r>
+          </a:p>
+        </p:txBody>
+      </p:sp>
+      <p:cxnSp>
+        <p:nvCxnSpPr>
+          <p:cNvPr id="21" name="Straight Arrow Connector 20">
+            <a:extLst>
+              <a:ext uri="{FF2B5EF4-FFF2-40B4-BE49-F238E27FC236}">
+                <a16:creationId xmlns:a16="http://schemas.microsoft.com/office/drawing/2014/main" id="{F6269F52-9560-B040-80BB-0516BF867B07}"/>
+              </a:ext>
+            </a:extLst>
+          </p:cNvPr>
+          <p:cNvCxnSpPr>
+            <a:cxnSpLocks/>
+            <a:stCxn id="20" idx="0"/>
+            <a:endCxn id="19" idx="4"/>
+          </p:cNvCxnSpPr>
+          <p:nvPr/>
+        </p:nvCxnSpPr>
+        <p:spPr>
+          <a:xfrm flipV="1">
+            <a:off x="11185488" y="3023168"/>
+            <a:ext cx="0" cy="579800"/>
+          </a:xfrm>
+          <a:prstGeom prst="straightConnector1">
+            <a:avLst/>
+          </a:prstGeom>
+          <a:ln w="41275">
+            <a:solidFill>
+              <a:schemeClr val="tx1"/>
+            </a:solidFill>
+            <a:tailEnd type="triangle"/>
+          </a:ln>
+        </p:spPr>
+        <p:style>
+          <a:lnRef idx="1">
+            <a:schemeClr val="accent1"/>
+          </a:lnRef>
+          <a:fillRef idx="0">
+            <a:schemeClr val="accent1"/>
+          </a:fillRef>
+          <a:effectRef idx="0">
+            <a:schemeClr val="accent1"/>
+          </a:effectRef>
+          <a:fontRef idx="minor">
+            <a:schemeClr val="tx1"/>
+          </a:fontRef>
+        </p:style>
+      </p:cxnSp>
+      <p:cxnSp>
+        <p:nvCxnSpPr>
+          <p:cNvPr id="22" name="Straight Arrow Connector 21">
+            <a:extLst>
+              <a:ext uri="{FF2B5EF4-FFF2-40B4-BE49-F238E27FC236}">
+                <a16:creationId xmlns:a16="http://schemas.microsoft.com/office/drawing/2014/main" id="{5494174A-CE37-3D44-8223-D893E9D0BCD9}"/>
+              </a:ext>
+            </a:extLst>
+          </p:cNvPr>
+          <p:cNvCxnSpPr>
+            <a:cxnSpLocks/>
+            <a:stCxn id="19" idx="0"/>
+            <a:endCxn id="18" idx="5"/>
+          </p:cNvCxnSpPr>
+          <p:nvPr/>
+        </p:nvCxnSpPr>
+        <p:spPr>
+          <a:xfrm flipH="1" flipV="1">
+            <a:off x="10440174" y="983294"/>
+            <a:ext cx="745314" cy="887874"/>
+          </a:xfrm>
+          <a:prstGeom prst="straightConnector1">
+            <a:avLst/>
+          </a:prstGeom>
+          <a:ln w="79375">
+            <a:solidFill>
+              <a:schemeClr val="tx1"/>
+            </a:solidFill>
+            <a:tailEnd type="triangle"/>
+          </a:ln>
+        </p:spPr>
+        <p:style>
+          <a:lnRef idx="1">
+            <a:schemeClr val="accent1"/>
+          </a:lnRef>
+          <a:fillRef idx="0">
+            <a:schemeClr val="accent1"/>
+          </a:fillRef>
+          <a:effectRef idx="0">
+            <a:schemeClr val="accent1"/>
+          </a:effectRef>
+          <a:fontRef idx="minor">
+            <a:schemeClr val="tx1"/>
+          </a:fontRef>
+        </p:style>
+      </p:cxnSp>
+      <p:cxnSp>
+        <p:nvCxnSpPr>
+          <p:cNvPr id="23" name="Curved Connector 22">
+            <a:extLst>
+              <a:ext uri="{FF2B5EF4-FFF2-40B4-BE49-F238E27FC236}">
+                <a16:creationId xmlns:a16="http://schemas.microsoft.com/office/drawing/2014/main" id="{685F0ABD-A3BE-0A43-B8C4-A25305452D2F}"/>
+              </a:ext>
+            </a:extLst>
+          </p:cNvPr>
+          <p:cNvCxnSpPr>
+            <a:cxnSpLocks/>
+            <a:stCxn id="14" idx="2"/>
+            <a:endCxn id="18" idx="2"/>
+          </p:cNvCxnSpPr>
+          <p:nvPr/>
+        </p:nvCxnSpPr>
+        <p:spPr>
+          <a:xfrm rot="10800000" flipH="1">
+            <a:off x="8303139" y="576000"/>
+            <a:ext cx="1152939" cy="3602968"/>
+          </a:xfrm>
+          <a:prstGeom prst="curvedConnector3">
+            <a:avLst>
+              <a:gd name="adj1" fmla="val -19828"/>
+            </a:avLst>
+          </a:prstGeom>
+          <a:ln w="38100">
+            <a:solidFill>
+              <a:schemeClr val="tx1"/>
+            </a:solidFill>
+            <a:tailEnd type="triangle"/>
+          </a:ln>
+        </p:spPr>
+        <p:style>
+          <a:lnRef idx="1">
+            <a:schemeClr val="accent1"/>
+          </a:lnRef>
+          <a:fillRef idx="0">
+            <a:schemeClr val="accent1"/>
+          </a:fillRef>
+          <a:effectRef idx="0">
+            <a:schemeClr val="accent1"/>
+          </a:effectRef>
+          <a:fontRef idx="minor">
+            <a:schemeClr val="tx1"/>
+          </a:fontRef>
+        </p:style>
+      </p:cxnSp>
+      <p:sp>
+        <p:nvSpPr>
+          <p:cNvPr id="24" name="Oval 23">
+            <a:extLst>
+              <a:ext uri="{FF2B5EF4-FFF2-40B4-BE49-F238E27FC236}">
+                <a16:creationId xmlns:a16="http://schemas.microsoft.com/office/drawing/2014/main" id="{5240E377-5D34-2E47-B51B-3D08CABBF85A}"/>
+              </a:ext>
+            </a:extLst>
+          </p:cNvPr>
+          <p:cNvSpPr/>
+          <p:nvPr/>
+        </p:nvSpPr>
+        <p:spPr>
+          <a:xfrm>
+            <a:off x="261199" y="2089980"/>
+            <a:ext cx="1152939" cy="1152000"/>
+          </a:xfrm>
+          <a:prstGeom prst="ellipse">
+            <a:avLst/>
+          </a:prstGeom>
+          <a:solidFill>
+            <a:schemeClr val="accent6"/>
+          </a:solidFill>
+          <a:ln>
+            <a:solidFill>
+              <a:schemeClr val="accent6"/>
+            </a:solidFill>
+          </a:ln>
+        </p:spPr>
+        <p:style>
+          <a:lnRef idx="2">
+            <a:schemeClr val="accent1">
+              <a:shade val="50000"/>
+            </a:schemeClr>
+          </a:lnRef>
+          <a:fillRef idx="1">
+            <a:schemeClr val="accent1"/>
+          </a:fillRef>
+          <a:effectRef idx="0">
+            <a:schemeClr val="accent1"/>
+          </a:effectRef>
+          <a:fontRef idx="minor">
+            <a:schemeClr val="lt1"/>
+          </a:fontRef>
+        </p:style>
+        <p:txBody>
+          <a:bodyPr rtlCol="0" anchor="ctr"/>
+          <a:lstStyle/>
+          <a:p>
+            <a:pPr algn="ctr"/>
+            <a:r>
+              <a:rPr lang="en-US" sz="1200" dirty="0"/>
+              <a:t>Littoral</a:t>
+            </a:r>
+          </a:p>
+          <a:p>
+            <a:pPr algn="ctr"/>
+            <a:r>
+              <a:rPr lang="en-US" sz="1200" dirty="0"/>
+              <a:t>Consumer</a:t>
+            </a:r>
+            <a:r>
+              <a:rPr lang="en-US" sz="1100" dirty="0"/>
+              <a:t> </a:t>
+            </a:r>
+          </a:p>
+        </p:txBody>
+      </p:sp>
+      <p:sp>
+        <p:nvSpPr>
+          <p:cNvPr id="25" name="Oval 24">
+            <a:extLst>
+              <a:ext uri="{FF2B5EF4-FFF2-40B4-BE49-F238E27FC236}">
+                <a16:creationId xmlns:a16="http://schemas.microsoft.com/office/drawing/2014/main" id="{A4C45C50-4349-2843-929A-BE5A109C2717}"/>
+              </a:ext>
+            </a:extLst>
+          </p:cNvPr>
+          <p:cNvSpPr/>
+          <p:nvPr/>
+        </p:nvSpPr>
+        <p:spPr>
+          <a:xfrm>
+            <a:off x="261199" y="3821780"/>
+            <a:ext cx="1152939" cy="1152000"/>
+          </a:xfrm>
+          <a:prstGeom prst="ellipse">
+            <a:avLst/>
+          </a:prstGeom>
+          <a:solidFill>
+            <a:schemeClr val="accent1"/>
+          </a:solidFill>
+          <a:ln>
+            <a:solidFill>
+              <a:schemeClr val="accent1"/>
+            </a:solidFill>
+          </a:ln>
+        </p:spPr>
+        <p:style>
+          <a:lnRef idx="2">
+            <a:schemeClr val="accent1">
+              <a:shade val="50000"/>
+            </a:schemeClr>
+          </a:lnRef>
+          <a:fillRef idx="1">
+            <a:schemeClr val="accent1"/>
+          </a:fillRef>
+          <a:effectRef idx="0">
+            <a:schemeClr val="accent1"/>
+          </a:effectRef>
+          <a:fontRef idx="minor">
+            <a:schemeClr val="lt1"/>
+          </a:fontRef>
+        </p:style>
+        <p:txBody>
+          <a:bodyPr rtlCol="0" anchor="ctr"/>
+          <a:lstStyle/>
+          <a:p>
+            <a:pPr algn="ctr"/>
+            <a:r>
+              <a:rPr lang="en-US" sz="1200" dirty="0"/>
+              <a:t>Littoral Resource</a:t>
+            </a:r>
+          </a:p>
+        </p:txBody>
+      </p:sp>
+      <p:cxnSp>
+        <p:nvCxnSpPr>
+          <p:cNvPr id="26" name="Straight Arrow Connector 25">
+            <a:extLst>
+              <a:ext uri="{FF2B5EF4-FFF2-40B4-BE49-F238E27FC236}">
+                <a16:creationId xmlns:a16="http://schemas.microsoft.com/office/drawing/2014/main" id="{8991A125-9278-254F-84B9-E5184FBB09C3}"/>
+              </a:ext>
+            </a:extLst>
+          </p:cNvPr>
+          <p:cNvCxnSpPr>
+            <a:cxnSpLocks/>
+            <a:stCxn id="25" idx="0"/>
+            <a:endCxn id="24" idx="4"/>
+          </p:cNvCxnSpPr>
+          <p:nvPr/>
+        </p:nvCxnSpPr>
+        <p:spPr>
+          <a:xfrm flipV="1">
+            <a:off x="837669" y="3241980"/>
+            <a:ext cx="0" cy="579800"/>
+          </a:xfrm>
+          <a:prstGeom prst="straightConnector1">
+            <a:avLst/>
+          </a:prstGeom>
+          <a:ln w="38100">
+            <a:solidFill>
+              <a:schemeClr val="tx1"/>
+            </a:solidFill>
+            <a:tailEnd type="triangle"/>
+          </a:ln>
+        </p:spPr>
+        <p:style>
+          <a:lnRef idx="1">
+            <a:schemeClr val="accent1"/>
+          </a:lnRef>
+          <a:fillRef idx="0">
+            <a:schemeClr val="accent1"/>
+          </a:fillRef>
+          <a:effectRef idx="0">
+            <a:schemeClr val="accent1"/>
+          </a:effectRef>
+          <a:fontRef idx="minor">
+            <a:schemeClr val="tx1"/>
+          </a:fontRef>
+        </p:style>
+      </p:cxnSp>
+      <p:cxnSp>
+        <p:nvCxnSpPr>
+          <p:cNvPr id="27" name="Straight Arrow Connector 26">
+            <a:extLst>
+              <a:ext uri="{FF2B5EF4-FFF2-40B4-BE49-F238E27FC236}">
+                <a16:creationId xmlns:a16="http://schemas.microsoft.com/office/drawing/2014/main" id="{A4CFFAF4-DEB2-CE4E-AAA7-9B81132E5094}"/>
+              </a:ext>
+            </a:extLst>
+          </p:cNvPr>
+          <p:cNvCxnSpPr>
+            <a:cxnSpLocks/>
+            <a:stCxn id="24" idx="0"/>
+            <a:endCxn id="29" idx="3"/>
+          </p:cNvCxnSpPr>
+          <p:nvPr/>
+        </p:nvCxnSpPr>
+        <p:spPr>
+          <a:xfrm flipV="1">
+            <a:off x="837669" y="1202106"/>
+            <a:ext cx="745313" cy="887874"/>
+          </a:xfrm>
+          <a:prstGeom prst="straightConnector1">
+            <a:avLst/>
+          </a:prstGeom>
+          <a:ln w="38100">
+            <a:solidFill>
+              <a:schemeClr val="tx1"/>
+            </a:solidFill>
+            <a:tailEnd type="triangle"/>
+          </a:ln>
+        </p:spPr>
+        <p:style>
+          <a:lnRef idx="1">
+            <a:schemeClr val="accent1"/>
+          </a:lnRef>
+          <a:fillRef idx="0">
+            <a:schemeClr val="accent1"/>
+          </a:fillRef>
+          <a:effectRef idx="0">
+            <a:schemeClr val="accent1"/>
+          </a:effectRef>
+          <a:fontRef idx="minor">
+            <a:schemeClr val="tx1"/>
+          </a:fontRef>
+        </p:style>
+      </p:cxnSp>
+      <p:cxnSp>
+        <p:nvCxnSpPr>
+          <p:cNvPr id="28" name="Curved Connector 27">
+            <a:extLst>
+              <a:ext uri="{FF2B5EF4-FFF2-40B4-BE49-F238E27FC236}">
+                <a16:creationId xmlns:a16="http://schemas.microsoft.com/office/drawing/2014/main" id="{104A3ECD-8330-6D44-9B05-1FC1A06936C2}"/>
+              </a:ext>
+            </a:extLst>
+          </p:cNvPr>
+          <p:cNvCxnSpPr>
+            <a:cxnSpLocks/>
+            <a:stCxn id="31" idx="6"/>
+            <a:endCxn id="29" idx="6"/>
+          </p:cNvCxnSpPr>
+          <p:nvPr/>
+        </p:nvCxnSpPr>
+        <p:spPr>
+          <a:xfrm flipH="1" flipV="1">
+            <a:off x="2567077" y="794812"/>
+            <a:ext cx="1152939" cy="3602968"/>
+          </a:xfrm>
+          <a:prstGeom prst="curvedConnector3">
+            <a:avLst>
+              <a:gd name="adj1" fmla="val -19828"/>
+            </a:avLst>
+          </a:prstGeom>
+          <a:ln w="0">
+            <a:solidFill>
+              <a:schemeClr val="tx1"/>
+            </a:solidFill>
+            <a:tailEnd type="triangle"/>
+          </a:ln>
+        </p:spPr>
+        <p:style>
+          <a:lnRef idx="1">
+            <a:schemeClr val="accent1"/>
+          </a:lnRef>
+          <a:fillRef idx="0">
+            <a:schemeClr val="accent1"/>
+          </a:fillRef>
+          <a:effectRef idx="0">
+            <a:schemeClr val="accent1"/>
+          </a:effectRef>
+          <a:fontRef idx="minor">
+            <a:schemeClr val="tx1"/>
+          </a:fontRef>
+        </p:style>
+      </p:cxnSp>
+      <p:sp>
+        <p:nvSpPr>
+          <p:cNvPr id="29" name="Oval 28">
+            <a:extLst>
+              <a:ext uri="{FF2B5EF4-FFF2-40B4-BE49-F238E27FC236}">
+                <a16:creationId xmlns:a16="http://schemas.microsoft.com/office/drawing/2014/main" id="{858B5F95-187D-4444-A5DB-1D421F9868B0}"/>
+              </a:ext>
+            </a:extLst>
+          </p:cNvPr>
+          <p:cNvSpPr/>
+          <p:nvPr/>
+        </p:nvSpPr>
+        <p:spPr>
+          <a:xfrm>
+            <a:off x="1414138" y="218812"/>
+            <a:ext cx="1152939" cy="1152000"/>
+          </a:xfrm>
+          <a:prstGeom prst="ellipse">
+            <a:avLst/>
+          </a:prstGeom>
+          <a:solidFill>
+            <a:srgbClr val="B17FE8"/>
+          </a:solidFill>
+          <a:ln>
+            <a:solidFill>
+              <a:srgbClr val="B17FE8"/>
+            </a:solidFill>
+          </a:ln>
+        </p:spPr>
+        <p:style>
+          <a:lnRef idx="2">
+            <a:schemeClr val="accent1">
+              <a:shade val="50000"/>
+            </a:schemeClr>
+          </a:lnRef>
+          <a:fillRef idx="1">
+            <a:schemeClr val="accent1"/>
+          </a:fillRef>
+          <a:effectRef idx="0">
+            <a:schemeClr val="accent1"/>
+          </a:effectRef>
+          <a:fontRef idx="minor">
+            <a:schemeClr val="lt1"/>
+          </a:fontRef>
+        </p:style>
+        <p:txBody>
+          <a:bodyPr rtlCol="0" anchor="ctr"/>
+          <a:lstStyle/>
+          <a:p>
+            <a:pPr algn="ctr"/>
+            <a:r>
+              <a:rPr lang="en-US" sz="1200" dirty="0"/>
+              <a:t>Top Predator</a:t>
+            </a:r>
+          </a:p>
+        </p:txBody>
+      </p:sp>
+      <p:sp>
+        <p:nvSpPr>
+          <p:cNvPr id="30" name="Oval 29">
+            <a:extLst>
+              <a:ext uri="{FF2B5EF4-FFF2-40B4-BE49-F238E27FC236}">
+                <a16:creationId xmlns:a16="http://schemas.microsoft.com/office/drawing/2014/main" id="{EC91601E-98BF-594B-B9BF-D2C774129B14}"/>
+              </a:ext>
+            </a:extLst>
+          </p:cNvPr>
+          <p:cNvSpPr/>
+          <p:nvPr/>
+        </p:nvSpPr>
+        <p:spPr>
+          <a:xfrm>
+            <a:off x="2567077" y="2089980"/>
+            <a:ext cx="1152939" cy="1152000"/>
+          </a:xfrm>
+          <a:prstGeom prst="ellipse">
+            <a:avLst/>
+          </a:prstGeom>
+          <a:solidFill>
+            <a:srgbClr val="C00000"/>
+          </a:solidFill>
+          <a:ln>
+            <a:solidFill>
+              <a:srgbClr val="C00000"/>
+            </a:solidFill>
+          </a:ln>
+        </p:spPr>
+        <p:style>
+          <a:lnRef idx="2">
+            <a:schemeClr val="accent1">
+              <a:shade val="50000"/>
+            </a:schemeClr>
+          </a:lnRef>
+          <a:fillRef idx="1">
+            <a:schemeClr val="accent1"/>
+          </a:fillRef>
+          <a:effectRef idx="0">
+            <a:schemeClr val="accent1"/>
+          </a:effectRef>
+          <a:fontRef idx="minor">
+            <a:schemeClr val="lt1"/>
+          </a:fontRef>
+        </p:style>
+        <p:txBody>
+          <a:bodyPr rtlCol="0" anchor="ctr"/>
+          <a:lstStyle/>
+          <a:p>
+            <a:pPr algn="ctr"/>
+            <a:r>
+              <a:rPr lang="en-US" sz="1200" dirty="0"/>
+              <a:t>Pelagic</a:t>
+            </a:r>
+          </a:p>
+          <a:p>
+            <a:pPr algn="ctr"/>
+            <a:r>
+              <a:rPr lang="en-US" sz="1200" dirty="0"/>
+              <a:t>Consumer</a:t>
+            </a:r>
+            <a:r>
+              <a:rPr lang="en-US" sz="1100" dirty="0"/>
+              <a:t> </a:t>
+            </a:r>
+          </a:p>
+        </p:txBody>
+      </p:sp>
+      <p:sp>
+        <p:nvSpPr>
+          <p:cNvPr id="31" name="Oval 30">
+            <a:extLst>
+              <a:ext uri="{FF2B5EF4-FFF2-40B4-BE49-F238E27FC236}">
+                <a16:creationId xmlns:a16="http://schemas.microsoft.com/office/drawing/2014/main" id="{4C8C1F0B-8070-5D43-AE59-B4DE93E67544}"/>
+              </a:ext>
+            </a:extLst>
+          </p:cNvPr>
+          <p:cNvSpPr/>
+          <p:nvPr/>
+        </p:nvSpPr>
+        <p:spPr>
+          <a:xfrm>
+            <a:off x="2567077" y="3821780"/>
+            <a:ext cx="1152939" cy="1152000"/>
+          </a:xfrm>
+          <a:prstGeom prst="ellipse">
+            <a:avLst/>
+          </a:prstGeom>
+          <a:solidFill>
+            <a:schemeClr val="accent2"/>
+          </a:solidFill>
+          <a:ln>
+            <a:solidFill>
+              <a:schemeClr val="accent2"/>
+            </a:solidFill>
+          </a:ln>
+        </p:spPr>
+        <p:style>
+          <a:lnRef idx="2">
+            <a:schemeClr val="accent1">
+              <a:shade val="50000"/>
+            </a:schemeClr>
+          </a:lnRef>
+          <a:fillRef idx="1">
+            <a:schemeClr val="accent1"/>
+          </a:fillRef>
+          <a:effectRef idx="0">
+            <a:schemeClr val="accent1"/>
+          </a:effectRef>
+          <a:fontRef idx="minor">
+            <a:schemeClr val="lt1"/>
+          </a:fontRef>
+        </p:style>
+        <p:txBody>
+          <a:bodyPr rtlCol="0" anchor="ctr"/>
+          <a:lstStyle/>
+          <a:p>
+            <a:pPr algn="ctr"/>
+            <a:r>
+              <a:rPr lang="en-US" sz="1200" dirty="0"/>
+              <a:t>Pelagic Resource</a:t>
+            </a:r>
+          </a:p>
+        </p:txBody>
+      </p:sp>
+      <p:cxnSp>
+        <p:nvCxnSpPr>
+          <p:cNvPr id="32" name="Straight Arrow Connector 31">
+            <a:extLst>
+              <a:ext uri="{FF2B5EF4-FFF2-40B4-BE49-F238E27FC236}">
+                <a16:creationId xmlns:a16="http://schemas.microsoft.com/office/drawing/2014/main" id="{077E21D2-3DF0-7440-B202-75BCF2E06230}"/>
+              </a:ext>
+            </a:extLst>
+          </p:cNvPr>
+          <p:cNvCxnSpPr>
+            <a:cxnSpLocks/>
+            <a:stCxn id="31" idx="0"/>
+            <a:endCxn id="30" idx="4"/>
+          </p:cNvCxnSpPr>
+          <p:nvPr/>
+        </p:nvCxnSpPr>
+        <p:spPr>
+          <a:xfrm flipV="1">
+            <a:off x="3143547" y="3241980"/>
+            <a:ext cx="0" cy="579800"/>
+          </a:xfrm>
+          <a:prstGeom prst="straightConnector1">
+            <a:avLst/>
+          </a:prstGeom>
+          <a:ln w="38100">
+            <a:solidFill>
+              <a:schemeClr val="tx1"/>
+            </a:solidFill>
+            <a:tailEnd type="triangle"/>
+          </a:ln>
+        </p:spPr>
+        <p:style>
+          <a:lnRef idx="1">
+            <a:schemeClr val="accent1"/>
+          </a:lnRef>
+          <a:fillRef idx="0">
+            <a:schemeClr val="accent1"/>
+          </a:fillRef>
+          <a:effectRef idx="0">
+            <a:schemeClr val="accent1"/>
+          </a:effectRef>
+          <a:fontRef idx="minor">
+            <a:schemeClr val="tx1"/>
+          </a:fontRef>
+        </p:style>
+      </p:cxnSp>
+      <p:cxnSp>
+        <p:nvCxnSpPr>
+          <p:cNvPr id="33" name="Straight Arrow Connector 32">
+            <a:extLst>
+              <a:ext uri="{FF2B5EF4-FFF2-40B4-BE49-F238E27FC236}">
+                <a16:creationId xmlns:a16="http://schemas.microsoft.com/office/drawing/2014/main" id="{F49DFE12-8097-744F-AECD-194F00993D18}"/>
+              </a:ext>
+            </a:extLst>
+          </p:cNvPr>
+          <p:cNvCxnSpPr>
+            <a:cxnSpLocks/>
+            <a:stCxn id="30" idx="0"/>
+            <a:endCxn id="29" idx="5"/>
+          </p:cNvCxnSpPr>
+          <p:nvPr/>
+        </p:nvCxnSpPr>
+        <p:spPr>
+          <a:xfrm flipH="1" flipV="1">
+            <a:off x="2398233" y="1202106"/>
+            <a:ext cx="745314" cy="887874"/>
+          </a:xfrm>
+          <a:prstGeom prst="straightConnector1">
+            <a:avLst/>
+          </a:prstGeom>
+          <a:ln w="38100">
+            <a:solidFill>
+              <a:schemeClr val="tx1"/>
+            </a:solidFill>
+            <a:tailEnd type="triangle"/>
+          </a:ln>
+        </p:spPr>
+        <p:style>
+          <a:lnRef idx="1">
+            <a:schemeClr val="accent1"/>
+          </a:lnRef>
+          <a:fillRef idx="0">
+            <a:schemeClr val="accent1"/>
+          </a:fillRef>
+          <a:effectRef idx="0">
+            <a:schemeClr val="accent1"/>
+          </a:effectRef>
+          <a:fontRef idx="minor">
+            <a:schemeClr val="tx1"/>
+          </a:fontRef>
+        </p:style>
+      </p:cxnSp>
+      <p:cxnSp>
+        <p:nvCxnSpPr>
+          <p:cNvPr id="34" name="Curved Connector 33">
+            <a:extLst>
+              <a:ext uri="{FF2B5EF4-FFF2-40B4-BE49-F238E27FC236}">
+                <a16:creationId xmlns:a16="http://schemas.microsoft.com/office/drawing/2014/main" id="{66019652-5394-2846-BE9D-E186D56A88EB}"/>
+              </a:ext>
+            </a:extLst>
+          </p:cNvPr>
+          <p:cNvCxnSpPr>
+            <a:cxnSpLocks/>
+            <a:stCxn id="25" idx="2"/>
+            <a:endCxn id="29" idx="2"/>
+          </p:cNvCxnSpPr>
+          <p:nvPr/>
+        </p:nvCxnSpPr>
+        <p:spPr>
+          <a:xfrm rot="10800000" flipH="1">
+            <a:off x="261198" y="794812"/>
+            <a:ext cx="1152939" cy="3602968"/>
+          </a:xfrm>
+          <a:prstGeom prst="curvedConnector3">
+            <a:avLst>
+              <a:gd name="adj1" fmla="val -19828"/>
+            </a:avLst>
+          </a:prstGeom>
+          <a:ln>
+            <a:solidFill>
+              <a:schemeClr val="tx1"/>
+            </a:solidFill>
+            <a:tailEnd type="triangle"/>
+          </a:ln>
+        </p:spPr>
+        <p:style>
+          <a:lnRef idx="1">
+            <a:schemeClr val="accent1"/>
+          </a:lnRef>
+          <a:fillRef idx="0">
+            <a:schemeClr val="accent1"/>
+          </a:fillRef>
+          <a:effectRef idx="0">
+            <a:schemeClr val="accent1"/>
+          </a:effectRef>
+          <a:fontRef idx="minor">
+            <a:schemeClr val="tx1"/>
+          </a:fontRef>
+        </p:style>
+      </p:cxnSp>
+      <p:sp>
+        <p:nvSpPr>
+          <p:cNvPr id="46" name="Oval 45">
+            <a:extLst>
+              <a:ext uri="{FF2B5EF4-FFF2-40B4-BE49-F238E27FC236}">
+                <a16:creationId xmlns:a16="http://schemas.microsoft.com/office/drawing/2014/main" id="{C5CB8CCF-A56E-A642-A7B3-5C347052409B}"/>
+              </a:ext>
+            </a:extLst>
+          </p:cNvPr>
+          <p:cNvSpPr/>
+          <p:nvPr/>
+        </p:nvSpPr>
+        <p:spPr>
+          <a:xfrm>
+            <a:off x="4282169" y="2278462"/>
+            <a:ext cx="1152939" cy="1152000"/>
+          </a:xfrm>
+          <a:prstGeom prst="ellipse">
+            <a:avLst/>
+          </a:prstGeom>
+          <a:solidFill>
+            <a:schemeClr val="accent6"/>
+          </a:solidFill>
+          <a:ln>
+            <a:solidFill>
+              <a:schemeClr val="accent6"/>
+            </a:solidFill>
+          </a:ln>
+        </p:spPr>
+        <p:style>
+          <a:lnRef idx="2">
+            <a:schemeClr val="accent1">
+              <a:shade val="50000"/>
+            </a:schemeClr>
+          </a:lnRef>
+          <a:fillRef idx="1">
+            <a:schemeClr val="accent1"/>
+          </a:fillRef>
+          <a:effectRef idx="0">
+            <a:schemeClr val="accent1"/>
+          </a:effectRef>
+          <a:fontRef idx="minor">
+            <a:schemeClr val="lt1"/>
+          </a:fontRef>
+        </p:style>
+        <p:txBody>
+          <a:bodyPr rtlCol="0" anchor="ctr"/>
+          <a:lstStyle/>
+          <a:p>
+            <a:pPr algn="ctr"/>
+            <a:r>
+              <a:rPr lang="en-US" sz="1200" dirty="0"/>
+              <a:t>Littoral</a:t>
+            </a:r>
+          </a:p>
+          <a:p>
+            <a:pPr algn="ctr"/>
+            <a:r>
+              <a:rPr lang="en-US" sz="1200" dirty="0"/>
+              <a:t>Consumer</a:t>
+            </a:r>
+            <a:r>
+              <a:rPr lang="en-US" sz="1100" dirty="0"/>
+              <a:t> </a:t>
+            </a:r>
+          </a:p>
+        </p:txBody>
+      </p:sp>
+      <p:sp>
+        <p:nvSpPr>
+          <p:cNvPr id="47" name="Oval 46">
+            <a:extLst>
+              <a:ext uri="{FF2B5EF4-FFF2-40B4-BE49-F238E27FC236}">
+                <a16:creationId xmlns:a16="http://schemas.microsoft.com/office/drawing/2014/main" id="{59F1655E-69EB-0941-B937-936BA6B59839}"/>
+              </a:ext>
+            </a:extLst>
+          </p:cNvPr>
+          <p:cNvSpPr/>
+          <p:nvPr/>
+        </p:nvSpPr>
+        <p:spPr>
+          <a:xfrm>
+            <a:off x="4282169" y="4010262"/>
+            <a:ext cx="1152939" cy="1152000"/>
+          </a:xfrm>
+          <a:prstGeom prst="ellipse">
+            <a:avLst/>
+          </a:prstGeom>
+          <a:solidFill>
+            <a:schemeClr val="accent1"/>
+          </a:solidFill>
+          <a:ln>
+            <a:solidFill>
+              <a:schemeClr val="accent1"/>
+            </a:solidFill>
+          </a:ln>
+        </p:spPr>
+        <p:style>
+          <a:lnRef idx="2">
+            <a:schemeClr val="accent1">
+              <a:shade val="50000"/>
+            </a:schemeClr>
+          </a:lnRef>
+          <a:fillRef idx="1">
+            <a:schemeClr val="accent1"/>
+          </a:fillRef>
+          <a:effectRef idx="0">
+            <a:schemeClr val="accent1"/>
+          </a:effectRef>
+          <a:fontRef idx="minor">
+            <a:schemeClr val="lt1"/>
+          </a:fontRef>
+        </p:style>
+        <p:txBody>
+          <a:bodyPr rtlCol="0" anchor="ctr"/>
+          <a:lstStyle/>
+          <a:p>
+            <a:pPr algn="ctr"/>
+            <a:r>
+              <a:rPr lang="en-US" sz="1200" dirty="0"/>
+              <a:t>Littoral Resource</a:t>
+            </a:r>
+          </a:p>
+        </p:txBody>
+      </p:sp>
+      <p:cxnSp>
+        <p:nvCxnSpPr>
+          <p:cNvPr id="48" name="Straight Arrow Connector 47">
+            <a:extLst>
+              <a:ext uri="{FF2B5EF4-FFF2-40B4-BE49-F238E27FC236}">
+                <a16:creationId xmlns:a16="http://schemas.microsoft.com/office/drawing/2014/main" id="{118C7CCA-79C1-8940-A0B3-F5716F534234}"/>
+              </a:ext>
+            </a:extLst>
+          </p:cNvPr>
+          <p:cNvCxnSpPr>
+            <a:cxnSpLocks/>
+            <a:stCxn id="47" idx="0"/>
+            <a:endCxn id="46" idx="4"/>
+          </p:cNvCxnSpPr>
+          <p:nvPr/>
+        </p:nvCxnSpPr>
+        <p:spPr>
+          <a:xfrm flipV="1">
+            <a:off x="4858639" y="3430462"/>
+            <a:ext cx="0" cy="579800"/>
+          </a:xfrm>
+          <a:prstGeom prst="straightConnector1">
+            <a:avLst/>
+          </a:prstGeom>
+          <a:ln w="0">
+            <a:solidFill>
+              <a:schemeClr val="tx1"/>
+            </a:solidFill>
+            <a:tailEnd type="triangle"/>
+          </a:ln>
+        </p:spPr>
+        <p:style>
+          <a:lnRef idx="1">
+            <a:schemeClr val="accent1"/>
+          </a:lnRef>
+          <a:fillRef idx="0">
+            <a:schemeClr val="accent1"/>
+          </a:fillRef>
+          <a:effectRef idx="0">
+            <a:schemeClr val="accent1"/>
+          </a:effectRef>
+          <a:fontRef idx="minor">
+            <a:schemeClr val="tx1"/>
+          </a:fontRef>
+        </p:style>
+      </p:cxnSp>
+      <p:cxnSp>
+        <p:nvCxnSpPr>
+          <p:cNvPr id="49" name="Straight Arrow Connector 48">
+            <a:extLst>
+              <a:ext uri="{FF2B5EF4-FFF2-40B4-BE49-F238E27FC236}">
+                <a16:creationId xmlns:a16="http://schemas.microsoft.com/office/drawing/2014/main" id="{559BC38A-F4B4-814F-A202-3D75376311EE}"/>
+              </a:ext>
+            </a:extLst>
+          </p:cNvPr>
+          <p:cNvCxnSpPr>
+            <a:cxnSpLocks/>
+            <a:stCxn id="46" idx="0"/>
+            <a:endCxn id="51" idx="3"/>
+          </p:cNvCxnSpPr>
+          <p:nvPr/>
+        </p:nvCxnSpPr>
+        <p:spPr>
+          <a:xfrm flipV="1">
+            <a:off x="4858639" y="1390588"/>
+            <a:ext cx="745313" cy="887874"/>
+          </a:xfrm>
+          <a:prstGeom prst="straightConnector1">
+            <a:avLst/>
+          </a:prstGeom>
+          <a:ln w="0">
+            <a:solidFill>
+              <a:schemeClr val="tx1"/>
+            </a:solidFill>
+            <a:tailEnd type="triangle"/>
+          </a:ln>
+        </p:spPr>
+        <p:style>
+          <a:lnRef idx="1">
+            <a:schemeClr val="accent1"/>
+          </a:lnRef>
+          <a:fillRef idx="0">
+            <a:schemeClr val="accent1"/>
+          </a:fillRef>
+          <a:effectRef idx="0">
+            <a:schemeClr val="accent1"/>
+          </a:effectRef>
+          <a:fontRef idx="minor">
+            <a:schemeClr val="tx1"/>
+          </a:fontRef>
+        </p:style>
+      </p:cxnSp>
+      <p:cxnSp>
+        <p:nvCxnSpPr>
+          <p:cNvPr id="50" name="Curved Connector 49">
+            <a:extLst>
+              <a:ext uri="{FF2B5EF4-FFF2-40B4-BE49-F238E27FC236}">
+                <a16:creationId xmlns:a16="http://schemas.microsoft.com/office/drawing/2014/main" id="{D6AB4B79-B715-A342-AC06-B0A0A40DA67C}"/>
+              </a:ext>
+            </a:extLst>
+          </p:cNvPr>
+          <p:cNvCxnSpPr>
+            <a:cxnSpLocks/>
+            <a:stCxn id="53" idx="6"/>
+            <a:endCxn id="51" idx="6"/>
+          </p:cNvCxnSpPr>
+          <p:nvPr/>
+        </p:nvCxnSpPr>
+        <p:spPr>
+          <a:xfrm flipH="1" flipV="1">
+            <a:off x="6588047" y="983294"/>
+            <a:ext cx="1152939" cy="3602968"/>
+          </a:xfrm>
+          <a:prstGeom prst="curvedConnector3">
+            <a:avLst>
+              <a:gd name="adj1" fmla="val -19828"/>
+            </a:avLst>
+          </a:prstGeom>
+          <a:ln w="38100">
+            <a:solidFill>
+              <a:schemeClr val="tx1"/>
+            </a:solidFill>
+            <a:tailEnd type="triangle"/>
+          </a:ln>
+        </p:spPr>
+        <p:style>
+          <a:lnRef idx="1">
+            <a:schemeClr val="accent1"/>
+          </a:lnRef>
+          <a:fillRef idx="0">
+            <a:schemeClr val="accent1"/>
+          </a:fillRef>
+          <a:effectRef idx="0">
+            <a:schemeClr val="accent1"/>
+          </a:effectRef>
+          <a:fontRef idx="minor">
+            <a:schemeClr val="tx1"/>
+          </a:fontRef>
+        </p:style>
+      </p:cxnSp>
+      <p:sp>
+        <p:nvSpPr>
+          <p:cNvPr id="51" name="Oval 50">
+            <a:extLst>
+              <a:ext uri="{FF2B5EF4-FFF2-40B4-BE49-F238E27FC236}">
+                <a16:creationId xmlns:a16="http://schemas.microsoft.com/office/drawing/2014/main" id="{CF29FFE6-2156-294E-9B52-9CE43266686D}"/>
+              </a:ext>
+            </a:extLst>
+          </p:cNvPr>
+          <p:cNvSpPr/>
+          <p:nvPr/>
+        </p:nvSpPr>
+        <p:spPr>
+          <a:xfrm>
+            <a:off x="5435108" y="407294"/>
+            <a:ext cx="1152939" cy="1152000"/>
+          </a:xfrm>
+          <a:prstGeom prst="ellipse">
+            <a:avLst/>
+          </a:prstGeom>
+          <a:solidFill>
+            <a:srgbClr val="B17FE8"/>
+          </a:solidFill>
+          <a:ln>
+            <a:solidFill>
+              <a:srgbClr val="B17FE8"/>
+            </a:solidFill>
+          </a:ln>
+        </p:spPr>
+        <p:style>
+          <a:lnRef idx="2">
+            <a:schemeClr val="accent1">
+              <a:shade val="50000"/>
+            </a:schemeClr>
+          </a:lnRef>
+          <a:fillRef idx="1">
+            <a:schemeClr val="accent1"/>
+          </a:fillRef>
+          <a:effectRef idx="0">
+            <a:schemeClr val="accent1"/>
+          </a:effectRef>
+          <a:fontRef idx="minor">
+            <a:schemeClr val="lt1"/>
+          </a:fontRef>
+        </p:style>
+        <p:txBody>
+          <a:bodyPr rtlCol="0" anchor="ctr"/>
+          <a:lstStyle/>
+          <a:p>
+            <a:pPr algn="ctr"/>
+            <a:r>
+              <a:rPr lang="en-US" sz="1200" dirty="0"/>
+              <a:t>Top Predator</a:t>
+            </a:r>
+          </a:p>
+        </p:txBody>
+      </p:sp>
+      <p:sp>
+        <p:nvSpPr>
+          <p:cNvPr id="52" name="Oval 51">
+            <a:extLst>
+              <a:ext uri="{FF2B5EF4-FFF2-40B4-BE49-F238E27FC236}">
+                <a16:creationId xmlns:a16="http://schemas.microsoft.com/office/drawing/2014/main" id="{36F1F453-6249-AA4F-9E9C-9312889E19BF}"/>
+              </a:ext>
+            </a:extLst>
+          </p:cNvPr>
+          <p:cNvSpPr/>
+          <p:nvPr/>
+        </p:nvSpPr>
+        <p:spPr>
+          <a:xfrm>
+            <a:off x="6588047" y="2278462"/>
+            <a:ext cx="1152939" cy="1152000"/>
+          </a:xfrm>
+          <a:prstGeom prst="ellipse">
+            <a:avLst/>
+          </a:prstGeom>
+          <a:solidFill>
+            <a:srgbClr val="C00000"/>
+          </a:solidFill>
+          <a:ln>
+            <a:solidFill>
+              <a:srgbClr val="C00000"/>
+            </a:solidFill>
+          </a:ln>
+        </p:spPr>
+        <p:style>
+          <a:lnRef idx="2">
+            <a:schemeClr val="accent1">
+              <a:shade val="50000"/>
+            </a:schemeClr>
+          </a:lnRef>
+          <a:fillRef idx="1">
+            <a:schemeClr val="accent1"/>
+          </a:fillRef>
+          <a:effectRef idx="0">
+            <a:schemeClr val="accent1"/>
+          </a:effectRef>
+          <a:fontRef idx="minor">
+            <a:schemeClr val="lt1"/>
+          </a:fontRef>
+        </p:style>
+        <p:txBody>
+          <a:bodyPr rtlCol="0" anchor="ctr"/>
+          <a:lstStyle/>
+          <a:p>
+            <a:pPr algn="ctr"/>
+            <a:r>
+              <a:rPr lang="en-US" sz="1200" dirty="0"/>
+              <a:t>Pelagic</a:t>
+            </a:r>
+          </a:p>
+          <a:p>
+            <a:pPr algn="ctr"/>
+            <a:r>
+              <a:rPr lang="en-US" sz="1200" dirty="0"/>
+              <a:t>Consumer</a:t>
+            </a:r>
+            <a:r>
+              <a:rPr lang="en-US" sz="1100" dirty="0"/>
+              <a:t> </a:t>
+            </a:r>
+          </a:p>
+        </p:txBody>
+      </p:sp>
+      <p:sp>
+        <p:nvSpPr>
+          <p:cNvPr id="53" name="Oval 52">
+            <a:extLst>
+              <a:ext uri="{FF2B5EF4-FFF2-40B4-BE49-F238E27FC236}">
+                <a16:creationId xmlns:a16="http://schemas.microsoft.com/office/drawing/2014/main" id="{43AC50D9-C52B-474F-B847-1B0CB4EA8C35}"/>
+              </a:ext>
+            </a:extLst>
+          </p:cNvPr>
+          <p:cNvSpPr/>
+          <p:nvPr/>
+        </p:nvSpPr>
+        <p:spPr>
+          <a:xfrm>
+            <a:off x="6588047" y="4010262"/>
+            <a:ext cx="1152939" cy="1152000"/>
+          </a:xfrm>
+          <a:prstGeom prst="ellipse">
+            <a:avLst/>
+          </a:prstGeom>
+          <a:solidFill>
+            <a:schemeClr val="accent2"/>
+          </a:solidFill>
+          <a:ln>
+            <a:solidFill>
+              <a:schemeClr val="accent2"/>
+            </a:solidFill>
+          </a:ln>
+        </p:spPr>
+        <p:style>
+          <a:lnRef idx="2">
+            <a:schemeClr val="accent1">
+              <a:shade val="50000"/>
+            </a:schemeClr>
+          </a:lnRef>
+          <a:fillRef idx="1">
+            <a:schemeClr val="accent1"/>
+          </a:fillRef>
+          <a:effectRef idx="0">
+            <a:schemeClr val="accent1"/>
+          </a:effectRef>
+          <a:fontRef idx="minor">
+            <a:schemeClr val="lt1"/>
+          </a:fontRef>
+        </p:style>
+        <p:txBody>
+          <a:bodyPr rtlCol="0" anchor="ctr"/>
+          <a:lstStyle/>
+          <a:p>
+            <a:pPr algn="ctr"/>
+            <a:r>
+              <a:rPr lang="en-US" sz="1200" dirty="0"/>
+              <a:t>Pelagic Resource</a:t>
+            </a:r>
+          </a:p>
+        </p:txBody>
+      </p:sp>
+      <p:cxnSp>
+        <p:nvCxnSpPr>
+          <p:cNvPr id="54" name="Straight Arrow Connector 53">
+            <a:extLst>
+              <a:ext uri="{FF2B5EF4-FFF2-40B4-BE49-F238E27FC236}">
+                <a16:creationId xmlns:a16="http://schemas.microsoft.com/office/drawing/2014/main" id="{C0AADFB0-FCAE-F64E-8740-560E7FD095A6}"/>
+              </a:ext>
+            </a:extLst>
+          </p:cNvPr>
+          <p:cNvCxnSpPr>
+            <a:cxnSpLocks/>
+            <a:stCxn id="53" idx="0"/>
+            <a:endCxn id="52" idx="4"/>
+          </p:cNvCxnSpPr>
+          <p:nvPr/>
+        </p:nvCxnSpPr>
+        <p:spPr>
+          <a:xfrm flipV="1">
+            <a:off x="7164517" y="3430462"/>
+            <a:ext cx="0" cy="579800"/>
+          </a:xfrm>
+          <a:prstGeom prst="straightConnector1">
+            <a:avLst/>
+          </a:prstGeom>
+          <a:ln w="38100">
+            <a:solidFill>
+              <a:schemeClr val="tx1"/>
+            </a:solidFill>
+            <a:tailEnd type="triangle"/>
+          </a:ln>
+        </p:spPr>
+        <p:style>
+          <a:lnRef idx="1">
+            <a:schemeClr val="accent1"/>
+          </a:lnRef>
+          <a:fillRef idx="0">
+            <a:schemeClr val="accent1"/>
+          </a:fillRef>
+          <a:effectRef idx="0">
+            <a:schemeClr val="accent1"/>
+          </a:effectRef>
+          <a:fontRef idx="minor">
+            <a:schemeClr val="tx1"/>
+          </a:fontRef>
+        </p:style>
+      </p:cxnSp>
+      <p:cxnSp>
+        <p:nvCxnSpPr>
+          <p:cNvPr id="55" name="Straight Arrow Connector 54">
+            <a:extLst>
+              <a:ext uri="{FF2B5EF4-FFF2-40B4-BE49-F238E27FC236}">
+                <a16:creationId xmlns:a16="http://schemas.microsoft.com/office/drawing/2014/main" id="{4097E096-4560-284F-AE2E-2D17D5C11806}"/>
+              </a:ext>
+            </a:extLst>
+          </p:cNvPr>
+          <p:cNvCxnSpPr>
+            <a:cxnSpLocks/>
+            <a:stCxn id="52" idx="0"/>
+            <a:endCxn id="51" idx="5"/>
+          </p:cNvCxnSpPr>
+          <p:nvPr/>
+        </p:nvCxnSpPr>
+        <p:spPr>
+          <a:xfrm flipH="1" flipV="1">
+            <a:off x="6419203" y="1390588"/>
+            <a:ext cx="745314" cy="887874"/>
+          </a:xfrm>
+          <a:prstGeom prst="straightConnector1">
+            <a:avLst/>
+          </a:prstGeom>
+          <a:ln w="38100">
+            <a:solidFill>
+              <a:schemeClr val="tx1"/>
+            </a:solidFill>
+            <a:tailEnd type="triangle"/>
+          </a:ln>
+        </p:spPr>
+        <p:style>
+          <a:lnRef idx="1">
+            <a:schemeClr val="accent1"/>
+          </a:lnRef>
+          <a:fillRef idx="0">
+            <a:schemeClr val="accent1"/>
+          </a:fillRef>
+          <a:effectRef idx="0">
+            <a:schemeClr val="accent1"/>
+          </a:effectRef>
+          <a:fontRef idx="minor">
+            <a:schemeClr val="tx1"/>
+          </a:fontRef>
+        </p:style>
+      </p:cxnSp>
+      <p:cxnSp>
+        <p:nvCxnSpPr>
+          <p:cNvPr id="56" name="Curved Connector 55">
+            <a:extLst>
+              <a:ext uri="{FF2B5EF4-FFF2-40B4-BE49-F238E27FC236}">
+                <a16:creationId xmlns:a16="http://schemas.microsoft.com/office/drawing/2014/main" id="{E4B1AC17-3C2E-B845-AB4C-5A4A1CB83A06}"/>
+              </a:ext>
+            </a:extLst>
+          </p:cNvPr>
+          <p:cNvCxnSpPr>
+            <a:cxnSpLocks/>
+            <a:stCxn id="47" idx="2"/>
+            <a:endCxn id="51" idx="2"/>
+          </p:cNvCxnSpPr>
+          <p:nvPr/>
+        </p:nvCxnSpPr>
+        <p:spPr>
+          <a:xfrm rot="10800000" flipH="1">
+            <a:off x="4282168" y="983294"/>
+            <a:ext cx="1152939" cy="3602968"/>
+          </a:xfrm>
+          <a:prstGeom prst="curvedConnector3">
+            <a:avLst>
+              <a:gd name="adj1" fmla="val -19828"/>
+            </a:avLst>
+          </a:prstGeom>
+          <a:ln w="0">
+            <a:solidFill>
+              <a:schemeClr val="tx1"/>
+            </a:solidFill>
+            <a:tailEnd type="triangle"/>
+          </a:ln>
+        </p:spPr>
+        <p:style>
+          <a:lnRef idx="1">
+            <a:schemeClr val="accent1"/>
+          </a:lnRef>
+          <a:fillRef idx="0">
+            <a:schemeClr val="accent1"/>
+          </a:fillRef>
+          <a:effectRef idx="0">
+            <a:schemeClr val="accent1"/>
+          </a:effectRef>
+          <a:fontRef idx="minor">
+            <a:schemeClr val="tx1"/>
+          </a:fontRef>
+        </p:style>
+      </p:cxnSp>
     </p:spTree>
     <p:extLst>
       <p:ext uri="{BB962C8B-B14F-4D97-AF65-F5344CB8AC3E}">
-        <p14:creationId xmlns:p14="http://schemas.microsoft.com/office/powerpoint/2010/main" val="2432157071"/>
+        <p14:creationId xmlns:p14="http://schemas.microsoft.com/office/powerpoint/2010/main" val="148764488"/>
       </p:ext>
     </p:extLst>
   </p:cSld>
@@ -3848,19 +5648,17 @@
       </p:grpSpPr>
       <p:pic>
         <p:nvPicPr>
-          <p:cNvPr id="5" name="Content Placeholder 4" descr="Chart, histogram&#10;&#10;Description automatically generated">
-            <a:extLst>
-              <a:ext uri="{FF2B5EF4-FFF2-40B4-BE49-F238E27FC236}">
-                <a16:creationId xmlns:a16="http://schemas.microsoft.com/office/drawing/2014/main" id="{5D8DEA90-7FE1-6D42-B5C4-65A0DA0B84DF}"/>
+          <p:cNvPr id="5" name="Picture 4" descr="Chart&#10;&#10;Description automatically generated">
+            <a:extLst>
+              <a:ext uri="{FF2B5EF4-FFF2-40B4-BE49-F238E27FC236}">
+                <a16:creationId xmlns:a16="http://schemas.microsoft.com/office/drawing/2014/main" id="{2718F6F7-5090-104F-94F7-29713B1D736A}"/>
               </a:ext>
             </a:extLst>
           </p:cNvPr>
           <p:cNvPicPr>
-            <a:picLocks noGrp="1" noChangeAspect="1"/>
+            <a:picLocks noChangeAspect="1"/>
           </p:cNvPicPr>
-          <p:nvPr>
-            <p:ph idx="1"/>
-          </p:nvPr>
+          <p:nvPr/>
         </p:nvPicPr>
         <p:blipFill>
           <a:blip r:embed="rId2"/>
@@ -3870,17 +5668,20 @@
         </p:blipFill>
         <p:spPr>
           <a:xfrm>
-            <a:off x="333828" y="740228"/>
-            <a:ext cx="3720936" cy="2824164"/>
-          </a:xfrm>
+            <a:off x="254000" y="874938"/>
+            <a:ext cx="3797301" cy="2847976"/>
+          </a:xfrm>
+          <a:prstGeom prst="rect">
+            <a:avLst/>
+          </a:prstGeom>
         </p:spPr>
       </p:pic>
       <p:pic>
         <p:nvPicPr>
-          <p:cNvPr id="7" name="Picture 6" descr="Chart, histogram&#10;&#10;Description automatically generated">
-            <a:extLst>
-              <a:ext uri="{FF2B5EF4-FFF2-40B4-BE49-F238E27FC236}">
-                <a16:creationId xmlns:a16="http://schemas.microsoft.com/office/drawing/2014/main" id="{2A859A03-C30E-EB4D-9718-A7385E916E5E}"/>
+          <p:cNvPr id="7" name="Picture 6" descr="Chart&#10;&#10;Description automatically generated">
+            <a:extLst>
+              <a:ext uri="{FF2B5EF4-FFF2-40B4-BE49-F238E27FC236}">
+                <a16:creationId xmlns:a16="http://schemas.microsoft.com/office/drawing/2014/main" id="{C7E8CDFA-5ED9-494F-B143-C281EDF3C282}"/>
               </a:ext>
             </a:extLst>
           </p:cNvPr>
@@ -3897,8 +5698,8 @@
         </p:blipFill>
         <p:spPr>
           <a:xfrm>
-            <a:off x="4165602" y="740229"/>
-            <a:ext cx="3738846" cy="2824164"/>
+            <a:off x="4197350" y="874939"/>
+            <a:ext cx="3797300" cy="2847975"/>
           </a:xfrm>
           <a:prstGeom prst="rect">
             <a:avLst/>
@@ -3907,10 +5708,10 @@
       </p:pic>
       <p:pic>
         <p:nvPicPr>
-          <p:cNvPr id="9" name="Picture 8" descr="Chart, histogram&#10;&#10;Description automatically generated">
-            <a:extLst>
-              <a:ext uri="{FF2B5EF4-FFF2-40B4-BE49-F238E27FC236}">
-                <a16:creationId xmlns:a16="http://schemas.microsoft.com/office/drawing/2014/main" id="{85280D02-8094-724E-AA35-BE743A18F430}"/>
+          <p:cNvPr id="9" name="Picture 8" descr="Chart&#10;&#10;Description automatically generated">
+            <a:extLst>
+              <a:ext uri="{FF2B5EF4-FFF2-40B4-BE49-F238E27FC236}">
+                <a16:creationId xmlns:a16="http://schemas.microsoft.com/office/drawing/2014/main" id="{1E8B11AC-2766-6D40-818A-21EFAAE35E45}"/>
               </a:ext>
             </a:extLst>
           </p:cNvPr>
@@ -3927,8 +5728,8 @@
         </p:blipFill>
         <p:spPr>
           <a:xfrm>
-            <a:off x="8015286" y="740228"/>
-            <a:ext cx="3796857" cy="2824164"/>
+            <a:off x="8140700" y="874939"/>
+            <a:ext cx="3797300" cy="2847975"/>
           </a:xfrm>
           <a:prstGeom prst="rect">
             <a:avLst/>
@@ -3937,10 +5738,10 @@
       </p:pic>
       <p:pic>
         <p:nvPicPr>
-          <p:cNvPr id="11" name="Picture 10" descr="Chart, histogram&#10;&#10;Description automatically generated">
-            <a:extLst>
-              <a:ext uri="{FF2B5EF4-FFF2-40B4-BE49-F238E27FC236}">
-                <a16:creationId xmlns:a16="http://schemas.microsoft.com/office/drawing/2014/main" id="{4DA1318F-5349-8F41-82D2-ABDAA07C7BAC}"/>
+          <p:cNvPr id="11" name="Picture 10" descr="Chart&#10;&#10;Description automatically generated">
+            <a:extLst>
+              <a:ext uri="{FF2B5EF4-FFF2-40B4-BE49-F238E27FC236}">
+                <a16:creationId xmlns:a16="http://schemas.microsoft.com/office/drawing/2014/main" id="{BBD80360-B47E-B84C-88A7-A2CDCCC6D22A}"/>
               </a:ext>
             </a:extLst>
           </p:cNvPr>
@@ -3957,8 +5758,8 @@
         </p:blipFill>
         <p:spPr>
           <a:xfrm>
-            <a:off x="2286164" y="4033837"/>
-            <a:ext cx="3758876" cy="2824165"/>
+            <a:off x="2152651" y="4010025"/>
+            <a:ext cx="3797300" cy="2847975"/>
           </a:xfrm>
           <a:prstGeom prst="rect">
             <a:avLst/>
@@ -3970,7 +5771,7 @@
           <p:cNvPr id="13" name="Picture 12" descr="Chart&#10;&#10;Description automatically generated">
             <a:extLst>
               <a:ext uri="{FF2B5EF4-FFF2-40B4-BE49-F238E27FC236}">
-                <a16:creationId xmlns:a16="http://schemas.microsoft.com/office/drawing/2014/main" id="{50BB1293-24A5-DC46-A528-C984D36AA248}"/>
+                <a16:creationId xmlns:a16="http://schemas.microsoft.com/office/drawing/2014/main" id="{41E27570-CB83-E241-8252-853F511E08FC}"/>
               </a:ext>
             </a:extLst>
           </p:cNvPr>
@@ -3987,8 +5788,8 @@
         </p:blipFill>
         <p:spPr>
           <a:xfrm>
-            <a:off x="6423749" y="4033837"/>
-            <a:ext cx="3725774" cy="2824163"/>
+            <a:off x="6242049" y="4010024"/>
+            <a:ext cx="3797300" cy="2847975"/>
           </a:xfrm>
           <a:prstGeom prst="rect">
             <a:avLst/>
@@ -4000,7 +5801,7 @@
           <p:cNvPr id="14" name="TextBox 13">
             <a:extLst>
               <a:ext uri="{FF2B5EF4-FFF2-40B4-BE49-F238E27FC236}">
-                <a16:creationId xmlns:a16="http://schemas.microsoft.com/office/drawing/2014/main" id="{CC0DE7F9-99CC-664D-9231-9F4975932A70}"/>
+                <a16:creationId xmlns:a16="http://schemas.microsoft.com/office/drawing/2014/main" id="{6A9CD5BE-8F97-9641-9CAA-387533F6B6D1}"/>
               </a:ext>
             </a:extLst>
           </p:cNvPr>
@@ -4009,7 +5810,7 @@
         </p:nvSpPr>
         <p:spPr>
           <a:xfrm>
-            <a:off x="482975" y="383347"/>
+            <a:off x="599089" y="874938"/>
             <a:ext cx="752129" cy="369332"/>
           </a:xfrm>
           <a:prstGeom prst="rect">
@@ -4035,7 +5836,7 @@
           <p:cNvPr id="15" name="TextBox 14">
             <a:extLst>
               <a:ext uri="{FF2B5EF4-FFF2-40B4-BE49-F238E27FC236}">
-                <a16:creationId xmlns:a16="http://schemas.microsoft.com/office/drawing/2014/main" id="{5D5C88BE-CA3C-6245-B162-3F8B9D179C9C}"/>
+                <a16:creationId xmlns:a16="http://schemas.microsoft.com/office/drawing/2014/main" id="{30E8DD26-EA99-C74D-A400-AAA5E65A3E14}"/>
               </a:ext>
             </a:extLst>
           </p:cNvPr>
@@ -4044,7 +5845,7 @@
         </p:nvSpPr>
         <p:spPr>
           <a:xfrm>
-            <a:off x="4533099" y="370896"/>
+            <a:off x="4649213" y="862487"/>
             <a:ext cx="926857" cy="369332"/>
           </a:xfrm>
           <a:prstGeom prst="rect">
@@ -4070,7 +5871,7 @@
           <p:cNvPr id="16" name="TextBox 15">
             <a:extLst>
               <a:ext uri="{FF2B5EF4-FFF2-40B4-BE49-F238E27FC236}">
-                <a16:creationId xmlns:a16="http://schemas.microsoft.com/office/drawing/2014/main" id="{7BFDE921-4A1A-BE4D-A594-2A0B4A7110DE}"/>
+                <a16:creationId xmlns:a16="http://schemas.microsoft.com/office/drawing/2014/main" id="{E5985241-1DED-1C4F-8FB4-E49672B3DDA7}"/>
               </a:ext>
             </a:extLst>
           </p:cNvPr>
@@ -4079,7 +5880,7 @@
         </p:nvSpPr>
         <p:spPr>
           <a:xfrm>
-            <a:off x="8381886" y="370896"/>
+            <a:off x="8498000" y="862487"/>
             <a:ext cx="752129" cy="369332"/>
           </a:xfrm>
           <a:prstGeom prst="rect">
@@ -4102,10 +5903,10 @@
       </p:sp>
       <p:sp>
         <p:nvSpPr>
-          <p:cNvPr id="17" name="TextBox 16">
-            <a:extLst>
-              <a:ext uri="{FF2B5EF4-FFF2-40B4-BE49-F238E27FC236}">
-                <a16:creationId xmlns:a16="http://schemas.microsoft.com/office/drawing/2014/main" id="{FADC5443-F193-434A-9B5B-35A17EFEB685}"/>
+          <p:cNvPr id="18" name="TextBox 17">
+            <a:extLst>
+              <a:ext uri="{FF2B5EF4-FFF2-40B4-BE49-F238E27FC236}">
+                <a16:creationId xmlns:a16="http://schemas.microsoft.com/office/drawing/2014/main" id="{818FD2A6-27C8-0447-80B9-9F29D18445B0}"/>
               </a:ext>
             </a:extLst>
           </p:cNvPr>
@@ -4114,7 +5915,7 @@
         </p:nvSpPr>
         <p:spPr>
           <a:xfrm>
-            <a:off x="2664873" y="3698520"/>
+            <a:off x="2548758" y="3940300"/>
             <a:ext cx="926857" cy="369332"/>
           </a:xfrm>
           <a:prstGeom prst="rect">
@@ -4137,10 +5938,10 @@
       </p:sp>
       <p:sp>
         <p:nvSpPr>
-          <p:cNvPr id="18" name="TextBox 17">
-            <a:extLst>
-              <a:ext uri="{FF2B5EF4-FFF2-40B4-BE49-F238E27FC236}">
-                <a16:creationId xmlns:a16="http://schemas.microsoft.com/office/drawing/2014/main" id="{646CEC42-8DF1-EB42-97A8-08AD46F0968B}"/>
+          <p:cNvPr id="20" name="TextBox 19">
+            <a:extLst>
+              <a:ext uri="{FF2B5EF4-FFF2-40B4-BE49-F238E27FC236}">
+                <a16:creationId xmlns:a16="http://schemas.microsoft.com/office/drawing/2014/main" id="{77AA561B-EF0F-D844-9811-5B6779004E73}"/>
               </a:ext>
             </a:extLst>
           </p:cNvPr>
@@ -4149,7 +5950,7 @@
         </p:nvSpPr>
         <p:spPr>
           <a:xfrm>
-            <a:off x="6697153" y="3701834"/>
+            <a:off x="6581038" y="3943614"/>
             <a:ext cx="926857" cy="369332"/>
           </a:xfrm>
           <a:prstGeom prst="rect">
@@ -4170,10 +5971,84 @@
           </a:p>
         </p:txBody>
       </p:sp>
+      <p:sp>
+        <p:nvSpPr>
+          <p:cNvPr id="22" name="TextBox 21">
+            <a:extLst>
+              <a:ext uri="{FF2B5EF4-FFF2-40B4-BE49-F238E27FC236}">
+                <a16:creationId xmlns:a16="http://schemas.microsoft.com/office/drawing/2014/main" id="{1855A1C6-AB42-FD41-9418-DDE968CA7009}"/>
+              </a:ext>
+            </a:extLst>
+          </p:cNvPr>
+          <p:cNvSpPr txBox="1"/>
+          <p:nvPr/>
+        </p:nvSpPr>
+        <p:spPr>
+          <a:xfrm>
+            <a:off x="112042" y="6488668"/>
+            <a:ext cx="1314784" cy="369332"/>
+          </a:xfrm>
+          <a:prstGeom prst="rect">
+            <a:avLst/>
+          </a:prstGeom>
+          <a:noFill/>
+        </p:spPr>
+        <p:txBody>
+          <a:bodyPr wrap="none" rtlCol="0">
+            <a:spAutoFit/>
+          </a:bodyPr>
+          <a:lstStyle/>
+          <a:p>
+            <a:r>
+              <a:rPr lang="en-US" dirty="0"/>
+              <a:t>Time Series </a:t>
+            </a:r>
+          </a:p>
+        </p:txBody>
+      </p:sp>
+      <p:sp>
+        <p:nvSpPr>
+          <p:cNvPr id="23" name="TextBox 22">
+            <a:extLst>
+              <a:ext uri="{FF2B5EF4-FFF2-40B4-BE49-F238E27FC236}">
+                <a16:creationId xmlns:a16="http://schemas.microsoft.com/office/drawing/2014/main" id="{0A19A4F3-6A6B-1946-A9B8-0E8B2341B447}"/>
+              </a:ext>
+            </a:extLst>
+          </p:cNvPr>
+          <p:cNvSpPr txBox="1"/>
+          <p:nvPr/>
+        </p:nvSpPr>
+        <p:spPr>
+          <a:xfrm>
+            <a:off x="0" y="164934"/>
+            <a:ext cx="7421583" cy="369332"/>
+          </a:xfrm>
+          <a:prstGeom prst="rect">
+            <a:avLst/>
+          </a:prstGeom>
+          <a:noFill/>
+        </p:spPr>
+        <p:txBody>
+          <a:bodyPr wrap="none" rtlCol="0">
+            <a:spAutoFit/>
+          </a:bodyPr>
+          <a:lstStyle/>
+          <a:p>
+            <a:pPr marL="285750" indent="-285750">
+              <a:buFont typeface="Arial" panose="020B0604020202020204" pitchFamily="34" charset="0"/>
+              <a:buChar char="•"/>
+            </a:pPr>
+            <a:r>
+              <a:rPr lang="en-US" dirty="0"/>
+              <a:t>Varying Temp from 25 – 31.5 degrees. Predator dies at around 31 degrees </a:t>
+            </a:r>
+          </a:p>
+        </p:txBody>
+      </p:sp>
     </p:spTree>
     <p:extLst>
       <p:ext uri="{BB962C8B-B14F-4D97-AF65-F5344CB8AC3E}">
-        <p14:creationId xmlns:p14="http://schemas.microsoft.com/office/powerpoint/2010/main" val="2843921217"/>
+        <p14:creationId xmlns:p14="http://schemas.microsoft.com/office/powerpoint/2010/main" val="2432157071"/>
       </p:ext>
     </p:extLst>
   </p:cSld>
@@ -4202,17 +6077,19 @@
       </p:grpSpPr>
       <p:pic>
         <p:nvPicPr>
-          <p:cNvPr id="9" name="Picture 8" descr="Chart, line chart&#10;&#10;Description automatically generated">
-            <a:extLst>
-              <a:ext uri="{FF2B5EF4-FFF2-40B4-BE49-F238E27FC236}">
-                <a16:creationId xmlns:a16="http://schemas.microsoft.com/office/drawing/2014/main" id="{BF7C3CB2-2F4D-5A43-8611-4FEB289FD85C}"/>
+          <p:cNvPr id="5" name="Content Placeholder 4" descr="Chart, histogram&#10;&#10;Description automatically generated">
+            <a:extLst>
+              <a:ext uri="{FF2B5EF4-FFF2-40B4-BE49-F238E27FC236}">
+                <a16:creationId xmlns:a16="http://schemas.microsoft.com/office/drawing/2014/main" id="{5D8DEA90-7FE1-6D42-B5C4-65A0DA0B84DF}"/>
               </a:ext>
             </a:extLst>
           </p:cNvPr>
           <p:cNvPicPr>
-            <a:picLocks noChangeAspect="1"/>
+            <a:picLocks noGrp="1" noChangeAspect="1"/>
           </p:cNvPicPr>
-          <p:nvPr/>
+          <p:nvPr>
+            <p:ph idx="1"/>
+          </p:nvPr>
         </p:nvPicPr>
         <p:blipFill>
           <a:blip r:embed="rId2"/>
@@ -4222,20 +6099,17 @@
         </p:blipFill>
         <p:spPr>
           <a:xfrm>
-            <a:off x="3971471" y="0"/>
-            <a:ext cx="4238170" cy="3178628"/>
-          </a:xfrm>
-          <a:prstGeom prst="rect">
-            <a:avLst/>
-          </a:prstGeom>
+            <a:off x="333828" y="740228"/>
+            <a:ext cx="3720936" cy="2824164"/>
+          </a:xfrm>
         </p:spPr>
       </p:pic>
       <p:pic>
         <p:nvPicPr>
-          <p:cNvPr id="11" name="Picture 10" descr="Chart&#10;&#10;Description automatically generated with medium confidence">
-            <a:extLst>
-              <a:ext uri="{FF2B5EF4-FFF2-40B4-BE49-F238E27FC236}">
-                <a16:creationId xmlns:a16="http://schemas.microsoft.com/office/drawing/2014/main" id="{74B5667C-89B9-E648-9136-E339455ECA6E}"/>
+          <p:cNvPr id="7" name="Picture 6" descr="Chart, histogram&#10;&#10;Description automatically generated">
+            <a:extLst>
+              <a:ext uri="{FF2B5EF4-FFF2-40B4-BE49-F238E27FC236}">
+                <a16:creationId xmlns:a16="http://schemas.microsoft.com/office/drawing/2014/main" id="{2A859A03-C30E-EB4D-9718-A7385E916E5E}"/>
               </a:ext>
             </a:extLst>
           </p:cNvPr>
@@ -4252,8 +6126,8 @@
         </p:blipFill>
         <p:spPr>
           <a:xfrm>
-            <a:off x="7942943" y="0"/>
-            <a:ext cx="4238170" cy="3178628"/>
+            <a:off x="4165602" y="740229"/>
+            <a:ext cx="3738846" cy="2824164"/>
           </a:xfrm>
           <a:prstGeom prst="rect">
             <a:avLst/>
@@ -4262,10 +6136,10 @@
       </p:pic>
       <p:pic>
         <p:nvPicPr>
-          <p:cNvPr id="13" name="Picture 12" descr="Chart, line chart&#10;&#10;Description automatically generated">
-            <a:extLst>
-              <a:ext uri="{FF2B5EF4-FFF2-40B4-BE49-F238E27FC236}">
-                <a16:creationId xmlns:a16="http://schemas.microsoft.com/office/drawing/2014/main" id="{B7F70C65-7F34-A549-88E5-49636A7268AA}"/>
+          <p:cNvPr id="9" name="Picture 8" descr="Chart, histogram&#10;&#10;Description automatically generated">
+            <a:extLst>
+              <a:ext uri="{FF2B5EF4-FFF2-40B4-BE49-F238E27FC236}">
+                <a16:creationId xmlns:a16="http://schemas.microsoft.com/office/drawing/2014/main" id="{85280D02-8094-724E-AA35-BE743A18F430}"/>
               </a:ext>
             </a:extLst>
           </p:cNvPr>
@@ -4282,8 +6156,8 @@
         </p:blipFill>
         <p:spPr>
           <a:xfrm>
-            <a:off x="1852386" y="3429000"/>
-            <a:ext cx="4238170" cy="3178628"/>
+            <a:off x="8015286" y="740228"/>
+            <a:ext cx="3796857" cy="2824164"/>
           </a:xfrm>
           <a:prstGeom prst="rect">
             <a:avLst/>
@@ -4292,10 +6166,10 @@
       </p:pic>
       <p:pic>
         <p:nvPicPr>
-          <p:cNvPr id="15" name="Picture 14" descr="Chart, line chart&#10;&#10;Description automatically generated">
-            <a:extLst>
-              <a:ext uri="{FF2B5EF4-FFF2-40B4-BE49-F238E27FC236}">
-                <a16:creationId xmlns:a16="http://schemas.microsoft.com/office/drawing/2014/main" id="{1C97D3DC-30B7-804C-B827-E843B47EE14C}"/>
+          <p:cNvPr id="11" name="Picture 10" descr="Chart, histogram&#10;&#10;Description automatically generated">
+            <a:extLst>
+              <a:ext uri="{FF2B5EF4-FFF2-40B4-BE49-F238E27FC236}">
+                <a16:creationId xmlns:a16="http://schemas.microsoft.com/office/drawing/2014/main" id="{4DA1318F-5349-8F41-82D2-ABDAA07C7BAC}"/>
               </a:ext>
             </a:extLst>
           </p:cNvPr>
@@ -4312,8 +6186,8 @@
         </p:blipFill>
         <p:spPr>
           <a:xfrm>
-            <a:off x="6101446" y="3429000"/>
-            <a:ext cx="4238171" cy="3178628"/>
+            <a:off x="2286164" y="4033837"/>
+            <a:ext cx="3758876" cy="2824165"/>
           </a:xfrm>
           <a:prstGeom prst="rect">
             <a:avLst/>
@@ -4322,10 +6196,10 @@
       </p:pic>
       <p:pic>
         <p:nvPicPr>
-          <p:cNvPr id="20" name="Picture 19" descr="Chart&#10;&#10;Description automatically generated">
-            <a:extLst>
-              <a:ext uri="{FF2B5EF4-FFF2-40B4-BE49-F238E27FC236}">
-                <a16:creationId xmlns:a16="http://schemas.microsoft.com/office/drawing/2014/main" id="{CE9594B9-0CB1-EB4E-8C27-6557399ED276}"/>
+          <p:cNvPr id="13" name="Picture 12" descr="Chart&#10;&#10;Description automatically generated">
+            <a:extLst>
+              <a:ext uri="{FF2B5EF4-FFF2-40B4-BE49-F238E27FC236}">
+                <a16:creationId xmlns:a16="http://schemas.microsoft.com/office/drawing/2014/main" id="{50BB1293-24A5-DC46-A528-C984D36AA248}"/>
               </a:ext>
             </a:extLst>
           </p:cNvPr>
@@ -4342,8 +6216,8 @@
         </p:blipFill>
         <p:spPr>
           <a:xfrm>
-            <a:off x="10888" y="0"/>
-            <a:ext cx="4238170" cy="3178628"/>
+            <a:off x="6423749" y="4033837"/>
+            <a:ext cx="3725774" cy="2824163"/>
           </a:xfrm>
           <a:prstGeom prst="rect">
             <a:avLst/>
@@ -4352,10 +6226,10 @@
       </p:pic>
       <p:sp>
         <p:nvSpPr>
-          <p:cNvPr id="21" name="TextBox 20">
-            <a:extLst>
-              <a:ext uri="{FF2B5EF4-FFF2-40B4-BE49-F238E27FC236}">
-                <a16:creationId xmlns:a16="http://schemas.microsoft.com/office/drawing/2014/main" id="{ED9B6F61-CDDA-B946-AB28-18947D4E9E20}"/>
+          <p:cNvPr id="14" name="TextBox 13">
+            <a:extLst>
+              <a:ext uri="{FF2B5EF4-FFF2-40B4-BE49-F238E27FC236}">
+                <a16:creationId xmlns:a16="http://schemas.microsoft.com/office/drawing/2014/main" id="{CC0DE7F9-99CC-664D-9231-9F4975932A70}"/>
               </a:ext>
             </a:extLst>
           </p:cNvPr>
@@ -4364,8 +6238,8 @@
         </p:nvSpPr>
         <p:spPr>
           <a:xfrm>
-            <a:off x="775735" y="370707"/>
-            <a:ext cx="977512" cy="369332"/>
+            <a:off x="482975" y="383347"/>
+            <a:ext cx="752129" cy="369332"/>
           </a:xfrm>
           <a:prstGeom prst="rect">
             <a:avLst/>
@@ -4380,17 +6254,17 @@
           <a:p>
             <a:r>
               <a:rPr lang="en-US" dirty="0"/>
-              <a:t>R littoral</a:t>
-            </a:r>
-          </a:p>
-        </p:txBody>
-      </p:sp>
-      <p:sp>
-        <p:nvSpPr>
-          <p:cNvPr id="22" name="TextBox 21">
-            <a:extLst>
-              <a:ext uri="{FF2B5EF4-FFF2-40B4-BE49-F238E27FC236}">
-                <a16:creationId xmlns:a16="http://schemas.microsoft.com/office/drawing/2014/main" id="{2D86B7DD-1506-F242-897A-D6A31CA8CC46}"/>
+              <a:t>T = 25</a:t>
+            </a:r>
+          </a:p>
+        </p:txBody>
+      </p:sp>
+      <p:sp>
+        <p:nvSpPr>
+          <p:cNvPr id="15" name="TextBox 14">
+            <a:extLst>
+              <a:ext uri="{FF2B5EF4-FFF2-40B4-BE49-F238E27FC236}">
+                <a16:creationId xmlns:a16="http://schemas.microsoft.com/office/drawing/2014/main" id="{5D5C88BE-CA3C-6245-B162-3F8B9D179C9C}"/>
               </a:ext>
             </a:extLst>
           </p:cNvPr>
@@ -4399,8 +6273,8 @@
         </p:nvSpPr>
         <p:spPr>
           <a:xfrm>
-            <a:off x="4870401" y="345992"/>
-            <a:ext cx="1015214" cy="369332"/>
+            <a:off x="4533099" y="370896"/>
+            <a:ext cx="926857" cy="369332"/>
           </a:xfrm>
           <a:prstGeom prst="rect">
             <a:avLst/>
@@ -4415,17 +6289,17 @@
           <a:p>
             <a:r>
               <a:rPr lang="en-US" dirty="0"/>
-              <a:t>R Pelagic</a:t>
-            </a:r>
-          </a:p>
-        </p:txBody>
-      </p:sp>
-      <p:sp>
-        <p:nvSpPr>
-          <p:cNvPr id="23" name="TextBox 22">
-            <a:extLst>
-              <a:ext uri="{FF2B5EF4-FFF2-40B4-BE49-F238E27FC236}">
-                <a16:creationId xmlns:a16="http://schemas.microsoft.com/office/drawing/2014/main" id="{5A0E1EA4-21C1-4843-8310-A8B5AB7767BC}"/>
+              <a:t>T = 27.5</a:t>
+            </a:r>
+          </a:p>
+        </p:txBody>
+      </p:sp>
+      <p:sp>
+        <p:nvSpPr>
+          <p:cNvPr id="16" name="TextBox 15">
+            <a:extLst>
+              <a:ext uri="{FF2B5EF4-FFF2-40B4-BE49-F238E27FC236}">
+                <a16:creationId xmlns:a16="http://schemas.microsoft.com/office/drawing/2014/main" id="{7BFDE921-4A1A-BE4D-A594-2A0B4A7110DE}"/>
               </a:ext>
             </a:extLst>
           </p:cNvPr>
@@ -4434,8 +6308,8 @@
         </p:nvSpPr>
         <p:spPr>
           <a:xfrm>
-            <a:off x="8750351" y="370707"/>
-            <a:ext cx="975908" cy="369332"/>
+            <a:off x="8381886" y="370896"/>
+            <a:ext cx="752129" cy="369332"/>
           </a:xfrm>
           <a:prstGeom prst="rect">
             <a:avLst/>
@@ -4450,17 +6324,17 @@
           <a:p>
             <a:r>
               <a:rPr lang="en-US" dirty="0"/>
-              <a:t>C littoral</a:t>
-            </a:r>
-          </a:p>
-        </p:txBody>
-      </p:sp>
-      <p:sp>
-        <p:nvSpPr>
-          <p:cNvPr id="24" name="TextBox 23">
-            <a:extLst>
-              <a:ext uri="{FF2B5EF4-FFF2-40B4-BE49-F238E27FC236}">
-                <a16:creationId xmlns:a16="http://schemas.microsoft.com/office/drawing/2014/main" id="{2744D673-5E02-D94B-8724-FC61E014C7CA}"/>
+              <a:t>T = 29</a:t>
+            </a:r>
+          </a:p>
+        </p:txBody>
+      </p:sp>
+      <p:sp>
+        <p:nvSpPr>
+          <p:cNvPr id="17" name="TextBox 16">
+            <a:extLst>
+              <a:ext uri="{FF2B5EF4-FFF2-40B4-BE49-F238E27FC236}">
+                <a16:creationId xmlns:a16="http://schemas.microsoft.com/office/drawing/2014/main" id="{FADC5443-F193-434A-9B5B-35A17EFEB685}"/>
               </a:ext>
             </a:extLst>
           </p:cNvPr>
@@ -4469,8 +6343,8 @@
         </p:nvSpPr>
         <p:spPr>
           <a:xfrm>
-            <a:off x="2798513" y="3834718"/>
-            <a:ext cx="1021433" cy="369332"/>
+            <a:off x="2664873" y="3698520"/>
+            <a:ext cx="926857" cy="369332"/>
           </a:xfrm>
           <a:prstGeom prst="rect">
             <a:avLst/>
@@ -4485,17 +6359,17 @@
           <a:p>
             <a:r>
               <a:rPr lang="en-US" dirty="0"/>
-              <a:t>C pelagic</a:t>
-            </a:r>
-          </a:p>
-        </p:txBody>
-      </p:sp>
-      <p:sp>
-        <p:nvSpPr>
-          <p:cNvPr id="25" name="TextBox 24">
-            <a:extLst>
-              <a:ext uri="{FF2B5EF4-FFF2-40B4-BE49-F238E27FC236}">
-                <a16:creationId xmlns:a16="http://schemas.microsoft.com/office/drawing/2014/main" id="{68FBDE51-82C6-BA4C-B058-DDB9D60DA38B}"/>
+              <a:t>T = 30.5</a:t>
+            </a:r>
+          </a:p>
+        </p:txBody>
+      </p:sp>
+      <p:sp>
+        <p:nvSpPr>
+          <p:cNvPr id="18" name="TextBox 17">
+            <a:extLst>
+              <a:ext uri="{FF2B5EF4-FFF2-40B4-BE49-F238E27FC236}">
+                <a16:creationId xmlns:a16="http://schemas.microsoft.com/office/drawing/2014/main" id="{646CEC42-8DF1-EB42-97A8-08AD46F0968B}"/>
               </a:ext>
             </a:extLst>
           </p:cNvPr>
@@ -4504,8 +6378,8 @@
         </p:nvSpPr>
         <p:spPr>
           <a:xfrm>
-            <a:off x="7036683" y="3834718"/>
-            <a:ext cx="1055738" cy="369332"/>
+            <a:off x="6697153" y="3701834"/>
+            <a:ext cx="926857" cy="369332"/>
           </a:xfrm>
           <a:prstGeom prst="rect">
             <a:avLst/>
@@ -4520,42 +6394,7 @@
           <a:p>
             <a:r>
               <a:rPr lang="en-US" dirty="0"/>
-              <a:t>Predator </a:t>
-            </a:r>
-          </a:p>
-        </p:txBody>
-      </p:sp>
-      <p:sp>
-        <p:nvSpPr>
-          <p:cNvPr id="26" name="TextBox 25">
-            <a:extLst>
-              <a:ext uri="{FF2B5EF4-FFF2-40B4-BE49-F238E27FC236}">
-                <a16:creationId xmlns:a16="http://schemas.microsoft.com/office/drawing/2014/main" id="{12B730E3-5D5A-5049-B748-1094652D1FC2}"/>
-              </a:ext>
-            </a:extLst>
-          </p:cNvPr>
-          <p:cNvSpPr txBox="1"/>
-          <p:nvPr/>
-        </p:nvSpPr>
-        <p:spPr>
-          <a:xfrm>
-            <a:off x="10888" y="6473074"/>
-            <a:ext cx="9980168" cy="369332"/>
-          </a:xfrm>
-          <a:prstGeom prst="rect">
-            <a:avLst/>
-          </a:prstGeom>
-          <a:noFill/>
-        </p:spPr>
-        <p:txBody>
-          <a:bodyPr wrap="none" rtlCol="0">
-            <a:spAutoFit/>
-          </a:bodyPr>
-          <a:lstStyle/>
-          <a:p>
-            <a:r>
-              <a:rPr lang="en-US" dirty="0"/>
-              <a:t>Equilibrium densities of each population across temperature (where we get positive interior equilibrium) </a:t>
+              <a:t>T = 31.5</a:t>
             </a:r>
           </a:p>
         </p:txBody>
@@ -4563,7 +6402,7 @@
     </p:spTree>
     <p:extLst>
       <p:ext uri="{BB962C8B-B14F-4D97-AF65-F5344CB8AC3E}">
-        <p14:creationId xmlns:p14="http://schemas.microsoft.com/office/powerpoint/2010/main" val="1035684611"/>
+        <p14:creationId xmlns:p14="http://schemas.microsoft.com/office/powerpoint/2010/main" val="2843921217"/>
       </p:ext>
     </p:extLst>
   </p:cSld>
@@ -4592,10 +6431,10 @@
       </p:grpSpPr>
       <p:pic>
         <p:nvPicPr>
-          <p:cNvPr id="5" name="Picture 4" descr="Chart&#10;&#10;Description automatically generated">
-            <a:extLst>
-              <a:ext uri="{FF2B5EF4-FFF2-40B4-BE49-F238E27FC236}">
-                <a16:creationId xmlns:a16="http://schemas.microsoft.com/office/drawing/2014/main" id="{4866C4B6-5C05-E344-B5B8-A97AC3CF891C}"/>
+          <p:cNvPr id="9" name="Picture 8" descr="Chart, line chart&#10;&#10;Description automatically generated">
+            <a:extLst>
+              <a:ext uri="{FF2B5EF4-FFF2-40B4-BE49-F238E27FC236}">
+                <a16:creationId xmlns:a16="http://schemas.microsoft.com/office/drawing/2014/main" id="{BF7C3CB2-2F4D-5A43-8611-4FEB289FD85C}"/>
               </a:ext>
             </a:extLst>
           </p:cNvPr>
@@ -4612,8 +6451,8 @@
         </p:blipFill>
         <p:spPr>
           <a:xfrm>
-            <a:off x="0" y="195942"/>
-            <a:ext cx="3791857" cy="2843893"/>
+            <a:off x="3971471" y="0"/>
+            <a:ext cx="4238170" cy="3178628"/>
           </a:xfrm>
           <a:prstGeom prst="rect">
             <a:avLst/>
@@ -4622,10 +6461,10 @@
       </p:pic>
       <p:pic>
         <p:nvPicPr>
-          <p:cNvPr id="7" name="Picture 6" descr="Chart, line chart&#10;&#10;Description automatically generated">
-            <a:extLst>
-              <a:ext uri="{FF2B5EF4-FFF2-40B4-BE49-F238E27FC236}">
-                <a16:creationId xmlns:a16="http://schemas.microsoft.com/office/drawing/2014/main" id="{EE1010F0-AC88-7348-86A6-7BC82C6D921C}"/>
+          <p:cNvPr id="11" name="Picture 10" descr="Chart&#10;&#10;Description automatically generated with medium confidence">
+            <a:extLst>
+              <a:ext uri="{FF2B5EF4-FFF2-40B4-BE49-F238E27FC236}">
+                <a16:creationId xmlns:a16="http://schemas.microsoft.com/office/drawing/2014/main" id="{74B5667C-89B9-E648-9136-E339455ECA6E}"/>
               </a:ext>
             </a:extLst>
           </p:cNvPr>
@@ -4642,8 +6481,8 @@
         </p:blipFill>
         <p:spPr>
           <a:xfrm>
-            <a:off x="0" y="3429000"/>
-            <a:ext cx="3791857" cy="2843893"/>
+            <a:off x="7942943" y="0"/>
+            <a:ext cx="4238170" cy="3178628"/>
           </a:xfrm>
           <a:prstGeom prst="rect">
             <a:avLst/>
@@ -4652,10 +6491,10 @@
       </p:pic>
       <p:pic>
         <p:nvPicPr>
-          <p:cNvPr id="9" name="Picture 8" descr="Chart&#10;&#10;Description automatically generated">
-            <a:extLst>
-              <a:ext uri="{FF2B5EF4-FFF2-40B4-BE49-F238E27FC236}">
-                <a16:creationId xmlns:a16="http://schemas.microsoft.com/office/drawing/2014/main" id="{E22A8316-D059-074B-9627-FDABFD9BD4B9}"/>
+          <p:cNvPr id="13" name="Picture 12" descr="Chart, line chart&#10;&#10;Description automatically generated">
+            <a:extLst>
+              <a:ext uri="{FF2B5EF4-FFF2-40B4-BE49-F238E27FC236}">
+                <a16:creationId xmlns:a16="http://schemas.microsoft.com/office/drawing/2014/main" id="{B7F70C65-7F34-A549-88E5-49636A7268AA}"/>
               </a:ext>
             </a:extLst>
           </p:cNvPr>
@@ -4672,8 +6511,8 @@
         </p:blipFill>
         <p:spPr>
           <a:xfrm>
-            <a:off x="3760230" y="151038"/>
-            <a:ext cx="3911600" cy="2933700"/>
+            <a:off x="1852386" y="3429000"/>
+            <a:ext cx="4238170" cy="3178628"/>
           </a:xfrm>
           <a:prstGeom prst="rect">
             <a:avLst/>
@@ -4682,10 +6521,10 @@
       </p:pic>
       <p:pic>
         <p:nvPicPr>
-          <p:cNvPr id="11" name="Picture 10" descr="Chart&#10;&#10;Description automatically generated">
-            <a:extLst>
-              <a:ext uri="{FF2B5EF4-FFF2-40B4-BE49-F238E27FC236}">
-                <a16:creationId xmlns:a16="http://schemas.microsoft.com/office/drawing/2014/main" id="{10D86610-61DD-A543-B52F-E3FAD1BDB7A8}"/>
+          <p:cNvPr id="15" name="Picture 14" descr="Chart, line chart&#10;&#10;Description automatically generated">
+            <a:extLst>
+              <a:ext uri="{FF2B5EF4-FFF2-40B4-BE49-F238E27FC236}">
+                <a16:creationId xmlns:a16="http://schemas.microsoft.com/office/drawing/2014/main" id="{1C97D3DC-30B7-804C-B827-E843B47EE14C}"/>
               </a:ext>
             </a:extLst>
           </p:cNvPr>
@@ -4702,8 +6541,8 @@
         </p:blipFill>
         <p:spPr>
           <a:xfrm>
-            <a:off x="3791857" y="3429000"/>
-            <a:ext cx="3911600" cy="2933700"/>
+            <a:off x="6101446" y="3429000"/>
+            <a:ext cx="4238171" cy="3178628"/>
           </a:xfrm>
           <a:prstGeom prst="rect">
             <a:avLst/>
@@ -4712,10 +6551,10 @@
       </p:pic>
       <p:pic>
         <p:nvPicPr>
-          <p:cNvPr id="13" name="Picture 12" descr="Chart, line chart&#10;&#10;Description automatically generated">
-            <a:extLst>
-              <a:ext uri="{FF2B5EF4-FFF2-40B4-BE49-F238E27FC236}">
-                <a16:creationId xmlns:a16="http://schemas.microsoft.com/office/drawing/2014/main" id="{3A90A8EF-56FE-B54A-AC3F-7E716FD87BD5}"/>
+          <p:cNvPr id="20" name="Picture 19" descr="Chart&#10;&#10;Description automatically generated">
+            <a:extLst>
+              <a:ext uri="{FF2B5EF4-FFF2-40B4-BE49-F238E27FC236}">
+                <a16:creationId xmlns:a16="http://schemas.microsoft.com/office/drawing/2014/main" id="{CE9594B9-0CB1-EB4E-8C27-6557399ED276}"/>
               </a:ext>
             </a:extLst>
           </p:cNvPr>
@@ -4732,50 +6571,20 @@
         </p:blipFill>
         <p:spPr>
           <a:xfrm>
-            <a:off x="7552087" y="240845"/>
-            <a:ext cx="3791857" cy="2843893"/>
+            <a:off x="10888" y="0"/>
+            <a:ext cx="4238170" cy="3178628"/>
           </a:xfrm>
           <a:prstGeom prst="rect">
             <a:avLst/>
           </a:prstGeom>
         </p:spPr>
       </p:pic>
-      <p:pic>
-        <p:nvPicPr>
-          <p:cNvPr id="15" name="Picture 14" descr="Shape&#10;&#10;Description automatically generated">
-            <a:extLst>
-              <a:ext uri="{FF2B5EF4-FFF2-40B4-BE49-F238E27FC236}">
-                <a16:creationId xmlns:a16="http://schemas.microsoft.com/office/drawing/2014/main" id="{1EF91474-2021-934C-9B26-F8A57D6A160F}"/>
-              </a:ext>
-            </a:extLst>
-          </p:cNvPr>
-          <p:cNvPicPr>
-            <a:picLocks noChangeAspect="1"/>
-          </p:cNvPicPr>
-          <p:nvPr/>
-        </p:nvPicPr>
-        <p:blipFill>
-          <a:blip r:embed="rId7"/>
-          <a:stretch>
-            <a:fillRect/>
-          </a:stretch>
-        </p:blipFill>
-        <p:spPr>
-          <a:xfrm>
-            <a:off x="7418898" y="3544366"/>
-            <a:ext cx="3791858" cy="2843894"/>
-          </a:xfrm>
-          <a:prstGeom prst="rect">
-            <a:avLst/>
-          </a:prstGeom>
-        </p:spPr>
-      </p:pic>
-      <p:sp>
-        <p:nvSpPr>
-          <p:cNvPr id="16" name="TextBox 15">
-            <a:extLst>
-              <a:ext uri="{FF2B5EF4-FFF2-40B4-BE49-F238E27FC236}">
-                <a16:creationId xmlns:a16="http://schemas.microsoft.com/office/drawing/2014/main" id="{F5189358-8786-A04A-B2E2-F200ED7B6FCF}"/>
+      <p:sp>
+        <p:nvSpPr>
+          <p:cNvPr id="21" name="TextBox 20">
+            <a:extLst>
+              <a:ext uri="{FF2B5EF4-FFF2-40B4-BE49-F238E27FC236}">
+                <a16:creationId xmlns:a16="http://schemas.microsoft.com/office/drawing/2014/main" id="{ED9B6F61-CDDA-B946-AB28-18947D4E9E20}"/>
               </a:ext>
             </a:extLst>
           </p:cNvPr>
@@ -4784,8 +6593,8 @@
         </p:nvSpPr>
         <p:spPr>
           <a:xfrm>
-            <a:off x="631490" y="585107"/>
-            <a:ext cx="433132" cy="369332"/>
+            <a:off x="775735" y="370707"/>
+            <a:ext cx="977512" cy="369332"/>
           </a:xfrm>
           <a:prstGeom prst="rect">
             <a:avLst/>
@@ -4800,17 +6609,17 @@
           <a:p>
             <a:r>
               <a:rPr lang="en-US" dirty="0"/>
-              <a:t>CR</a:t>
-            </a:r>
-          </a:p>
-        </p:txBody>
-      </p:sp>
-      <p:sp>
-        <p:nvSpPr>
-          <p:cNvPr id="17" name="TextBox 16">
-            <a:extLst>
-              <a:ext uri="{FF2B5EF4-FFF2-40B4-BE49-F238E27FC236}">
-                <a16:creationId xmlns:a16="http://schemas.microsoft.com/office/drawing/2014/main" id="{D947F6E2-DE50-A24B-A0DF-7325BE651B22}"/>
+              <a:t>R littoral</a:t>
+            </a:r>
+          </a:p>
+        </p:txBody>
+      </p:sp>
+      <p:sp>
+        <p:nvSpPr>
+          <p:cNvPr id="22" name="TextBox 21">
+            <a:extLst>
+              <a:ext uri="{FF2B5EF4-FFF2-40B4-BE49-F238E27FC236}">
+                <a16:creationId xmlns:a16="http://schemas.microsoft.com/office/drawing/2014/main" id="{2D86B7DD-1506-F242-897A-D6A31CA8CC46}"/>
               </a:ext>
             </a:extLst>
           </p:cNvPr>
@@ -4819,8 +6628,8 @@
         </p:nvSpPr>
         <p:spPr>
           <a:xfrm>
-            <a:off x="4396530" y="585107"/>
-            <a:ext cx="428322" cy="369332"/>
+            <a:off x="4870401" y="345992"/>
+            <a:ext cx="1015214" cy="369332"/>
           </a:xfrm>
           <a:prstGeom prst="rect">
             <a:avLst/>
@@ -4835,17 +6644,17 @@
           <a:p>
             <a:r>
               <a:rPr lang="en-US" dirty="0"/>
-              <a:t>PR</a:t>
-            </a:r>
-          </a:p>
-        </p:txBody>
-      </p:sp>
-      <p:sp>
-        <p:nvSpPr>
-          <p:cNvPr id="18" name="TextBox 17">
-            <a:extLst>
-              <a:ext uri="{FF2B5EF4-FFF2-40B4-BE49-F238E27FC236}">
-                <a16:creationId xmlns:a16="http://schemas.microsoft.com/office/drawing/2014/main" id="{A81F99E5-E0A2-F345-A4B2-0449057FAAF1}"/>
+              <a:t>R Pelagic</a:t>
+            </a:r>
+          </a:p>
+        </p:txBody>
+      </p:sp>
+      <p:sp>
+        <p:nvSpPr>
+          <p:cNvPr id="23" name="TextBox 22">
+            <a:extLst>
+              <a:ext uri="{FF2B5EF4-FFF2-40B4-BE49-F238E27FC236}">
+                <a16:creationId xmlns:a16="http://schemas.microsoft.com/office/drawing/2014/main" id="{5A0E1EA4-21C1-4843-8310-A8B5AB7767BC}"/>
               </a:ext>
             </a:extLst>
           </p:cNvPr>
@@ -4854,8 +6663,8 @@
         </p:nvSpPr>
         <p:spPr>
           <a:xfrm>
-            <a:off x="8063143" y="585107"/>
-            <a:ext cx="426720" cy="369332"/>
+            <a:off x="8750351" y="370707"/>
+            <a:ext cx="975908" cy="369332"/>
           </a:xfrm>
           <a:prstGeom prst="rect">
             <a:avLst/>
@@ -4870,17 +6679,17 @@
           <a:p>
             <a:r>
               <a:rPr lang="en-US" dirty="0"/>
-              <a:t>PC</a:t>
-            </a:r>
-          </a:p>
-        </p:txBody>
-      </p:sp>
-      <p:sp>
-        <p:nvSpPr>
-          <p:cNvPr id="19" name="TextBox 18">
-            <a:extLst>
-              <a:ext uri="{FF2B5EF4-FFF2-40B4-BE49-F238E27FC236}">
-                <a16:creationId xmlns:a16="http://schemas.microsoft.com/office/drawing/2014/main" id="{CCE98280-9C77-DD4A-BBE7-B3B377F2DB48}"/>
+              <a:t>C littoral</a:t>
+            </a:r>
+          </a:p>
+        </p:txBody>
+      </p:sp>
+      <p:sp>
+        <p:nvSpPr>
+          <p:cNvPr id="24" name="TextBox 23">
+            <a:extLst>
+              <a:ext uri="{FF2B5EF4-FFF2-40B4-BE49-F238E27FC236}">
+                <a16:creationId xmlns:a16="http://schemas.microsoft.com/office/drawing/2014/main" id="{2744D673-5E02-D94B-8724-FC61E014C7CA}"/>
               </a:ext>
             </a:extLst>
           </p:cNvPr>
@@ -4889,8 +6698,8 @@
         </p:nvSpPr>
         <p:spPr>
           <a:xfrm>
-            <a:off x="637207" y="3897867"/>
-            <a:ext cx="433132" cy="369332"/>
+            <a:off x="2798513" y="3834718"/>
+            <a:ext cx="1021433" cy="369332"/>
           </a:xfrm>
           <a:prstGeom prst="rect">
             <a:avLst/>
@@ -4905,17 +6714,17 @@
           <a:p>
             <a:r>
               <a:rPr lang="en-US" dirty="0"/>
-              <a:t>CR</a:t>
-            </a:r>
-          </a:p>
-        </p:txBody>
-      </p:sp>
-      <p:sp>
-        <p:nvSpPr>
-          <p:cNvPr id="20" name="TextBox 19">
-            <a:extLst>
-              <a:ext uri="{FF2B5EF4-FFF2-40B4-BE49-F238E27FC236}">
-                <a16:creationId xmlns:a16="http://schemas.microsoft.com/office/drawing/2014/main" id="{21924D2E-B98E-1A48-88D9-983272D996CA}"/>
+              <a:t>C pelagic</a:t>
+            </a:r>
+          </a:p>
+        </p:txBody>
+      </p:sp>
+      <p:sp>
+        <p:nvSpPr>
+          <p:cNvPr id="25" name="TextBox 24">
+            <a:extLst>
+              <a:ext uri="{FF2B5EF4-FFF2-40B4-BE49-F238E27FC236}">
+                <a16:creationId xmlns:a16="http://schemas.microsoft.com/office/drawing/2014/main" id="{68FBDE51-82C6-BA4C-B058-DDB9D60DA38B}"/>
               </a:ext>
             </a:extLst>
           </p:cNvPr>
@@ -4924,8 +6733,8 @@
         </p:nvSpPr>
         <p:spPr>
           <a:xfrm>
-            <a:off x="4402247" y="3897867"/>
-            <a:ext cx="428322" cy="369332"/>
+            <a:off x="7036683" y="3834718"/>
+            <a:ext cx="1055738" cy="369332"/>
           </a:xfrm>
           <a:prstGeom prst="rect">
             <a:avLst/>
@@ -4940,17 +6749,17 @@
           <a:p>
             <a:r>
               <a:rPr lang="en-US" dirty="0"/>
-              <a:t>PR</a:t>
-            </a:r>
-          </a:p>
-        </p:txBody>
-      </p:sp>
-      <p:sp>
-        <p:nvSpPr>
-          <p:cNvPr id="21" name="TextBox 20">
-            <a:extLst>
-              <a:ext uri="{FF2B5EF4-FFF2-40B4-BE49-F238E27FC236}">
-                <a16:creationId xmlns:a16="http://schemas.microsoft.com/office/drawing/2014/main" id="{EF43AA96-F4C4-214D-A329-DC911A4A3E24}"/>
+              <a:t>Predator </a:t>
+            </a:r>
+          </a:p>
+        </p:txBody>
+      </p:sp>
+      <p:sp>
+        <p:nvSpPr>
+          <p:cNvPr id="26" name="TextBox 25">
+            <a:extLst>
+              <a:ext uri="{FF2B5EF4-FFF2-40B4-BE49-F238E27FC236}">
+                <a16:creationId xmlns:a16="http://schemas.microsoft.com/office/drawing/2014/main" id="{12B730E3-5D5A-5049-B748-1094652D1FC2}"/>
               </a:ext>
             </a:extLst>
           </p:cNvPr>
@@ -4959,8 +6768,8 @@
         </p:nvSpPr>
         <p:spPr>
           <a:xfrm>
-            <a:off x="8068860" y="3897867"/>
-            <a:ext cx="426720" cy="369332"/>
+            <a:off x="10888" y="6473074"/>
+            <a:ext cx="9980168" cy="369332"/>
           </a:xfrm>
           <a:prstGeom prst="rect">
             <a:avLst/>
@@ -4975,112 +6784,7 @@
           <a:p>
             <a:r>
               <a:rPr lang="en-US" dirty="0"/>
-              <a:t>PC</a:t>
-            </a:r>
-          </a:p>
-        </p:txBody>
-      </p:sp>
-      <p:sp>
-        <p:nvSpPr>
-          <p:cNvPr id="22" name="TextBox 21">
-            <a:extLst>
-              <a:ext uri="{FF2B5EF4-FFF2-40B4-BE49-F238E27FC236}">
-                <a16:creationId xmlns:a16="http://schemas.microsoft.com/office/drawing/2014/main" id="{2478E8E6-A035-5B41-A409-93C23C72B24A}"/>
-              </a:ext>
-            </a:extLst>
-          </p:cNvPr>
-          <p:cNvSpPr txBox="1"/>
-          <p:nvPr/>
-        </p:nvSpPr>
-        <p:spPr>
-          <a:xfrm>
-            <a:off x="268480" y="33635"/>
-            <a:ext cx="1063881" cy="461665"/>
-          </a:xfrm>
-          <a:prstGeom prst="rect">
-            <a:avLst/>
-          </a:prstGeom>
-          <a:noFill/>
-        </p:spPr>
-        <p:txBody>
-          <a:bodyPr wrap="none" rtlCol="0">
-            <a:spAutoFit/>
-          </a:bodyPr>
-          <a:lstStyle/>
-          <a:p>
-            <a:r>
-              <a:rPr lang="en-US" sz="2400" dirty="0"/>
-              <a:t>Littoral</a:t>
-            </a:r>
-          </a:p>
-        </p:txBody>
-      </p:sp>
-      <p:sp>
-        <p:nvSpPr>
-          <p:cNvPr id="24" name="TextBox 23">
-            <a:extLst>
-              <a:ext uri="{FF2B5EF4-FFF2-40B4-BE49-F238E27FC236}">
-                <a16:creationId xmlns:a16="http://schemas.microsoft.com/office/drawing/2014/main" id="{0CBBF967-3E0F-1E43-AB45-12757D39711F}"/>
-              </a:ext>
-            </a:extLst>
-          </p:cNvPr>
-          <p:cNvSpPr txBox="1"/>
-          <p:nvPr/>
-        </p:nvSpPr>
-        <p:spPr>
-          <a:xfrm>
-            <a:off x="251303" y="3198167"/>
-            <a:ext cx="1053750" cy="461665"/>
-          </a:xfrm>
-          <a:prstGeom prst="rect">
-            <a:avLst/>
-          </a:prstGeom>
-          <a:noFill/>
-        </p:spPr>
-        <p:txBody>
-          <a:bodyPr wrap="none" rtlCol="0">
-            <a:spAutoFit/>
-          </a:bodyPr>
-          <a:lstStyle/>
-          <a:p>
-            <a:r>
-              <a:rPr lang="en-US" sz="2400" dirty="0"/>
-              <a:t>Pelagic</a:t>
-            </a:r>
-          </a:p>
-        </p:txBody>
-      </p:sp>
-      <p:sp>
-        <p:nvSpPr>
-          <p:cNvPr id="25" name="TextBox 24">
-            <a:extLst>
-              <a:ext uri="{FF2B5EF4-FFF2-40B4-BE49-F238E27FC236}">
-                <a16:creationId xmlns:a16="http://schemas.microsoft.com/office/drawing/2014/main" id="{2FA72393-2BFB-EA49-B275-4BFD52064D6F}"/>
-              </a:ext>
-            </a:extLst>
-          </p:cNvPr>
-          <p:cNvSpPr txBox="1"/>
-          <p:nvPr/>
-        </p:nvSpPr>
-        <p:spPr>
-          <a:xfrm>
-            <a:off x="28216" y="6503726"/>
-            <a:ext cx="7166770" cy="369332"/>
-          </a:xfrm>
-          <a:prstGeom prst="rect">
-            <a:avLst/>
-          </a:prstGeom>
-          <a:noFill/>
-        </p:spPr>
-        <p:txBody>
-          <a:bodyPr wrap="none" rtlCol="0">
-            <a:spAutoFit/>
-          </a:bodyPr>
-          <a:lstStyle/>
-          <a:p>
-            <a:r>
-              <a:rPr lang="en-US" dirty="0"/>
-              <a:t>Biomass Ratios across temp (these are equilibrium density biomass ratios) </a:t>
+              <a:t>Equilibrium densities of each population across temperature (where we get positive interior equilibrium) </a:t>
             </a:r>
           </a:p>
         </p:txBody>
@@ -5088,7 +6792,7 @@
     </p:spTree>
     <p:extLst>
       <p:ext uri="{BB962C8B-B14F-4D97-AF65-F5344CB8AC3E}">
-        <p14:creationId xmlns:p14="http://schemas.microsoft.com/office/powerpoint/2010/main" val="134990726"/>
+        <p14:creationId xmlns:p14="http://schemas.microsoft.com/office/powerpoint/2010/main" val="1035684611"/>
       </p:ext>
     </p:extLst>
   </p:cSld>
@@ -5115,47 +6819,12 @@
           <a:chExt cx="0" cy="0"/>
         </a:xfrm>
       </p:grpSpPr>
-      <p:sp>
-        <p:nvSpPr>
-          <p:cNvPr id="6" name="TextBox 5">
-            <a:extLst>
-              <a:ext uri="{FF2B5EF4-FFF2-40B4-BE49-F238E27FC236}">
-                <a16:creationId xmlns:a16="http://schemas.microsoft.com/office/drawing/2014/main" id="{3E0E726B-9B01-FD4A-A144-70683C13B287}"/>
-              </a:ext>
-            </a:extLst>
-          </p:cNvPr>
-          <p:cNvSpPr txBox="1"/>
-          <p:nvPr/>
-        </p:nvSpPr>
-        <p:spPr>
-          <a:xfrm>
-            <a:off x="0" y="6488668"/>
-            <a:ext cx="2522485" cy="369332"/>
-          </a:xfrm>
-          <a:prstGeom prst="rect">
-            <a:avLst/>
-          </a:prstGeom>
-          <a:noFill/>
-        </p:spPr>
-        <p:txBody>
-          <a:bodyPr wrap="none" rtlCol="0">
-            <a:spAutoFit/>
-          </a:bodyPr>
-          <a:lstStyle/>
-          <a:p>
-            <a:r>
-              <a:rPr lang="en-US" dirty="0"/>
-              <a:t>Eigenvalues across temp </a:t>
-            </a:r>
-          </a:p>
-        </p:txBody>
-      </p:sp>
       <p:pic>
         <p:nvPicPr>
-          <p:cNvPr id="3" name="Picture 2" descr="Chart&#10;&#10;Description automatically generated">
-            <a:extLst>
-              <a:ext uri="{FF2B5EF4-FFF2-40B4-BE49-F238E27FC236}">
-                <a16:creationId xmlns:a16="http://schemas.microsoft.com/office/drawing/2014/main" id="{F4903D5A-8BC2-CE42-BC86-40315447960D}"/>
+          <p:cNvPr id="5" name="Picture 4" descr="Chart&#10;&#10;Description automatically generated">
+            <a:extLst>
+              <a:ext uri="{FF2B5EF4-FFF2-40B4-BE49-F238E27FC236}">
+                <a16:creationId xmlns:a16="http://schemas.microsoft.com/office/drawing/2014/main" id="{4866C4B6-5C05-E344-B5B8-A97AC3CF891C}"/>
               </a:ext>
             </a:extLst>
           </p:cNvPr>
@@ -5172,6 +6841,566 @@
         </p:blipFill>
         <p:spPr>
           <a:xfrm>
+            <a:off x="0" y="195942"/>
+            <a:ext cx="3791857" cy="2843893"/>
+          </a:xfrm>
+          <a:prstGeom prst="rect">
+            <a:avLst/>
+          </a:prstGeom>
+        </p:spPr>
+      </p:pic>
+      <p:pic>
+        <p:nvPicPr>
+          <p:cNvPr id="7" name="Picture 6" descr="Chart, line chart&#10;&#10;Description automatically generated">
+            <a:extLst>
+              <a:ext uri="{FF2B5EF4-FFF2-40B4-BE49-F238E27FC236}">
+                <a16:creationId xmlns:a16="http://schemas.microsoft.com/office/drawing/2014/main" id="{EE1010F0-AC88-7348-86A6-7BC82C6D921C}"/>
+              </a:ext>
+            </a:extLst>
+          </p:cNvPr>
+          <p:cNvPicPr>
+            <a:picLocks noChangeAspect="1"/>
+          </p:cNvPicPr>
+          <p:nvPr/>
+        </p:nvPicPr>
+        <p:blipFill>
+          <a:blip r:embed="rId3"/>
+          <a:stretch>
+            <a:fillRect/>
+          </a:stretch>
+        </p:blipFill>
+        <p:spPr>
+          <a:xfrm>
+            <a:off x="0" y="3429000"/>
+            <a:ext cx="3791857" cy="2843893"/>
+          </a:xfrm>
+          <a:prstGeom prst="rect">
+            <a:avLst/>
+          </a:prstGeom>
+        </p:spPr>
+      </p:pic>
+      <p:pic>
+        <p:nvPicPr>
+          <p:cNvPr id="9" name="Picture 8" descr="Chart&#10;&#10;Description automatically generated">
+            <a:extLst>
+              <a:ext uri="{FF2B5EF4-FFF2-40B4-BE49-F238E27FC236}">
+                <a16:creationId xmlns:a16="http://schemas.microsoft.com/office/drawing/2014/main" id="{E22A8316-D059-074B-9627-FDABFD9BD4B9}"/>
+              </a:ext>
+            </a:extLst>
+          </p:cNvPr>
+          <p:cNvPicPr>
+            <a:picLocks noChangeAspect="1"/>
+          </p:cNvPicPr>
+          <p:nvPr/>
+        </p:nvPicPr>
+        <p:blipFill>
+          <a:blip r:embed="rId4"/>
+          <a:stretch>
+            <a:fillRect/>
+          </a:stretch>
+        </p:blipFill>
+        <p:spPr>
+          <a:xfrm>
+            <a:off x="3760230" y="151038"/>
+            <a:ext cx="3911600" cy="2933700"/>
+          </a:xfrm>
+          <a:prstGeom prst="rect">
+            <a:avLst/>
+          </a:prstGeom>
+        </p:spPr>
+      </p:pic>
+      <p:pic>
+        <p:nvPicPr>
+          <p:cNvPr id="11" name="Picture 10" descr="Chart&#10;&#10;Description automatically generated">
+            <a:extLst>
+              <a:ext uri="{FF2B5EF4-FFF2-40B4-BE49-F238E27FC236}">
+                <a16:creationId xmlns:a16="http://schemas.microsoft.com/office/drawing/2014/main" id="{10D86610-61DD-A543-B52F-E3FAD1BDB7A8}"/>
+              </a:ext>
+            </a:extLst>
+          </p:cNvPr>
+          <p:cNvPicPr>
+            <a:picLocks noChangeAspect="1"/>
+          </p:cNvPicPr>
+          <p:nvPr/>
+        </p:nvPicPr>
+        <p:blipFill>
+          <a:blip r:embed="rId5"/>
+          <a:stretch>
+            <a:fillRect/>
+          </a:stretch>
+        </p:blipFill>
+        <p:spPr>
+          <a:xfrm>
+            <a:off x="3791857" y="3429000"/>
+            <a:ext cx="3911600" cy="2933700"/>
+          </a:xfrm>
+          <a:prstGeom prst="rect">
+            <a:avLst/>
+          </a:prstGeom>
+        </p:spPr>
+      </p:pic>
+      <p:pic>
+        <p:nvPicPr>
+          <p:cNvPr id="13" name="Picture 12" descr="Chart, line chart&#10;&#10;Description automatically generated">
+            <a:extLst>
+              <a:ext uri="{FF2B5EF4-FFF2-40B4-BE49-F238E27FC236}">
+                <a16:creationId xmlns:a16="http://schemas.microsoft.com/office/drawing/2014/main" id="{3A90A8EF-56FE-B54A-AC3F-7E716FD87BD5}"/>
+              </a:ext>
+            </a:extLst>
+          </p:cNvPr>
+          <p:cNvPicPr>
+            <a:picLocks noChangeAspect="1"/>
+          </p:cNvPicPr>
+          <p:nvPr/>
+        </p:nvPicPr>
+        <p:blipFill>
+          <a:blip r:embed="rId6"/>
+          <a:stretch>
+            <a:fillRect/>
+          </a:stretch>
+        </p:blipFill>
+        <p:spPr>
+          <a:xfrm>
+            <a:off x="7552087" y="240845"/>
+            <a:ext cx="3791857" cy="2843893"/>
+          </a:xfrm>
+          <a:prstGeom prst="rect">
+            <a:avLst/>
+          </a:prstGeom>
+        </p:spPr>
+      </p:pic>
+      <p:pic>
+        <p:nvPicPr>
+          <p:cNvPr id="15" name="Picture 14" descr="Shape&#10;&#10;Description automatically generated">
+            <a:extLst>
+              <a:ext uri="{FF2B5EF4-FFF2-40B4-BE49-F238E27FC236}">
+                <a16:creationId xmlns:a16="http://schemas.microsoft.com/office/drawing/2014/main" id="{1EF91474-2021-934C-9B26-F8A57D6A160F}"/>
+              </a:ext>
+            </a:extLst>
+          </p:cNvPr>
+          <p:cNvPicPr>
+            <a:picLocks noChangeAspect="1"/>
+          </p:cNvPicPr>
+          <p:nvPr/>
+        </p:nvPicPr>
+        <p:blipFill>
+          <a:blip r:embed="rId7"/>
+          <a:stretch>
+            <a:fillRect/>
+          </a:stretch>
+        </p:blipFill>
+        <p:spPr>
+          <a:xfrm>
+            <a:off x="7418898" y="3544366"/>
+            <a:ext cx="3791858" cy="2843894"/>
+          </a:xfrm>
+          <a:prstGeom prst="rect">
+            <a:avLst/>
+          </a:prstGeom>
+        </p:spPr>
+      </p:pic>
+      <p:sp>
+        <p:nvSpPr>
+          <p:cNvPr id="16" name="TextBox 15">
+            <a:extLst>
+              <a:ext uri="{FF2B5EF4-FFF2-40B4-BE49-F238E27FC236}">
+                <a16:creationId xmlns:a16="http://schemas.microsoft.com/office/drawing/2014/main" id="{F5189358-8786-A04A-B2E2-F200ED7B6FCF}"/>
+              </a:ext>
+            </a:extLst>
+          </p:cNvPr>
+          <p:cNvSpPr txBox="1"/>
+          <p:nvPr/>
+        </p:nvSpPr>
+        <p:spPr>
+          <a:xfrm>
+            <a:off x="631490" y="585107"/>
+            <a:ext cx="433132" cy="369332"/>
+          </a:xfrm>
+          <a:prstGeom prst="rect">
+            <a:avLst/>
+          </a:prstGeom>
+          <a:noFill/>
+        </p:spPr>
+        <p:txBody>
+          <a:bodyPr wrap="none" rtlCol="0">
+            <a:spAutoFit/>
+          </a:bodyPr>
+          <a:lstStyle/>
+          <a:p>
+            <a:r>
+              <a:rPr lang="en-US" dirty="0"/>
+              <a:t>CR</a:t>
+            </a:r>
+          </a:p>
+        </p:txBody>
+      </p:sp>
+      <p:sp>
+        <p:nvSpPr>
+          <p:cNvPr id="17" name="TextBox 16">
+            <a:extLst>
+              <a:ext uri="{FF2B5EF4-FFF2-40B4-BE49-F238E27FC236}">
+                <a16:creationId xmlns:a16="http://schemas.microsoft.com/office/drawing/2014/main" id="{D947F6E2-DE50-A24B-A0DF-7325BE651B22}"/>
+              </a:ext>
+            </a:extLst>
+          </p:cNvPr>
+          <p:cNvSpPr txBox="1"/>
+          <p:nvPr/>
+        </p:nvSpPr>
+        <p:spPr>
+          <a:xfrm>
+            <a:off x="4396530" y="585107"/>
+            <a:ext cx="428322" cy="369332"/>
+          </a:xfrm>
+          <a:prstGeom prst="rect">
+            <a:avLst/>
+          </a:prstGeom>
+          <a:noFill/>
+        </p:spPr>
+        <p:txBody>
+          <a:bodyPr wrap="none" rtlCol="0">
+            <a:spAutoFit/>
+          </a:bodyPr>
+          <a:lstStyle/>
+          <a:p>
+            <a:r>
+              <a:rPr lang="en-US" dirty="0"/>
+              <a:t>PR</a:t>
+            </a:r>
+          </a:p>
+        </p:txBody>
+      </p:sp>
+      <p:sp>
+        <p:nvSpPr>
+          <p:cNvPr id="18" name="TextBox 17">
+            <a:extLst>
+              <a:ext uri="{FF2B5EF4-FFF2-40B4-BE49-F238E27FC236}">
+                <a16:creationId xmlns:a16="http://schemas.microsoft.com/office/drawing/2014/main" id="{A81F99E5-E0A2-F345-A4B2-0449057FAAF1}"/>
+              </a:ext>
+            </a:extLst>
+          </p:cNvPr>
+          <p:cNvSpPr txBox="1"/>
+          <p:nvPr/>
+        </p:nvSpPr>
+        <p:spPr>
+          <a:xfrm>
+            <a:off x="8063143" y="585107"/>
+            <a:ext cx="426720" cy="369332"/>
+          </a:xfrm>
+          <a:prstGeom prst="rect">
+            <a:avLst/>
+          </a:prstGeom>
+          <a:noFill/>
+        </p:spPr>
+        <p:txBody>
+          <a:bodyPr wrap="none" rtlCol="0">
+            <a:spAutoFit/>
+          </a:bodyPr>
+          <a:lstStyle/>
+          <a:p>
+            <a:r>
+              <a:rPr lang="en-US" dirty="0"/>
+              <a:t>PC</a:t>
+            </a:r>
+          </a:p>
+        </p:txBody>
+      </p:sp>
+      <p:sp>
+        <p:nvSpPr>
+          <p:cNvPr id="19" name="TextBox 18">
+            <a:extLst>
+              <a:ext uri="{FF2B5EF4-FFF2-40B4-BE49-F238E27FC236}">
+                <a16:creationId xmlns:a16="http://schemas.microsoft.com/office/drawing/2014/main" id="{CCE98280-9C77-DD4A-BBE7-B3B377F2DB48}"/>
+              </a:ext>
+            </a:extLst>
+          </p:cNvPr>
+          <p:cNvSpPr txBox="1"/>
+          <p:nvPr/>
+        </p:nvSpPr>
+        <p:spPr>
+          <a:xfrm>
+            <a:off x="637207" y="3897867"/>
+            <a:ext cx="433132" cy="369332"/>
+          </a:xfrm>
+          <a:prstGeom prst="rect">
+            <a:avLst/>
+          </a:prstGeom>
+          <a:noFill/>
+        </p:spPr>
+        <p:txBody>
+          <a:bodyPr wrap="none" rtlCol="0">
+            <a:spAutoFit/>
+          </a:bodyPr>
+          <a:lstStyle/>
+          <a:p>
+            <a:r>
+              <a:rPr lang="en-US" dirty="0"/>
+              <a:t>CR</a:t>
+            </a:r>
+          </a:p>
+        </p:txBody>
+      </p:sp>
+      <p:sp>
+        <p:nvSpPr>
+          <p:cNvPr id="20" name="TextBox 19">
+            <a:extLst>
+              <a:ext uri="{FF2B5EF4-FFF2-40B4-BE49-F238E27FC236}">
+                <a16:creationId xmlns:a16="http://schemas.microsoft.com/office/drawing/2014/main" id="{21924D2E-B98E-1A48-88D9-983272D996CA}"/>
+              </a:ext>
+            </a:extLst>
+          </p:cNvPr>
+          <p:cNvSpPr txBox="1"/>
+          <p:nvPr/>
+        </p:nvSpPr>
+        <p:spPr>
+          <a:xfrm>
+            <a:off x="4402247" y="3897867"/>
+            <a:ext cx="428322" cy="369332"/>
+          </a:xfrm>
+          <a:prstGeom prst="rect">
+            <a:avLst/>
+          </a:prstGeom>
+          <a:noFill/>
+        </p:spPr>
+        <p:txBody>
+          <a:bodyPr wrap="none" rtlCol="0">
+            <a:spAutoFit/>
+          </a:bodyPr>
+          <a:lstStyle/>
+          <a:p>
+            <a:r>
+              <a:rPr lang="en-US" dirty="0"/>
+              <a:t>PR</a:t>
+            </a:r>
+          </a:p>
+        </p:txBody>
+      </p:sp>
+      <p:sp>
+        <p:nvSpPr>
+          <p:cNvPr id="21" name="TextBox 20">
+            <a:extLst>
+              <a:ext uri="{FF2B5EF4-FFF2-40B4-BE49-F238E27FC236}">
+                <a16:creationId xmlns:a16="http://schemas.microsoft.com/office/drawing/2014/main" id="{EF43AA96-F4C4-214D-A329-DC911A4A3E24}"/>
+              </a:ext>
+            </a:extLst>
+          </p:cNvPr>
+          <p:cNvSpPr txBox="1"/>
+          <p:nvPr/>
+        </p:nvSpPr>
+        <p:spPr>
+          <a:xfrm>
+            <a:off x="8068860" y="3897867"/>
+            <a:ext cx="426720" cy="369332"/>
+          </a:xfrm>
+          <a:prstGeom prst="rect">
+            <a:avLst/>
+          </a:prstGeom>
+          <a:noFill/>
+        </p:spPr>
+        <p:txBody>
+          <a:bodyPr wrap="none" rtlCol="0">
+            <a:spAutoFit/>
+          </a:bodyPr>
+          <a:lstStyle/>
+          <a:p>
+            <a:r>
+              <a:rPr lang="en-US" dirty="0"/>
+              <a:t>PC</a:t>
+            </a:r>
+          </a:p>
+        </p:txBody>
+      </p:sp>
+      <p:sp>
+        <p:nvSpPr>
+          <p:cNvPr id="22" name="TextBox 21">
+            <a:extLst>
+              <a:ext uri="{FF2B5EF4-FFF2-40B4-BE49-F238E27FC236}">
+                <a16:creationId xmlns:a16="http://schemas.microsoft.com/office/drawing/2014/main" id="{2478E8E6-A035-5B41-A409-93C23C72B24A}"/>
+              </a:ext>
+            </a:extLst>
+          </p:cNvPr>
+          <p:cNvSpPr txBox="1"/>
+          <p:nvPr/>
+        </p:nvSpPr>
+        <p:spPr>
+          <a:xfrm>
+            <a:off x="268480" y="33635"/>
+            <a:ext cx="1063881" cy="461665"/>
+          </a:xfrm>
+          <a:prstGeom prst="rect">
+            <a:avLst/>
+          </a:prstGeom>
+          <a:noFill/>
+        </p:spPr>
+        <p:txBody>
+          <a:bodyPr wrap="none" rtlCol="0">
+            <a:spAutoFit/>
+          </a:bodyPr>
+          <a:lstStyle/>
+          <a:p>
+            <a:r>
+              <a:rPr lang="en-US" sz="2400" dirty="0"/>
+              <a:t>Littoral</a:t>
+            </a:r>
+          </a:p>
+        </p:txBody>
+      </p:sp>
+      <p:sp>
+        <p:nvSpPr>
+          <p:cNvPr id="24" name="TextBox 23">
+            <a:extLst>
+              <a:ext uri="{FF2B5EF4-FFF2-40B4-BE49-F238E27FC236}">
+                <a16:creationId xmlns:a16="http://schemas.microsoft.com/office/drawing/2014/main" id="{0CBBF967-3E0F-1E43-AB45-12757D39711F}"/>
+              </a:ext>
+            </a:extLst>
+          </p:cNvPr>
+          <p:cNvSpPr txBox="1"/>
+          <p:nvPr/>
+        </p:nvSpPr>
+        <p:spPr>
+          <a:xfrm>
+            <a:off x="251303" y="3198167"/>
+            <a:ext cx="1053750" cy="461665"/>
+          </a:xfrm>
+          <a:prstGeom prst="rect">
+            <a:avLst/>
+          </a:prstGeom>
+          <a:noFill/>
+        </p:spPr>
+        <p:txBody>
+          <a:bodyPr wrap="none" rtlCol="0">
+            <a:spAutoFit/>
+          </a:bodyPr>
+          <a:lstStyle/>
+          <a:p>
+            <a:r>
+              <a:rPr lang="en-US" sz="2400" dirty="0"/>
+              <a:t>Pelagic</a:t>
+            </a:r>
+          </a:p>
+        </p:txBody>
+      </p:sp>
+      <p:sp>
+        <p:nvSpPr>
+          <p:cNvPr id="25" name="TextBox 24">
+            <a:extLst>
+              <a:ext uri="{FF2B5EF4-FFF2-40B4-BE49-F238E27FC236}">
+                <a16:creationId xmlns:a16="http://schemas.microsoft.com/office/drawing/2014/main" id="{2FA72393-2BFB-EA49-B275-4BFD52064D6F}"/>
+              </a:ext>
+            </a:extLst>
+          </p:cNvPr>
+          <p:cNvSpPr txBox="1"/>
+          <p:nvPr/>
+        </p:nvSpPr>
+        <p:spPr>
+          <a:xfrm>
+            <a:off x="28216" y="6503726"/>
+            <a:ext cx="7166770" cy="369332"/>
+          </a:xfrm>
+          <a:prstGeom prst="rect">
+            <a:avLst/>
+          </a:prstGeom>
+          <a:noFill/>
+        </p:spPr>
+        <p:txBody>
+          <a:bodyPr wrap="none" rtlCol="0">
+            <a:spAutoFit/>
+          </a:bodyPr>
+          <a:lstStyle/>
+          <a:p>
+            <a:r>
+              <a:rPr lang="en-US" dirty="0"/>
+              <a:t>Biomass Ratios across temp (these are equilibrium density biomass ratios) </a:t>
+            </a:r>
+          </a:p>
+        </p:txBody>
+      </p:sp>
+    </p:spTree>
+    <p:extLst>
+      <p:ext uri="{BB962C8B-B14F-4D97-AF65-F5344CB8AC3E}">
+        <p14:creationId xmlns:p14="http://schemas.microsoft.com/office/powerpoint/2010/main" val="134990726"/>
+      </p:ext>
+    </p:extLst>
+  </p:cSld>
+  <p:clrMapOvr>
+    <a:masterClrMapping/>
+  </p:clrMapOvr>
+</p:sld>
+</file>
+
+<file path=ppt/slides/slide7.xml><?xml version="1.0" encoding="utf-8"?>
+<p:sld xmlns:a="http://schemas.openxmlformats.org/drawingml/2006/main" xmlns:r="http://schemas.openxmlformats.org/officeDocument/2006/relationships" xmlns:p="http://schemas.openxmlformats.org/presentationml/2006/main">
+  <p:cSld>
+    <p:spTree>
+      <p:nvGrpSpPr>
+        <p:cNvPr id="1" name=""/>
+        <p:cNvGrpSpPr/>
+        <p:nvPr/>
+      </p:nvGrpSpPr>
+      <p:grpSpPr>
+        <a:xfrm>
+          <a:off x="0" y="0"/>
+          <a:ext cx="0" cy="0"/>
+          <a:chOff x="0" y="0"/>
+          <a:chExt cx="0" cy="0"/>
+        </a:xfrm>
+      </p:grpSpPr>
+      <p:sp>
+        <p:nvSpPr>
+          <p:cNvPr id="6" name="TextBox 5">
+            <a:extLst>
+              <a:ext uri="{FF2B5EF4-FFF2-40B4-BE49-F238E27FC236}">
+                <a16:creationId xmlns:a16="http://schemas.microsoft.com/office/drawing/2014/main" id="{3E0E726B-9B01-FD4A-A144-70683C13B287}"/>
+              </a:ext>
+            </a:extLst>
+          </p:cNvPr>
+          <p:cNvSpPr txBox="1"/>
+          <p:nvPr/>
+        </p:nvSpPr>
+        <p:spPr>
+          <a:xfrm>
+            <a:off x="0" y="6488668"/>
+            <a:ext cx="2522485" cy="369332"/>
+          </a:xfrm>
+          <a:prstGeom prst="rect">
+            <a:avLst/>
+          </a:prstGeom>
+          <a:noFill/>
+        </p:spPr>
+        <p:txBody>
+          <a:bodyPr wrap="none" rtlCol="0">
+            <a:spAutoFit/>
+          </a:bodyPr>
+          <a:lstStyle/>
+          <a:p>
+            <a:r>
+              <a:rPr lang="en-US" dirty="0"/>
+              <a:t>Eigenvalues across temp </a:t>
+            </a:r>
+          </a:p>
+        </p:txBody>
+      </p:sp>
+      <p:pic>
+        <p:nvPicPr>
+          <p:cNvPr id="3" name="Picture 2" descr="Chart&#10;&#10;Description automatically generated">
+            <a:extLst>
+              <a:ext uri="{FF2B5EF4-FFF2-40B4-BE49-F238E27FC236}">
+                <a16:creationId xmlns:a16="http://schemas.microsoft.com/office/drawing/2014/main" id="{F4903D5A-8BC2-CE42-BC86-40315447960D}"/>
+              </a:ext>
+            </a:extLst>
+          </p:cNvPr>
+          <p:cNvPicPr>
+            <a:picLocks noChangeAspect="1"/>
+          </p:cNvPicPr>
+          <p:nvPr/>
+        </p:nvPicPr>
+        <p:blipFill>
+          <a:blip r:embed="rId2"/>
+          <a:stretch>
+            <a:fillRect/>
+          </a:stretch>
+        </p:blipFill>
+        <p:spPr>
+          <a:xfrm>
             <a:off x="2705100" y="736600"/>
             <a:ext cx="6781800" cy="5086350"/>
           </a:xfrm>
@@ -5184,6 +7413,1117 @@
     <p:extLst>
       <p:ext uri="{BB962C8B-B14F-4D97-AF65-F5344CB8AC3E}">
         <p14:creationId xmlns:p14="http://schemas.microsoft.com/office/powerpoint/2010/main" val="2490253625"/>
+      </p:ext>
+    </p:extLst>
+  </p:cSld>
+  <p:clrMapOvr>
+    <a:masterClrMapping/>
+  </p:clrMapOvr>
+</p:sld>
+</file>
+
+<file path=ppt/slides/slide8.xml><?xml version="1.0" encoding="utf-8"?>
+<p:sld xmlns:a="http://schemas.openxmlformats.org/drawingml/2006/main" xmlns:r="http://schemas.openxmlformats.org/officeDocument/2006/relationships" xmlns:p="http://schemas.openxmlformats.org/presentationml/2006/main">
+  <p:cSld>
+    <p:spTree>
+      <p:nvGrpSpPr>
+        <p:cNvPr id="1" name=""/>
+        <p:cNvGrpSpPr/>
+        <p:nvPr/>
+      </p:nvGrpSpPr>
+      <p:grpSpPr>
+        <a:xfrm>
+          <a:off x="0" y="0"/>
+          <a:ext cx="0" cy="0"/>
+          <a:chOff x="0" y="0"/>
+          <a:chExt cx="0" cy="0"/>
+        </a:xfrm>
+      </p:grpSpPr>
+      <p:pic>
+        <p:nvPicPr>
+          <p:cNvPr id="48" name="Picture 47" descr="Chart, histogram&#10;&#10;Description automatically generated">
+            <a:extLst>
+              <a:ext uri="{FF2B5EF4-FFF2-40B4-BE49-F238E27FC236}">
+                <a16:creationId xmlns:a16="http://schemas.microsoft.com/office/drawing/2014/main" id="{FCB21762-D31B-BF46-B0E5-30E169E4BF90}"/>
+              </a:ext>
+            </a:extLst>
+          </p:cNvPr>
+          <p:cNvPicPr>
+            <a:picLocks noChangeAspect="1"/>
+          </p:cNvPicPr>
+          <p:nvPr/>
+        </p:nvPicPr>
+        <p:blipFill>
+          <a:blip r:embed="rId2"/>
+          <a:stretch>
+            <a:fillRect/>
+          </a:stretch>
+        </p:blipFill>
+        <p:spPr>
+          <a:xfrm>
+            <a:off x="1289240" y="252709"/>
+            <a:ext cx="2831616" cy="2153624"/>
+          </a:xfrm>
+          <a:prstGeom prst="rect">
+            <a:avLst/>
+          </a:prstGeom>
+        </p:spPr>
+      </p:pic>
+      <p:sp>
+        <p:nvSpPr>
+          <p:cNvPr id="49" name="Rounded Rectangle 48">
+            <a:extLst>
+              <a:ext uri="{FF2B5EF4-FFF2-40B4-BE49-F238E27FC236}">
+                <a16:creationId xmlns:a16="http://schemas.microsoft.com/office/drawing/2014/main" id="{B03023C3-4015-4F4E-B14C-A4CB1504DDAB}"/>
+              </a:ext>
+            </a:extLst>
+          </p:cNvPr>
+          <p:cNvSpPr/>
+          <p:nvPr/>
+        </p:nvSpPr>
+        <p:spPr>
+          <a:xfrm>
+            <a:off x="3721367" y="298800"/>
+            <a:ext cx="287854" cy="180308"/>
+          </a:xfrm>
+          <a:prstGeom prst="roundRect">
+            <a:avLst/>
+          </a:prstGeom>
+          <a:solidFill>
+            <a:schemeClr val="bg1"/>
+          </a:solidFill>
+          <a:ln>
+            <a:noFill/>
+          </a:ln>
+        </p:spPr>
+        <p:style>
+          <a:lnRef idx="2">
+            <a:schemeClr val="accent1">
+              <a:shade val="50000"/>
+            </a:schemeClr>
+          </a:lnRef>
+          <a:fillRef idx="1">
+            <a:schemeClr val="accent1"/>
+          </a:fillRef>
+          <a:effectRef idx="0">
+            <a:schemeClr val="accent1"/>
+          </a:effectRef>
+          <a:fontRef idx="minor">
+            <a:schemeClr val="lt1"/>
+          </a:fontRef>
+        </p:style>
+        <p:txBody>
+          <a:bodyPr rtlCol="0" anchor="ctr"/>
+          <a:lstStyle/>
+          <a:p>
+            <a:pPr algn="ctr"/>
+            <a:endParaRPr lang="en-US"/>
+          </a:p>
+        </p:txBody>
+      </p:sp>
+      <p:pic>
+        <p:nvPicPr>
+          <p:cNvPr id="44" name="Picture 43" descr="Chart, histogram&#10;&#10;Description automatically generated">
+            <a:extLst>
+              <a:ext uri="{FF2B5EF4-FFF2-40B4-BE49-F238E27FC236}">
+                <a16:creationId xmlns:a16="http://schemas.microsoft.com/office/drawing/2014/main" id="{F8EB0FDA-CF9A-8848-B0B9-D8654BBA31E8}"/>
+              </a:ext>
+            </a:extLst>
+          </p:cNvPr>
+          <p:cNvPicPr>
+            <a:picLocks noChangeAspect="1"/>
+          </p:cNvPicPr>
+          <p:nvPr/>
+        </p:nvPicPr>
+        <p:blipFill rotWithShape="1">
+          <a:blip r:embed="rId3"/>
+          <a:srcRect r="1335"/>
+          <a:stretch/>
+        </p:blipFill>
+        <p:spPr>
+          <a:xfrm>
+            <a:off x="1269299" y="2692146"/>
+            <a:ext cx="2851557" cy="2164975"/>
+          </a:xfrm>
+          <a:prstGeom prst="rect">
+            <a:avLst/>
+          </a:prstGeom>
+        </p:spPr>
+      </p:pic>
+      <p:pic>
+        <p:nvPicPr>
+          <p:cNvPr id="7" name="Picture 6" descr="Chart&#10;&#10;Description automatically generated">
+            <a:extLst>
+              <a:ext uri="{FF2B5EF4-FFF2-40B4-BE49-F238E27FC236}">
+                <a16:creationId xmlns:a16="http://schemas.microsoft.com/office/drawing/2014/main" id="{E27466B4-F653-574E-8673-BDD98D5468C5}"/>
+              </a:ext>
+            </a:extLst>
+          </p:cNvPr>
+          <p:cNvPicPr>
+            <a:picLocks noChangeAspect="1"/>
+          </p:cNvPicPr>
+          <p:nvPr/>
+        </p:nvPicPr>
+        <p:blipFill>
+          <a:blip r:embed="rId4"/>
+          <a:stretch>
+            <a:fillRect/>
+          </a:stretch>
+        </p:blipFill>
+        <p:spPr>
+          <a:xfrm>
+            <a:off x="4152507" y="5853"/>
+            <a:ext cx="3241983" cy="2431487"/>
+          </a:xfrm>
+          <a:prstGeom prst="rect">
+            <a:avLst/>
+          </a:prstGeom>
+        </p:spPr>
+      </p:pic>
+      <p:pic>
+        <p:nvPicPr>
+          <p:cNvPr id="9" name="Picture 8" descr="Chart, line chart&#10;&#10;Description automatically generated">
+            <a:extLst>
+              <a:ext uri="{FF2B5EF4-FFF2-40B4-BE49-F238E27FC236}">
+                <a16:creationId xmlns:a16="http://schemas.microsoft.com/office/drawing/2014/main" id="{2D474DF4-98D4-5B45-A803-C6A47F138AB7}"/>
+              </a:ext>
+            </a:extLst>
+          </p:cNvPr>
+          <p:cNvPicPr>
+            <a:picLocks noChangeAspect="1"/>
+          </p:cNvPicPr>
+          <p:nvPr/>
+        </p:nvPicPr>
+        <p:blipFill>
+          <a:blip r:embed="rId5"/>
+          <a:stretch>
+            <a:fillRect/>
+          </a:stretch>
+        </p:blipFill>
+        <p:spPr>
+          <a:xfrm>
+            <a:off x="7299454" y="0"/>
+            <a:ext cx="3241982" cy="2431487"/>
+          </a:xfrm>
+          <a:prstGeom prst="rect">
+            <a:avLst/>
+          </a:prstGeom>
+        </p:spPr>
+      </p:pic>
+      <p:pic>
+        <p:nvPicPr>
+          <p:cNvPr id="13" name="Picture 12" descr="Chart&#10;&#10;Description automatically generated">
+            <a:extLst>
+              <a:ext uri="{FF2B5EF4-FFF2-40B4-BE49-F238E27FC236}">
+                <a16:creationId xmlns:a16="http://schemas.microsoft.com/office/drawing/2014/main" id="{9B034F4A-88CF-A045-8C1A-9DC8E2875BDA}"/>
+              </a:ext>
+            </a:extLst>
+          </p:cNvPr>
+          <p:cNvPicPr>
+            <a:picLocks noChangeAspect="1"/>
+          </p:cNvPicPr>
+          <p:nvPr/>
+        </p:nvPicPr>
+        <p:blipFill>
+          <a:blip r:embed="rId6"/>
+          <a:stretch>
+            <a:fillRect/>
+          </a:stretch>
+        </p:blipFill>
+        <p:spPr>
+          <a:xfrm>
+            <a:off x="4152508" y="2444064"/>
+            <a:ext cx="3241982" cy="2431487"/>
+          </a:xfrm>
+          <a:prstGeom prst="rect">
+            <a:avLst/>
+          </a:prstGeom>
+        </p:spPr>
+      </p:pic>
+      <p:pic>
+        <p:nvPicPr>
+          <p:cNvPr id="15" name="Picture 14" descr="Chart, line chart, histogram&#10;&#10;Description automatically generated">
+            <a:extLst>
+              <a:ext uri="{FF2B5EF4-FFF2-40B4-BE49-F238E27FC236}">
+                <a16:creationId xmlns:a16="http://schemas.microsoft.com/office/drawing/2014/main" id="{6A3FA36B-A13E-0C4F-A1F4-4C2674B53159}"/>
+              </a:ext>
+            </a:extLst>
+          </p:cNvPr>
+          <p:cNvPicPr>
+            <a:picLocks noChangeAspect="1"/>
+          </p:cNvPicPr>
+          <p:nvPr/>
+        </p:nvPicPr>
+        <p:blipFill>
+          <a:blip r:embed="rId7"/>
+          <a:stretch>
+            <a:fillRect/>
+          </a:stretch>
+        </p:blipFill>
+        <p:spPr>
+          <a:xfrm>
+            <a:off x="7299454" y="2444284"/>
+            <a:ext cx="3241982" cy="2431487"/>
+          </a:xfrm>
+          <a:prstGeom prst="rect">
+            <a:avLst/>
+          </a:prstGeom>
+        </p:spPr>
+      </p:pic>
+      <p:pic>
+        <p:nvPicPr>
+          <p:cNvPr id="19" name="Picture 18" descr="Graphical user interface, chart&#10;&#10;Description automatically generated">
+            <a:extLst>
+              <a:ext uri="{FF2B5EF4-FFF2-40B4-BE49-F238E27FC236}">
+                <a16:creationId xmlns:a16="http://schemas.microsoft.com/office/drawing/2014/main" id="{D18299A1-9A4A-904E-8A0F-982557C9785D}"/>
+              </a:ext>
+            </a:extLst>
+          </p:cNvPr>
+          <p:cNvPicPr>
+            <a:picLocks noChangeAspect="1"/>
+          </p:cNvPicPr>
+          <p:nvPr/>
+        </p:nvPicPr>
+        <p:blipFill>
+          <a:blip r:embed="rId8"/>
+          <a:stretch>
+            <a:fillRect/>
+          </a:stretch>
+        </p:blipFill>
+        <p:spPr>
+          <a:xfrm>
+            <a:off x="4152507" y="4857121"/>
+            <a:ext cx="3241982" cy="2431487"/>
+          </a:xfrm>
+          <a:prstGeom prst="rect">
+            <a:avLst/>
+          </a:prstGeom>
+        </p:spPr>
+      </p:pic>
+      <p:pic>
+        <p:nvPicPr>
+          <p:cNvPr id="21" name="Picture 20" descr="Chart, line chart, histogram&#10;&#10;Description automatically generated">
+            <a:extLst>
+              <a:ext uri="{FF2B5EF4-FFF2-40B4-BE49-F238E27FC236}">
+                <a16:creationId xmlns:a16="http://schemas.microsoft.com/office/drawing/2014/main" id="{339F7584-9920-C544-9601-6AADD8833595}"/>
+              </a:ext>
+            </a:extLst>
+          </p:cNvPr>
+          <p:cNvPicPr>
+            <a:picLocks noChangeAspect="1"/>
+          </p:cNvPicPr>
+          <p:nvPr/>
+        </p:nvPicPr>
+        <p:blipFill>
+          <a:blip r:embed="rId9"/>
+          <a:stretch>
+            <a:fillRect/>
+          </a:stretch>
+        </p:blipFill>
+        <p:spPr>
+          <a:xfrm>
+            <a:off x="7299454" y="4841701"/>
+            <a:ext cx="3241982" cy="2431487"/>
+          </a:xfrm>
+          <a:prstGeom prst="rect">
+            <a:avLst/>
+          </a:prstGeom>
+        </p:spPr>
+      </p:pic>
+      <p:sp>
+        <p:nvSpPr>
+          <p:cNvPr id="26" name="Rectangle 25">
+            <a:extLst>
+              <a:ext uri="{FF2B5EF4-FFF2-40B4-BE49-F238E27FC236}">
+                <a16:creationId xmlns:a16="http://schemas.microsoft.com/office/drawing/2014/main" id="{B81940E2-00DD-5841-8526-F0C34C9237EA}"/>
+              </a:ext>
+            </a:extLst>
+          </p:cNvPr>
+          <p:cNvSpPr/>
+          <p:nvPr/>
+        </p:nvSpPr>
+        <p:spPr>
+          <a:xfrm>
+            <a:off x="3422276" y="316006"/>
+            <a:ext cx="376518" cy="201706"/>
+          </a:xfrm>
+          <a:prstGeom prst="rect">
+            <a:avLst/>
+          </a:prstGeom>
+          <a:solidFill>
+            <a:schemeClr val="bg1"/>
+          </a:solidFill>
+          <a:ln>
+            <a:noFill/>
+          </a:ln>
+        </p:spPr>
+        <p:style>
+          <a:lnRef idx="2">
+            <a:schemeClr val="accent1">
+              <a:shade val="50000"/>
+            </a:schemeClr>
+          </a:lnRef>
+          <a:fillRef idx="1">
+            <a:schemeClr val="accent1"/>
+          </a:fillRef>
+          <a:effectRef idx="0">
+            <a:schemeClr val="accent1"/>
+          </a:effectRef>
+          <a:fontRef idx="minor">
+            <a:schemeClr val="lt1"/>
+          </a:fontRef>
+        </p:style>
+        <p:txBody>
+          <a:bodyPr rtlCol="0" anchor="ctr"/>
+          <a:lstStyle/>
+          <a:p>
+            <a:pPr algn="ctr"/>
+            <a:endParaRPr lang="en-US"/>
+          </a:p>
+        </p:txBody>
+      </p:sp>
+      <p:sp>
+        <p:nvSpPr>
+          <p:cNvPr id="27" name="Rectangle 26">
+            <a:extLst>
+              <a:ext uri="{FF2B5EF4-FFF2-40B4-BE49-F238E27FC236}">
+                <a16:creationId xmlns:a16="http://schemas.microsoft.com/office/drawing/2014/main" id="{A2ABB95E-3AA4-2B40-97D0-FB939011CFEA}"/>
+              </a:ext>
+            </a:extLst>
+          </p:cNvPr>
+          <p:cNvSpPr/>
+          <p:nvPr/>
+        </p:nvSpPr>
+        <p:spPr>
+          <a:xfrm>
+            <a:off x="6664258" y="329453"/>
+            <a:ext cx="376518" cy="201706"/>
+          </a:xfrm>
+          <a:prstGeom prst="rect">
+            <a:avLst/>
+          </a:prstGeom>
+          <a:solidFill>
+            <a:schemeClr val="bg1"/>
+          </a:solidFill>
+          <a:ln>
+            <a:noFill/>
+          </a:ln>
+        </p:spPr>
+        <p:style>
+          <a:lnRef idx="2">
+            <a:schemeClr val="accent1">
+              <a:shade val="50000"/>
+            </a:schemeClr>
+          </a:lnRef>
+          <a:fillRef idx="1">
+            <a:schemeClr val="accent1"/>
+          </a:fillRef>
+          <a:effectRef idx="0">
+            <a:schemeClr val="accent1"/>
+          </a:effectRef>
+          <a:fontRef idx="minor">
+            <a:schemeClr val="lt1"/>
+          </a:fontRef>
+        </p:style>
+        <p:txBody>
+          <a:bodyPr rtlCol="0" anchor="ctr"/>
+          <a:lstStyle/>
+          <a:p>
+            <a:pPr algn="ctr"/>
+            <a:endParaRPr lang="en-US"/>
+          </a:p>
+        </p:txBody>
+      </p:sp>
+      <p:sp>
+        <p:nvSpPr>
+          <p:cNvPr id="28" name="Rectangle 27">
+            <a:extLst>
+              <a:ext uri="{FF2B5EF4-FFF2-40B4-BE49-F238E27FC236}">
+                <a16:creationId xmlns:a16="http://schemas.microsoft.com/office/drawing/2014/main" id="{B9987DF7-A95D-F34A-8852-1DE1BC9D5C3D}"/>
+              </a:ext>
+            </a:extLst>
+          </p:cNvPr>
+          <p:cNvSpPr/>
+          <p:nvPr/>
+        </p:nvSpPr>
+        <p:spPr>
+          <a:xfrm>
+            <a:off x="3577815" y="2761533"/>
+            <a:ext cx="376518" cy="201706"/>
+          </a:xfrm>
+          <a:prstGeom prst="rect">
+            <a:avLst/>
+          </a:prstGeom>
+          <a:solidFill>
+            <a:schemeClr val="bg1"/>
+          </a:solidFill>
+          <a:ln>
+            <a:noFill/>
+          </a:ln>
+        </p:spPr>
+        <p:style>
+          <a:lnRef idx="2">
+            <a:schemeClr val="accent1">
+              <a:shade val="50000"/>
+            </a:schemeClr>
+          </a:lnRef>
+          <a:fillRef idx="1">
+            <a:schemeClr val="accent1"/>
+          </a:fillRef>
+          <a:effectRef idx="0">
+            <a:schemeClr val="accent1"/>
+          </a:effectRef>
+          <a:fontRef idx="minor">
+            <a:schemeClr val="lt1"/>
+          </a:fontRef>
+        </p:style>
+        <p:txBody>
+          <a:bodyPr rtlCol="0" anchor="ctr"/>
+          <a:lstStyle/>
+          <a:p>
+            <a:pPr algn="ctr"/>
+            <a:endParaRPr lang="en-US"/>
+          </a:p>
+        </p:txBody>
+      </p:sp>
+      <p:sp>
+        <p:nvSpPr>
+          <p:cNvPr id="29" name="Rectangle 28">
+            <a:extLst>
+              <a:ext uri="{FF2B5EF4-FFF2-40B4-BE49-F238E27FC236}">
+                <a16:creationId xmlns:a16="http://schemas.microsoft.com/office/drawing/2014/main" id="{EC192D0A-FB34-AC47-9A55-2BD69A9D06D1}"/>
+              </a:ext>
+            </a:extLst>
+          </p:cNvPr>
+          <p:cNvSpPr/>
+          <p:nvPr/>
+        </p:nvSpPr>
+        <p:spPr>
+          <a:xfrm>
+            <a:off x="6673025" y="2760940"/>
+            <a:ext cx="376518" cy="201706"/>
+          </a:xfrm>
+          <a:prstGeom prst="rect">
+            <a:avLst/>
+          </a:prstGeom>
+          <a:solidFill>
+            <a:schemeClr val="bg1"/>
+          </a:solidFill>
+          <a:ln>
+            <a:noFill/>
+          </a:ln>
+        </p:spPr>
+        <p:style>
+          <a:lnRef idx="2">
+            <a:schemeClr val="accent1">
+              <a:shade val="50000"/>
+            </a:schemeClr>
+          </a:lnRef>
+          <a:fillRef idx="1">
+            <a:schemeClr val="accent1"/>
+          </a:fillRef>
+          <a:effectRef idx="0">
+            <a:schemeClr val="accent1"/>
+          </a:effectRef>
+          <a:fontRef idx="minor">
+            <a:schemeClr val="lt1"/>
+          </a:fontRef>
+        </p:style>
+        <p:txBody>
+          <a:bodyPr rtlCol="0" anchor="ctr"/>
+          <a:lstStyle/>
+          <a:p>
+            <a:pPr algn="ctr"/>
+            <a:endParaRPr lang="en-US"/>
+          </a:p>
+        </p:txBody>
+      </p:sp>
+      <p:sp>
+        <p:nvSpPr>
+          <p:cNvPr id="30" name="Rectangle 29">
+            <a:extLst>
+              <a:ext uri="{FF2B5EF4-FFF2-40B4-BE49-F238E27FC236}">
+                <a16:creationId xmlns:a16="http://schemas.microsoft.com/office/drawing/2014/main" id="{8CCD8DC8-55C4-7F43-8E05-A1F2AB5746D4}"/>
+              </a:ext>
+            </a:extLst>
+          </p:cNvPr>
+          <p:cNvSpPr/>
+          <p:nvPr/>
+        </p:nvSpPr>
+        <p:spPr>
+          <a:xfrm>
+            <a:off x="3422276" y="5194857"/>
+            <a:ext cx="376518" cy="201706"/>
+          </a:xfrm>
+          <a:prstGeom prst="rect">
+            <a:avLst/>
+          </a:prstGeom>
+          <a:solidFill>
+            <a:schemeClr val="bg1"/>
+          </a:solidFill>
+          <a:ln>
+            <a:noFill/>
+          </a:ln>
+        </p:spPr>
+        <p:style>
+          <a:lnRef idx="2">
+            <a:schemeClr val="accent1">
+              <a:shade val="50000"/>
+            </a:schemeClr>
+          </a:lnRef>
+          <a:fillRef idx="1">
+            <a:schemeClr val="accent1"/>
+          </a:fillRef>
+          <a:effectRef idx="0">
+            <a:schemeClr val="accent1"/>
+          </a:effectRef>
+          <a:fontRef idx="minor">
+            <a:schemeClr val="lt1"/>
+          </a:fontRef>
+        </p:style>
+        <p:txBody>
+          <a:bodyPr rtlCol="0" anchor="ctr"/>
+          <a:lstStyle/>
+          <a:p>
+            <a:pPr algn="ctr"/>
+            <a:endParaRPr lang="en-US"/>
+          </a:p>
+        </p:txBody>
+      </p:sp>
+      <p:sp>
+        <p:nvSpPr>
+          <p:cNvPr id="31" name="Rectangle 30">
+            <a:extLst>
+              <a:ext uri="{FF2B5EF4-FFF2-40B4-BE49-F238E27FC236}">
+                <a16:creationId xmlns:a16="http://schemas.microsoft.com/office/drawing/2014/main" id="{288A72E7-F883-E549-B9B2-459FBB9AD726}"/>
+              </a:ext>
+            </a:extLst>
+          </p:cNvPr>
+          <p:cNvSpPr/>
+          <p:nvPr/>
+        </p:nvSpPr>
+        <p:spPr>
+          <a:xfrm>
+            <a:off x="4565804" y="5218451"/>
+            <a:ext cx="376518" cy="201706"/>
+          </a:xfrm>
+          <a:prstGeom prst="rect">
+            <a:avLst/>
+          </a:prstGeom>
+          <a:solidFill>
+            <a:schemeClr val="bg1"/>
+          </a:solidFill>
+          <a:ln>
+            <a:noFill/>
+          </a:ln>
+        </p:spPr>
+        <p:style>
+          <a:lnRef idx="2">
+            <a:schemeClr val="accent1">
+              <a:shade val="50000"/>
+            </a:schemeClr>
+          </a:lnRef>
+          <a:fillRef idx="1">
+            <a:schemeClr val="accent1"/>
+          </a:fillRef>
+          <a:effectRef idx="0">
+            <a:schemeClr val="accent1"/>
+          </a:effectRef>
+          <a:fontRef idx="minor">
+            <a:schemeClr val="lt1"/>
+          </a:fontRef>
+        </p:style>
+        <p:txBody>
+          <a:bodyPr rtlCol="0" anchor="ctr"/>
+          <a:lstStyle/>
+          <a:p>
+            <a:pPr algn="ctr"/>
+            <a:endParaRPr lang="en-US"/>
+          </a:p>
+        </p:txBody>
+      </p:sp>
+      <p:sp>
+        <p:nvSpPr>
+          <p:cNvPr id="32" name="TextBox 31">
+            <a:extLst>
+              <a:ext uri="{FF2B5EF4-FFF2-40B4-BE49-F238E27FC236}">
+                <a16:creationId xmlns:a16="http://schemas.microsoft.com/office/drawing/2014/main" id="{79F6F428-38BD-E944-AA5C-497F13AF3436}"/>
+              </a:ext>
+            </a:extLst>
+          </p:cNvPr>
+          <p:cNvSpPr txBox="1"/>
+          <p:nvPr/>
+        </p:nvSpPr>
+        <p:spPr>
+          <a:xfrm>
+            <a:off x="3583486" y="288191"/>
+            <a:ext cx="740781" cy="276999"/>
+          </a:xfrm>
+          <a:prstGeom prst="rect">
+            <a:avLst/>
+          </a:prstGeom>
+          <a:noFill/>
+        </p:spPr>
+        <p:txBody>
+          <a:bodyPr wrap="square" rtlCol="0">
+            <a:spAutoFit/>
+          </a:bodyPr>
+          <a:lstStyle/>
+          <a:p>
+            <a:r>
+              <a:rPr lang="en-US" sz="1200" b="1" dirty="0">
+                <a:latin typeface="Arial" panose="020B0604020202020204" pitchFamily="34" charset="0"/>
+                <a:cs typeface="Arial" panose="020B0604020202020204" pitchFamily="34" charset="0"/>
+              </a:rPr>
+              <a:t>27.5</a:t>
+            </a:r>
+          </a:p>
+        </p:txBody>
+      </p:sp>
+      <p:sp>
+        <p:nvSpPr>
+          <p:cNvPr id="33" name="TextBox 32">
+            <a:extLst>
+              <a:ext uri="{FF2B5EF4-FFF2-40B4-BE49-F238E27FC236}">
+                <a16:creationId xmlns:a16="http://schemas.microsoft.com/office/drawing/2014/main" id="{A566FD44-A4F2-F941-9327-3E94B697A21A}"/>
+              </a:ext>
+            </a:extLst>
+          </p:cNvPr>
+          <p:cNvSpPr txBox="1"/>
+          <p:nvPr/>
+        </p:nvSpPr>
+        <p:spPr>
+          <a:xfrm>
+            <a:off x="6558673" y="272050"/>
+            <a:ext cx="740781" cy="276999"/>
+          </a:xfrm>
+          <a:prstGeom prst="rect">
+            <a:avLst/>
+          </a:prstGeom>
+          <a:noFill/>
+        </p:spPr>
+        <p:txBody>
+          <a:bodyPr wrap="square" rtlCol="0">
+            <a:spAutoFit/>
+          </a:bodyPr>
+          <a:lstStyle/>
+          <a:p>
+            <a:r>
+              <a:rPr lang="en-US" sz="1200" b="1" dirty="0">
+                <a:latin typeface="Arial" panose="020B0604020202020204" pitchFamily="34" charset="0"/>
+                <a:cs typeface="Arial" panose="020B0604020202020204" pitchFamily="34" charset="0"/>
+              </a:rPr>
+              <a:t>27.5</a:t>
+            </a:r>
+          </a:p>
+        </p:txBody>
+      </p:sp>
+      <p:sp>
+        <p:nvSpPr>
+          <p:cNvPr id="34" name="TextBox 33">
+            <a:extLst>
+              <a:ext uri="{FF2B5EF4-FFF2-40B4-BE49-F238E27FC236}">
+                <a16:creationId xmlns:a16="http://schemas.microsoft.com/office/drawing/2014/main" id="{2321796B-D7A1-4440-B4CC-0FBA9ABF74FE}"/>
+              </a:ext>
+            </a:extLst>
+          </p:cNvPr>
+          <p:cNvSpPr txBox="1"/>
+          <p:nvPr/>
+        </p:nvSpPr>
+        <p:spPr>
+          <a:xfrm>
+            <a:off x="9699357" y="272050"/>
+            <a:ext cx="740781" cy="276999"/>
+          </a:xfrm>
+          <a:prstGeom prst="rect">
+            <a:avLst/>
+          </a:prstGeom>
+          <a:noFill/>
+        </p:spPr>
+        <p:txBody>
+          <a:bodyPr wrap="square" rtlCol="0">
+            <a:spAutoFit/>
+          </a:bodyPr>
+          <a:lstStyle/>
+          <a:p>
+            <a:r>
+              <a:rPr lang="en-US" sz="1200" b="1" dirty="0">
+                <a:latin typeface="Arial" panose="020B0604020202020204" pitchFamily="34" charset="0"/>
+                <a:cs typeface="Arial" panose="020B0604020202020204" pitchFamily="34" charset="0"/>
+              </a:rPr>
+              <a:t>27.5</a:t>
+            </a:r>
+          </a:p>
+        </p:txBody>
+      </p:sp>
+      <p:sp>
+        <p:nvSpPr>
+          <p:cNvPr id="35" name="TextBox 34">
+            <a:extLst>
+              <a:ext uri="{FF2B5EF4-FFF2-40B4-BE49-F238E27FC236}">
+                <a16:creationId xmlns:a16="http://schemas.microsoft.com/office/drawing/2014/main" id="{6170D902-F633-EE4C-861E-AB3D97DA404D}"/>
+              </a:ext>
+            </a:extLst>
+          </p:cNvPr>
+          <p:cNvSpPr txBox="1"/>
+          <p:nvPr/>
+        </p:nvSpPr>
+        <p:spPr>
+          <a:xfrm>
+            <a:off x="3545270" y="2744882"/>
+            <a:ext cx="482239" cy="276999"/>
+          </a:xfrm>
+          <a:prstGeom prst="rect">
+            <a:avLst/>
+          </a:prstGeom>
+          <a:solidFill>
+            <a:schemeClr val="bg1"/>
+          </a:solidFill>
+        </p:spPr>
+        <p:txBody>
+          <a:bodyPr wrap="square" rtlCol="0">
+            <a:spAutoFit/>
+          </a:bodyPr>
+          <a:lstStyle/>
+          <a:p>
+            <a:r>
+              <a:rPr lang="en-US" sz="1200" b="1" dirty="0">
+                <a:latin typeface="Arial" panose="020B0604020202020204" pitchFamily="34" charset="0"/>
+                <a:cs typeface="Arial" panose="020B0604020202020204" pitchFamily="34" charset="0"/>
+              </a:rPr>
+              <a:t>28.5</a:t>
+            </a:r>
+          </a:p>
+        </p:txBody>
+      </p:sp>
+      <p:sp>
+        <p:nvSpPr>
+          <p:cNvPr id="36" name="TextBox 35">
+            <a:extLst>
+              <a:ext uri="{FF2B5EF4-FFF2-40B4-BE49-F238E27FC236}">
+                <a16:creationId xmlns:a16="http://schemas.microsoft.com/office/drawing/2014/main" id="{CB0691FC-3415-5848-B3E5-B3703D3FA3B8}"/>
+              </a:ext>
+            </a:extLst>
+          </p:cNvPr>
+          <p:cNvSpPr txBox="1"/>
+          <p:nvPr/>
+        </p:nvSpPr>
+        <p:spPr>
+          <a:xfrm>
+            <a:off x="6558673" y="2755264"/>
+            <a:ext cx="740781" cy="276999"/>
+          </a:xfrm>
+          <a:prstGeom prst="rect">
+            <a:avLst/>
+          </a:prstGeom>
+          <a:noFill/>
+        </p:spPr>
+        <p:txBody>
+          <a:bodyPr wrap="square" rtlCol="0">
+            <a:spAutoFit/>
+          </a:bodyPr>
+          <a:lstStyle/>
+          <a:p>
+            <a:r>
+              <a:rPr lang="en-US" sz="1200" b="1" dirty="0">
+                <a:latin typeface="Arial" panose="020B0604020202020204" pitchFamily="34" charset="0"/>
+                <a:cs typeface="Arial" panose="020B0604020202020204" pitchFamily="34" charset="0"/>
+              </a:rPr>
+              <a:t>28.5</a:t>
+            </a:r>
+          </a:p>
+        </p:txBody>
+      </p:sp>
+      <p:sp>
+        <p:nvSpPr>
+          <p:cNvPr id="37" name="TextBox 36">
+            <a:extLst>
+              <a:ext uri="{FF2B5EF4-FFF2-40B4-BE49-F238E27FC236}">
+                <a16:creationId xmlns:a16="http://schemas.microsoft.com/office/drawing/2014/main" id="{03ED5B86-BFE7-E542-ACCF-08E6D869149C}"/>
+              </a:ext>
+            </a:extLst>
+          </p:cNvPr>
+          <p:cNvSpPr txBox="1"/>
+          <p:nvPr/>
+        </p:nvSpPr>
+        <p:spPr>
+          <a:xfrm>
+            <a:off x="9699356" y="2770526"/>
+            <a:ext cx="740781" cy="276999"/>
+          </a:xfrm>
+          <a:prstGeom prst="rect">
+            <a:avLst/>
+          </a:prstGeom>
+          <a:noFill/>
+        </p:spPr>
+        <p:txBody>
+          <a:bodyPr wrap="square" rtlCol="0">
+            <a:spAutoFit/>
+          </a:bodyPr>
+          <a:lstStyle/>
+          <a:p>
+            <a:r>
+              <a:rPr lang="en-US" sz="1200" b="1" dirty="0">
+                <a:latin typeface="Arial" panose="020B0604020202020204" pitchFamily="34" charset="0"/>
+                <a:cs typeface="Arial" panose="020B0604020202020204" pitchFamily="34" charset="0"/>
+              </a:rPr>
+              <a:t>28.5</a:t>
+            </a:r>
+          </a:p>
+        </p:txBody>
+      </p:sp>
+      <p:sp>
+        <p:nvSpPr>
+          <p:cNvPr id="39" name="TextBox 38">
+            <a:extLst>
+              <a:ext uri="{FF2B5EF4-FFF2-40B4-BE49-F238E27FC236}">
+                <a16:creationId xmlns:a16="http://schemas.microsoft.com/office/drawing/2014/main" id="{48A05000-0935-3144-B1E8-FBCAE68DBC88}"/>
+              </a:ext>
+            </a:extLst>
+          </p:cNvPr>
+          <p:cNvSpPr txBox="1"/>
+          <p:nvPr/>
+        </p:nvSpPr>
+        <p:spPr>
+          <a:xfrm>
+            <a:off x="6576383" y="5164663"/>
+            <a:ext cx="740781" cy="276999"/>
+          </a:xfrm>
+          <a:prstGeom prst="rect">
+            <a:avLst/>
+          </a:prstGeom>
+          <a:noFill/>
+        </p:spPr>
+        <p:txBody>
+          <a:bodyPr wrap="square" rtlCol="0">
+            <a:spAutoFit/>
+          </a:bodyPr>
+          <a:lstStyle/>
+          <a:p>
+            <a:r>
+              <a:rPr lang="en-US" sz="1200" b="1" dirty="0">
+                <a:latin typeface="Arial" panose="020B0604020202020204" pitchFamily="34" charset="0"/>
+                <a:cs typeface="Arial" panose="020B0604020202020204" pitchFamily="34" charset="0"/>
+              </a:rPr>
+              <a:t>30.0</a:t>
+            </a:r>
+          </a:p>
+        </p:txBody>
+      </p:sp>
+      <p:sp>
+        <p:nvSpPr>
+          <p:cNvPr id="40" name="TextBox 39">
+            <a:extLst>
+              <a:ext uri="{FF2B5EF4-FFF2-40B4-BE49-F238E27FC236}">
+                <a16:creationId xmlns:a16="http://schemas.microsoft.com/office/drawing/2014/main" id="{0182E12B-2C0A-C740-801F-011FAC753942}"/>
+              </a:ext>
+            </a:extLst>
+          </p:cNvPr>
+          <p:cNvSpPr txBox="1"/>
+          <p:nvPr/>
+        </p:nvSpPr>
+        <p:spPr>
+          <a:xfrm>
+            <a:off x="9688807" y="5119564"/>
+            <a:ext cx="740781" cy="276999"/>
+          </a:xfrm>
+          <a:prstGeom prst="rect">
+            <a:avLst/>
+          </a:prstGeom>
+          <a:noFill/>
+        </p:spPr>
+        <p:txBody>
+          <a:bodyPr wrap="square" rtlCol="0">
+            <a:spAutoFit/>
+          </a:bodyPr>
+          <a:lstStyle/>
+          <a:p>
+            <a:r>
+              <a:rPr lang="en-US" sz="1200" b="1" dirty="0">
+                <a:latin typeface="Arial" panose="020B0604020202020204" pitchFamily="34" charset="0"/>
+                <a:cs typeface="Arial" panose="020B0604020202020204" pitchFamily="34" charset="0"/>
+              </a:rPr>
+              <a:t>30.0</a:t>
+            </a:r>
+          </a:p>
+        </p:txBody>
+      </p:sp>
+      <p:sp>
+        <p:nvSpPr>
+          <p:cNvPr id="47" name="Rounded Rectangle 46">
+            <a:extLst>
+              <a:ext uri="{FF2B5EF4-FFF2-40B4-BE49-F238E27FC236}">
+                <a16:creationId xmlns:a16="http://schemas.microsoft.com/office/drawing/2014/main" id="{3E0C3501-7518-AB49-9CB9-6E4323F11A2F}"/>
+              </a:ext>
+            </a:extLst>
+          </p:cNvPr>
+          <p:cNvSpPr/>
+          <p:nvPr/>
+        </p:nvSpPr>
+        <p:spPr>
+          <a:xfrm>
+            <a:off x="3775218" y="5194857"/>
+            <a:ext cx="287854" cy="180308"/>
+          </a:xfrm>
+          <a:prstGeom prst="roundRect">
+            <a:avLst/>
+          </a:prstGeom>
+          <a:solidFill>
+            <a:schemeClr val="bg1"/>
+          </a:solidFill>
+          <a:ln>
+            <a:noFill/>
+          </a:ln>
+        </p:spPr>
+        <p:style>
+          <a:lnRef idx="2">
+            <a:schemeClr val="accent1">
+              <a:shade val="50000"/>
+            </a:schemeClr>
+          </a:lnRef>
+          <a:fillRef idx="1">
+            <a:schemeClr val="accent1"/>
+          </a:fillRef>
+          <a:effectRef idx="0">
+            <a:schemeClr val="accent1"/>
+          </a:effectRef>
+          <a:fontRef idx="minor">
+            <a:schemeClr val="lt1"/>
+          </a:fontRef>
+        </p:style>
+        <p:txBody>
+          <a:bodyPr rtlCol="0" anchor="ctr"/>
+          <a:lstStyle/>
+          <a:p>
+            <a:pPr algn="ctr"/>
+            <a:endParaRPr lang="en-US"/>
+          </a:p>
+        </p:txBody>
+      </p:sp>
+      <p:pic>
+        <p:nvPicPr>
+          <p:cNvPr id="51" name="Picture 50" descr="Chart&#10;&#10;Description automatically generated">
+            <a:extLst>
+              <a:ext uri="{FF2B5EF4-FFF2-40B4-BE49-F238E27FC236}">
+                <a16:creationId xmlns:a16="http://schemas.microsoft.com/office/drawing/2014/main" id="{8ED84D3A-FFB6-584B-8907-55788718ED65}"/>
+              </a:ext>
+            </a:extLst>
+          </p:cNvPr>
+          <p:cNvPicPr>
+            <a:picLocks noChangeAspect="1"/>
+          </p:cNvPicPr>
+          <p:nvPr/>
+        </p:nvPicPr>
+        <p:blipFill>
+          <a:blip r:embed="rId10"/>
+          <a:stretch>
+            <a:fillRect/>
+          </a:stretch>
+        </p:blipFill>
+        <p:spPr>
+          <a:xfrm>
+            <a:off x="1236292" y="4593037"/>
+            <a:ext cx="2916214" cy="2153624"/>
+          </a:xfrm>
+          <a:prstGeom prst="rect">
+            <a:avLst/>
+          </a:prstGeom>
+        </p:spPr>
+      </p:pic>
+      <p:sp>
+        <p:nvSpPr>
+          <p:cNvPr id="52" name="Rectangle 51">
+            <a:extLst>
+              <a:ext uri="{FF2B5EF4-FFF2-40B4-BE49-F238E27FC236}">
+                <a16:creationId xmlns:a16="http://schemas.microsoft.com/office/drawing/2014/main" id="{E864189A-B9CD-644D-B1A5-A7840F9B7FC1}"/>
+              </a:ext>
+            </a:extLst>
+          </p:cNvPr>
+          <p:cNvSpPr/>
+          <p:nvPr/>
+        </p:nvSpPr>
+        <p:spPr>
+          <a:xfrm>
+            <a:off x="3686554" y="5179169"/>
+            <a:ext cx="376518" cy="201706"/>
+          </a:xfrm>
+          <a:prstGeom prst="rect">
+            <a:avLst/>
+          </a:prstGeom>
+          <a:solidFill>
+            <a:schemeClr val="bg1"/>
+          </a:solidFill>
+          <a:ln>
+            <a:noFill/>
+          </a:ln>
+        </p:spPr>
+        <p:style>
+          <a:lnRef idx="2">
+            <a:schemeClr val="accent1">
+              <a:shade val="50000"/>
+            </a:schemeClr>
+          </a:lnRef>
+          <a:fillRef idx="1">
+            <a:schemeClr val="accent1"/>
+          </a:fillRef>
+          <a:effectRef idx="0">
+            <a:schemeClr val="accent1"/>
+          </a:effectRef>
+          <a:fontRef idx="minor">
+            <a:schemeClr val="lt1"/>
+          </a:fontRef>
+        </p:style>
+        <p:txBody>
+          <a:bodyPr rtlCol="0" anchor="ctr"/>
+          <a:lstStyle/>
+          <a:p>
+            <a:pPr algn="ctr"/>
+            <a:endParaRPr lang="en-US"/>
+          </a:p>
+        </p:txBody>
+      </p:sp>
+      <p:sp>
+        <p:nvSpPr>
+          <p:cNvPr id="38" name="TextBox 37">
+            <a:extLst>
+              <a:ext uri="{FF2B5EF4-FFF2-40B4-BE49-F238E27FC236}">
+                <a16:creationId xmlns:a16="http://schemas.microsoft.com/office/drawing/2014/main" id="{3C7FF839-EED3-0B4E-88BA-39D3E9F1E8D0}"/>
+              </a:ext>
+            </a:extLst>
+          </p:cNvPr>
+          <p:cNvSpPr txBox="1"/>
+          <p:nvPr/>
+        </p:nvSpPr>
+        <p:spPr>
+          <a:xfrm>
+            <a:off x="3618374" y="5164663"/>
+            <a:ext cx="740781" cy="276999"/>
+          </a:xfrm>
+          <a:prstGeom prst="rect">
+            <a:avLst/>
+          </a:prstGeom>
+          <a:noFill/>
+        </p:spPr>
+        <p:txBody>
+          <a:bodyPr wrap="square" rtlCol="0">
+            <a:spAutoFit/>
+          </a:bodyPr>
+          <a:lstStyle/>
+          <a:p>
+            <a:r>
+              <a:rPr lang="en-US" sz="1200" b="1" dirty="0">
+                <a:latin typeface="Arial" panose="020B0604020202020204" pitchFamily="34" charset="0"/>
+                <a:cs typeface="Arial" panose="020B0604020202020204" pitchFamily="34" charset="0"/>
+              </a:rPr>
+              <a:t>30.0</a:t>
+            </a:r>
+          </a:p>
+        </p:txBody>
+      </p:sp>
+    </p:spTree>
+    <p:extLst>
+      <p:ext uri="{BB962C8B-B14F-4D97-AF65-F5344CB8AC3E}">
+        <p14:creationId xmlns:p14="http://schemas.microsoft.com/office/powerpoint/2010/main" val="4203524287"/>
       </p:ext>
     </p:extLst>
   </p:cSld>
@@ -5486,4 +8826,299 @@
     </a:ext>
   </a:extLst>
 </a:theme>
+</file>
+
+<file path=ppt/theme/theme2.xml><?xml version="1.0" encoding="utf-8"?>
+<a:theme xmlns:a="http://schemas.openxmlformats.org/drawingml/2006/main" name="Office Theme">
+  <a:themeElements>
+    <a:clrScheme name="Office">
+      <a:dk1>
+        <a:sysClr val="windowText" lastClr="000000"/>
+      </a:dk1>
+      <a:lt1>
+        <a:sysClr val="window" lastClr="FFFFFF"/>
+      </a:lt1>
+      <a:dk2>
+        <a:srgbClr val="44546A"/>
+      </a:dk2>
+      <a:lt2>
+        <a:srgbClr val="E7E6E6"/>
+      </a:lt2>
+      <a:accent1>
+        <a:srgbClr val="4472C4"/>
+      </a:accent1>
+      <a:accent2>
+        <a:srgbClr val="ED7D31"/>
+      </a:accent2>
+      <a:accent3>
+        <a:srgbClr val="A5A5A5"/>
+      </a:accent3>
+      <a:accent4>
+        <a:srgbClr val="FFC000"/>
+      </a:accent4>
+      <a:accent5>
+        <a:srgbClr val="5B9BD5"/>
+      </a:accent5>
+      <a:accent6>
+        <a:srgbClr val="70AD47"/>
+      </a:accent6>
+      <a:hlink>
+        <a:srgbClr val="0563C1"/>
+      </a:hlink>
+      <a:folHlink>
+        <a:srgbClr val="954F72"/>
+      </a:folHlink>
+    </a:clrScheme>
+    <a:fontScheme name="Office">
+      <a:majorFont>
+        <a:latin typeface="Calibri Light" panose="020F0302020204030204"/>
+        <a:ea typeface=""/>
+        <a:cs typeface=""/>
+        <a:font script="Jpan" typeface="游ゴシック Light"/>
+        <a:font script="Hang" typeface="맑은 고딕"/>
+        <a:font script="Hans" typeface="等线 Light"/>
+        <a:font script="Hant" typeface="新細明體"/>
+        <a:font script="Arab" typeface="Times New Roman"/>
+        <a:font script="Hebr" typeface="Times New Roman"/>
+        <a:font script="Thai" typeface="Angsana New"/>
+        <a:font script="Ethi" typeface="Nyala"/>
+        <a:font script="Beng" typeface="Vrinda"/>
+        <a:font script="Gujr" typeface="Shruti"/>
+        <a:font script="Khmr" typeface="MoolBoran"/>
+        <a:font script="Knda" typeface="Tunga"/>
+        <a:font script="Guru" typeface="Raavi"/>
+        <a:font script="Cans" typeface="Euphemia"/>
+        <a:font script="Cher" typeface="Plantagenet Cherokee"/>
+        <a:font script="Yiii" typeface="Microsoft Yi Baiti"/>
+        <a:font script="Tibt" typeface="Microsoft Himalaya"/>
+        <a:font script="Thaa" typeface="MV Boli"/>
+        <a:font script="Deva" typeface="Mangal"/>
+        <a:font script="Telu" typeface="Gautami"/>
+        <a:font script="Taml" typeface="Latha"/>
+        <a:font script="Syrc" typeface="Estrangelo Edessa"/>
+        <a:font script="Orya" typeface="Kalinga"/>
+        <a:font script="Mlym" typeface="Kartika"/>
+        <a:font script="Laoo" typeface="DokChampa"/>
+        <a:font script="Sinh" typeface="Iskoola Pota"/>
+        <a:font script="Mong" typeface="Mongolian Baiti"/>
+        <a:font script="Viet" typeface="Times New Roman"/>
+        <a:font script="Uigh" typeface="Microsoft Uighur"/>
+        <a:font script="Geor" typeface="Sylfaen"/>
+        <a:font script="Armn" typeface="Arial"/>
+        <a:font script="Bugi" typeface="Leelawadee UI"/>
+        <a:font script="Bopo" typeface="Microsoft JhengHei"/>
+        <a:font script="Java" typeface="Javanese Text"/>
+        <a:font script="Lisu" typeface="Segoe UI"/>
+        <a:font script="Mymr" typeface="Myanmar Text"/>
+        <a:font script="Nkoo" typeface="Ebrima"/>
+        <a:font script="Olck" typeface="Nirmala UI"/>
+        <a:font script="Osma" typeface="Ebrima"/>
+        <a:font script="Phag" typeface="Phagspa"/>
+        <a:font script="Syrn" typeface="Estrangelo Edessa"/>
+        <a:font script="Syrj" typeface="Estrangelo Edessa"/>
+        <a:font script="Syre" typeface="Estrangelo Edessa"/>
+        <a:font script="Sora" typeface="Nirmala UI"/>
+        <a:font script="Tale" typeface="Microsoft Tai Le"/>
+        <a:font script="Talu" typeface="Microsoft New Tai Lue"/>
+        <a:font script="Tfng" typeface="Ebrima"/>
+      </a:majorFont>
+      <a:minorFont>
+        <a:latin typeface="Calibri" panose="020F0502020204030204"/>
+        <a:ea typeface=""/>
+        <a:cs typeface=""/>
+        <a:font script="Jpan" typeface="游ゴシック"/>
+        <a:font script="Hang" typeface="맑은 고딕"/>
+        <a:font script="Hans" typeface="等线"/>
+        <a:font script="Hant" typeface="新細明體"/>
+        <a:font script="Arab" typeface="Arial"/>
+        <a:font script="Hebr" typeface="Arial"/>
+        <a:font script="Thai" typeface="Cordia New"/>
+        <a:font script="Ethi" typeface="Nyala"/>
+        <a:font script="Beng" typeface="Vrinda"/>
+        <a:font script="Gujr" typeface="Shruti"/>
+        <a:font script="Khmr" typeface="DaunPenh"/>
+        <a:font script="Knda" typeface="Tunga"/>
+        <a:font script="Guru" typeface="Raavi"/>
+        <a:font script="Cans" typeface="Euphemia"/>
+        <a:font script="Cher" typeface="Plantagenet Cherokee"/>
+        <a:font script="Yiii" typeface="Microsoft Yi Baiti"/>
+        <a:font script="Tibt" typeface="Microsoft Himalaya"/>
+        <a:font script="Thaa" typeface="MV Boli"/>
+        <a:font script="Deva" typeface="Mangal"/>
+        <a:font script="Telu" typeface="Gautami"/>
+        <a:font script="Taml" typeface="Latha"/>
+        <a:font script="Syrc" typeface="Estrangelo Edessa"/>
+        <a:font script="Orya" typeface="Kalinga"/>
+        <a:font script="Mlym" typeface="Kartika"/>
+        <a:font script="Laoo" typeface="DokChampa"/>
+        <a:font script="Sinh" typeface="Iskoola Pota"/>
+        <a:font script="Mong" typeface="Mongolian Baiti"/>
+        <a:font script="Viet" typeface="Arial"/>
+        <a:font script="Uigh" typeface="Microsoft Uighur"/>
+        <a:font script="Geor" typeface="Sylfaen"/>
+        <a:font script="Armn" typeface="Arial"/>
+        <a:font script="Bugi" typeface="Leelawadee UI"/>
+        <a:font script="Bopo" typeface="Microsoft JhengHei"/>
+        <a:font script="Java" typeface="Javanese Text"/>
+        <a:font script="Lisu" typeface="Segoe UI"/>
+        <a:font script="Mymr" typeface="Myanmar Text"/>
+        <a:font script="Nkoo" typeface="Ebrima"/>
+        <a:font script="Olck" typeface="Nirmala UI"/>
+        <a:font script="Osma" typeface="Ebrima"/>
+        <a:font script="Phag" typeface="Phagspa"/>
+        <a:font script="Syrn" typeface="Estrangelo Edessa"/>
+        <a:font script="Syrj" typeface="Estrangelo Edessa"/>
+        <a:font script="Syre" typeface="Estrangelo Edessa"/>
+        <a:font script="Sora" typeface="Nirmala UI"/>
+        <a:font script="Tale" typeface="Microsoft Tai Le"/>
+        <a:font script="Talu" typeface="Microsoft New Tai Lue"/>
+        <a:font script="Tfng" typeface="Ebrima"/>
+      </a:minorFont>
+    </a:fontScheme>
+    <a:fmtScheme name="Office">
+      <a:fillStyleLst>
+        <a:solidFill>
+          <a:schemeClr val="phClr"/>
+        </a:solidFill>
+        <a:gradFill rotWithShape="1">
+          <a:gsLst>
+            <a:gs pos="0">
+              <a:schemeClr val="phClr">
+                <a:lumMod val="110000"/>
+                <a:satMod val="105000"/>
+                <a:tint val="67000"/>
+              </a:schemeClr>
+            </a:gs>
+            <a:gs pos="50000">
+              <a:schemeClr val="phClr">
+                <a:lumMod val="105000"/>
+                <a:satMod val="103000"/>
+                <a:tint val="73000"/>
+              </a:schemeClr>
+            </a:gs>
+            <a:gs pos="100000">
+              <a:schemeClr val="phClr">
+                <a:lumMod val="105000"/>
+                <a:satMod val="109000"/>
+                <a:tint val="81000"/>
+              </a:schemeClr>
+            </a:gs>
+          </a:gsLst>
+          <a:lin ang="5400000" scaled="0"/>
+        </a:gradFill>
+        <a:gradFill rotWithShape="1">
+          <a:gsLst>
+            <a:gs pos="0">
+              <a:schemeClr val="phClr">
+                <a:satMod val="103000"/>
+                <a:lumMod val="102000"/>
+                <a:tint val="94000"/>
+              </a:schemeClr>
+            </a:gs>
+            <a:gs pos="50000">
+              <a:schemeClr val="phClr">
+                <a:satMod val="110000"/>
+                <a:lumMod val="100000"/>
+                <a:shade val="100000"/>
+              </a:schemeClr>
+            </a:gs>
+            <a:gs pos="100000">
+              <a:schemeClr val="phClr">
+                <a:lumMod val="99000"/>
+                <a:satMod val="120000"/>
+                <a:shade val="78000"/>
+              </a:schemeClr>
+            </a:gs>
+          </a:gsLst>
+          <a:lin ang="5400000" scaled="0"/>
+        </a:gradFill>
+      </a:fillStyleLst>
+      <a:lnStyleLst>
+        <a:ln w="6350" cap="flat" cmpd="sng" algn="ctr">
+          <a:solidFill>
+            <a:schemeClr val="phClr"/>
+          </a:solidFill>
+          <a:prstDash val="solid"/>
+          <a:miter lim="800000"/>
+        </a:ln>
+        <a:ln w="12700" cap="flat" cmpd="sng" algn="ctr">
+          <a:solidFill>
+            <a:schemeClr val="phClr"/>
+          </a:solidFill>
+          <a:prstDash val="solid"/>
+          <a:miter lim="800000"/>
+        </a:ln>
+        <a:ln w="19050" cap="flat" cmpd="sng" algn="ctr">
+          <a:solidFill>
+            <a:schemeClr val="phClr"/>
+          </a:solidFill>
+          <a:prstDash val="solid"/>
+          <a:miter lim="800000"/>
+        </a:ln>
+      </a:lnStyleLst>
+      <a:effectStyleLst>
+        <a:effectStyle>
+          <a:effectLst/>
+        </a:effectStyle>
+        <a:effectStyle>
+          <a:effectLst/>
+        </a:effectStyle>
+        <a:effectStyle>
+          <a:effectLst>
+            <a:outerShdw blurRad="57150" dist="19050" dir="5400000" algn="ctr" rotWithShape="0">
+              <a:srgbClr val="000000">
+                <a:alpha val="63000"/>
+              </a:srgbClr>
+            </a:outerShdw>
+          </a:effectLst>
+        </a:effectStyle>
+      </a:effectStyleLst>
+      <a:bgFillStyleLst>
+        <a:solidFill>
+          <a:schemeClr val="phClr"/>
+        </a:solidFill>
+        <a:solidFill>
+          <a:schemeClr val="phClr">
+            <a:tint val="95000"/>
+            <a:satMod val="170000"/>
+          </a:schemeClr>
+        </a:solidFill>
+        <a:gradFill rotWithShape="1">
+          <a:gsLst>
+            <a:gs pos="0">
+              <a:schemeClr val="phClr">
+                <a:tint val="93000"/>
+                <a:satMod val="150000"/>
+                <a:shade val="98000"/>
+                <a:lumMod val="102000"/>
+              </a:schemeClr>
+            </a:gs>
+            <a:gs pos="50000">
+              <a:schemeClr val="phClr">
+                <a:tint val="98000"/>
+                <a:satMod val="130000"/>
+                <a:shade val="90000"/>
+                <a:lumMod val="103000"/>
+              </a:schemeClr>
+            </a:gs>
+            <a:gs pos="100000">
+              <a:schemeClr val="phClr">
+                <a:shade val="63000"/>
+                <a:satMod val="120000"/>
+              </a:schemeClr>
+            </a:gs>
+          </a:gsLst>
+          <a:lin ang="5400000" scaled="0"/>
+        </a:gradFill>
+      </a:bgFillStyleLst>
+    </a:fmtScheme>
+  </a:themeElements>
+  <a:objectDefaults/>
+  <a:extraClrSchemeLst/>
+  <a:extLst>
+    <a:ext uri="{05A4C25C-085E-4340-85A3-A5531E510DB2}">
+      <thm15:themeFamily xmlns:thm15="http://schemas.microsoft.com/office/thememl/2012/main" name="Office Theme" id="{62F939B6-93AF-4DB8-9C6B-D6C7DFDC589F}" vid="{4A3C46E8-61CC-4603-A589-7422A47A8E4A}"/>
+    </a:ext>
+  </a:extLst>
+</a:theme>
 </file>